--- a/Doc/capsule_equipe4_donnees_spatiales.pptx
+++ b/Doc/capsule_equipe4_donnees_spatiales.pptx
@@ -5,7 +5,7 @@
     <p:sldMasterId id="2147483699" r:id="rId1"/>
   </p:sldMasterIdLst>
   <p:notesMasterIdLst>
-    <p:notesMasterId r:id="rId18"/>
+    <p:notesMasterId r:id="rId23"/>
   </p:notesMasterIdLst>
   <p:sldIdLst>
     <p:sldId id="256" r:id="rId2"/>
@@ -19,11 +19,16 @@
     <p:sldId id="264" r:id="rId10"/>
     <p:sldId id="266" r:id="rId11"/>
     <p:sldId id="265" r:id="rId12"/>
-    <p:sldId id="272" r:id="rId13"/>
-    <p:sldId id="267" r:id="rId14"/>
-    <p:sldId id="273" r:id="rId15"/>
-    <p:sldId id="271" r:id="rId16"/>
-    <p:sldId id="268" r:id="rId17"/>
+    <p:sldId id="275" r:id="rId13"/>
+    <p:sldId id="272" r:id="rId14"/>
+    <p:sldId id="267" r:id="rId15"/>
+    <p:sldId id="274" r:id="rId16"/>
+    <p:sldId id="277" r:id="rId17"/>
+    <p:sldId id="278" r:id="rId18"/>
+    <p:sldId id="273" r:id="rId19"/>
+    <p:sldId id="271" r:id="rId20"/>
+    <p:sldId id="268" r:id="rId21"/>
+    <p:sldId id="276" r:id="rId22"/>
   </p:sldIdLst>
   <p:sldSz cx="12192000" cy="6858000"/>
   <p:notesSz cx="6858000" cy="9144000"/>
@@ -3189,7 +3194,7 @@
           <a:p>
             <a:fld id="{CB6B4AAB-487F-4415-BA5B-DD6E77021E44}" type="datetimeFigureOut">
               <a:rPr lang="fr-CA" smtClean="0"/>
-              <a:t>2023-03-27</a:t>
+              <a:t>2023-04-03</a:t>
             </a:fld>
             <a:endParaRPr lang="fr-CA"/>
           </a:p>
@@ -3455,6 +3460,328 @@
     </a:lvl9pPr>
   </p:notesStyle>
 </p:notesMaster>
+</file>
+
+<file path=ppt/notesSlides/notesSlide1.xml><?xml version="1.0" encoding="utf-8"?>
+<p:notes xmlns:a="http://schemas.openxmlformats.org/drawingml/2006/main" xmlns:r="http://schemas.openxmlformats.org/officeDocument/2006/relationships" xmlns:p="http://schemas.openxmlformats.org/presentationml/2006/main">
+  <p:cSld>
+    <p:spTree>
+      <p:nvGrpSpPr>
+        <p:cNvPr id="1" name=""/>
+        <p:cNvGrpSpPr/>
+        <p:nvPr/>
+      </p:nvGrpSpPr>
+      <p:grpSpPr>
+        <a:xfrm>
+          <a:off x="0" y="0"/>
+          <a:ext cx="0" cy="0"/>
+          <a:chOff x="0" y="0"/>
+          <a:chExt cx="0" cy="0"/>
+        </a:xfrm>
+      </p:grpSpPr>
+      <p:sp>
+        <p:nvSpPr>
+          <p:cNvPr id="2" name="Espace réservé de l'image des diapositives 1"/>
+          <p:cNvSpPr>
+            <a:spLocks noGrp="1" noRot="1" noChangeAspect="1"/>
+          </p:cNvSpPr>
+          <p:nvPr>
+            <p:ph type="sldImg"/>
+          </p:nvPr>
+        </p:nvSpPr>
+        <p:spPr/>
+      </p:sp>
+      <p:sp>
+        <p:nvSpPr>
+          <p:cNvPr id="3" name="Espace réservé des notes 2"/>
+          <p:cNvSpPr>
+            <a:spLocks noGrp="1"/>
+          </p:cNvSpPr>
+          <p:nvPr>
+            <p:ph type="body" idx="1"/>
+          </p:nvPr>
+        </p:nvSpPr>
+        <p:spPr/>
+        <p:txBody>
+          <a:bodyPr/>
+          <a:lstStyle/>
+          <a:p>
+            <a:r>
+              <a:rPr lang="fr-CA" dirty="0"/>
+              <a:t>MRF: </a:t>
+            </a:r>
+          </a:p>
+          <a:p>
+            <a:pPr marL="228600" indent="-228600">
+              <a:buFont typeface="+mj-lt"/>
+              <a:buAutoNum type="arabicPeriod"/>
+            </a:pPr>
+            <a:r>
+              <a:rPr lang="fr-CA" dirty="0"/>
+              <a:t>On effectue des prédictions sur chacun des pixels</a:t>
+            </a:r>
+          </a:p>
+          <a:p>
+            <a:pPr marL="228600" indent="-228600">
+              <a:buFont typeface="+mj-lt"/>
+              <a:buAutoNum type="arabicPeriod"/>
+            </a:pPr>
+            <a:r>
+              <a:rPr lang="fr-CA" dirty="0"/>
+              <a:t>On régularise les prédictions en appliquant un « champs aléatoire de Markov ». I.e. on lisse les prédictions en fonction de la structure de dépendance spatiale.</a:t>
+            </a:r>
+          </a:p>
+          <a:p>
+            <a:pPr marL="0" indent="0">
+              <a:buFont typeface="+mj-lt"/>
+              <a:buNone/>
+            </a:pPr>
+            <a:endParaRPr lang="fr-CA" dirty="0"/>
+          </a:p>
+          <a:p>
+            <a:pPr marL="0" indent="0">
+              <a:buFont typeface="+mj-lt"/>
+              <a:buNone/>
+            </a:pPr>
+            <a:r>
+              <a:rPr lang="fr-CA" dirty="0"/>
+              <a:t>Modèle SAR</a:t>
+            </a:r>
+          </a:p>
+          <a:p>
+            <a:pPr marL="228600" indent="-228600">
+              <a:buFont typeface="Arial" panose="020B0604020202020204" pitchFamily="34" charset="0"/>
+              <a:buChar char="•"/>
+            </a:pPr>
+            <a:r>
+              <a:rPr lang="fr-CA" dirty="0"/>
+              <a:t>Rho est un paramètre (scalaire) de corrélation spatiale</a:t>
+            </a:r>
+          </a:p>
+          <a:p>
+            <a:pPr marL="228600" indent="-228600">
+              <a:buFont typeface="Arial" panose="020B0604020202020204" pitchFamily="34" charset="0"/>
+              <a:buChar char="•"/>
+            </a:pPr>
+            <a:r>
+              <a:rPr lang="fr-CA" dirty="0"/>
+              <a:t>La matrice W est la matrice de contiguïté entre les observations Y</a:t>
+            </a:r>
+          </a:p>
+        </p:txBody>
+      </p:sp>
+      <p:sp>
+        <p:nvSpPr>
+          <p:cNvPr id="4" name="Espace réservé du numéro de diapositive 3"/>
+          <p:cNvSpPr>
+            <a:spLocks noGrp="1"/>
+          </p:cNvSpPr>
+          <p:nvPr>
+            <p:ph type="sldNum" sz="quarter" idx="5"/>
+          </p:nvPr>
+        </p:nvSpPr>
+        <p:spPr/>
+        <p:txBody>
+          <a:bodyPr/>
+          <a:lstStyle/>
+          <a:p>
+            <a:fld id="{CBD013D1-221E-4D8B-87AC-B25C3A5CCE38}" type="slidenum">
+              <a:rPr lang="fr-CA" smtClean="0"/>
+              <a:t>12</a:t>
+            </a:fld>
+            <a:endParaRPr lang="fr-CA"/>
+          </a:p>
+        </p:txBody>
+      </p:sp>
+    </p:spTree>
+    <p:extLst>
+      <p:ext uri="{BB962C8B-B14F-4D97-AF65-F5344CB8AC3E}">
+        <p14:creationId xmlns:p14="http://schemas.microsoft.com/office/powerpoint/2010/main" val="726022747"/>
+      </p:ext>
+    </p:extLst>
+  </p:cSld>
+  <p:clrMapOvr>
+    <a:masterClrMapping/>
+  </p:clrMapOvr>
+</p:notes>
+</file>
+
+<file path=ppt/notesSlides/notesSlide2.xml><?xml version="1.0" encoding="utf-8"?>
+<p:notes xmlns:a="http://schemas.openxmlformats.org/drawingml/2006/main" xmlns:r="http://schemas.openxmlformats.org/officeDocument/2006/relationships" xmlns:p="http://schemas.openxmlformats.org/presentationml/2006/main">
+  <p:cSld>
+    <p:spTree>
+      <p:nvGrpSpPr>
+        <p:cNvPr id="1" name=""/>
+        <p:cNvGrpSpPr/>
+        <p:nvPr/>
+      </p:nvGrpSpPr>
+      <p:grpSpPr>
+        <a:xfrm>
+          <a:off x="0" y="0"/>
+          <a:ext cx="0" cy="0"/>
+          <a:chOff x="0" y="0"/>
+          <a:chExt cx="0" cy="0"/>
+        </a:xfrm>
+      </p:grpSpPr>
+      <p:sp>
+        <p:nvSpPr>
+          <p:cNvPr id="2" name="Espace réservé de l'image des diapositives 1"/>
+          <p:cNvSpPr>
+            <a:spLocks noGrp="1" noRot="1" noChangeAspect="1"/>
+          </p:cNvSpPr>
+          <p:nvPr>
+            <p:ph type="sldImg"/>
+          </p:nvPr>
+        </p:nvSpPr>
+        <p:spPr/>
+      </p:sp>
+      <p:sp>
+        <p:nvSpPr>
+          <p:cNvPr id="3" name="Espace réservé des notes 2"/>
+          <p:cNvSpPr>
+            <a:spLocks noGrp="1"/>
+          </p:cNvSpPr>
+          <p:nvPr>
+            <p:ph type="body" idx="1"/>
+          </p:nvPr>
+        </p:nvSpPr>
+        <p:spPr/>
+        <p:txBody>
+          <a:bodyPr/>
+          <a:lstStyle/>
+          <a:p>
+            <a:r>
+              <a:rPr lang="fr-CA" b="0" i="0" dirty="0">
+                <a:solidFill>
+                  <a:srgbClr val="222222"/>
+                </a:solidFill>
+                <a:effectLst/>
+                <a:latin typeface="Arial" panose="020B0604020202020204" pitchFamily="34" charset="0"/>
+              </a:rPr>
+              <a:t>Roberts et al. 2017</a:t>
+            </a:r>
+            <a:endParaRPr lang="fr-CA" dirty="0"/>
+          </a:p>
+        </p:txBody>
+      </p:sp>
+      <p:sp>
+        <p:nvSpPr>
+          <p:cNvPr id="4" name="Espace réservé du numéro de diapositive 3"/>
+          <p:cNvSpPr>
+            <a:spLocks noGrp="1"/>
+          </p:cNvSpPr>
+          <p:nvPr>
+            <p:ph type="sldNum" sz="quarter" idx="5"/>
+          </p:nvPr>
+        </p:nvSpPr>
+        <p:spPr/>
+        <p:txBody>
+          <a:bodyPr/>
+          <a:lstStyle/>
+          <a:p>
+            <a:fld id="{CBD013D1-221E-4D8B-87AC-B25C3A5CCE38}" type="slidenum">
+              <a:rPr lang="fr-CA" smtClean="0"/>
+              <a:t>15</a:t>
+            </a:fld>
+            <a:endParaRPr lang="fr-CA"/>
+          </a:p>
+        </p:txBody>
+      </p:sp>
+    </p:spTree>
+    <p:extLst>
+      <p:ext uri="{BB962C8B-B14F-4D97-AF65-F5344CB8AC3E}">
+        <p14:creationId xmlns:p14="http://schemas.microsoft.com/office/powerpoint/2010/main" val="1704370903"/>
+      </p:ext>
+    </p:extLst>
+  </p:cSld>
+  <p:clrMapOvr>
+    <a:masterClrMapping/>
+  </p:clrMapOvr>
+</p:notes>
+</file>
+
+<file path=ppt/notesSlides/notesSlide3.xml><?xml version="1.0" encoding="utf-8"?>
+<p:notes xmlns:a="http://schemas.openxmlformats.org/drawingml/2006/main" xmlns:r="http://schemas.openxmlformats.org/officeDocument/2006/relationships" xmlns:p="http://schemas.openxmlformats.org/presentationml/2006/main">
+  <p:cSld>
+    <p:spTree>
+      <p:nvGrpSpPr>
+        <p:cNvPr id="1" name=""/>
+        <p:cNvGrpSpPr/>
+        <p:nvPr/>
+      </p:nvGrpSpPr>
+      <p:grpSpPr>
+        <a:xfrm>
+          <a:off x="0" y="0"/>
+          <a:ext cx="0" cy="0"/>
+          <a:chOff x="0" y="0"/>
+          <a:chExt cx="0" cy="0"/>
+        </a:xfrm>
+      </p:grpSpPr>
+      <p:sp>
+        <p:nvSpPr>
+          <p:cNvPr id="2" name="Espace réservé de l'image des diapositives 1"/>
+          <p:cNvSpPr>
+            <a:spLocks noGrp="1" noRot="1" noChangeAspect="1"/>
+          </p:cNvSpPr>
+          <p:nvPr>
+            <p:ph type="sldImg"/>
+          </p:nvPr>
+        </p:nvSpPr>
+        <p:spPr/>
+      </p:sp>
+      <p:sp>
+        <p:nvSpPr>
+          <p:cNvPr id="3" name="Espace réservé des notes 2"/>
+          <p:cNvSpPr>
+            <a:spLocks noGrp="1"/>
+          </p:cNvSpPr>
+          <p:nvPr>
+            <p:ph type="body" idx="1"/>
+          </p:nvPr>
+        </p:nvSpPr>
+        <p:spPr/>
+        <p:txBody>
+          <a:bodyPr/>
+          <a:lstStyle/>
+          <a:p>
+            <a:endParaRPr lang="fr-CA" dirty="0"/>
+          </a:p>
+        </p:txBody>
+      </p:sp>
+      <p:sp>
+        <p:nvSpPr>
+          <p:cNvPr id="4" name="Espace réservé du numéro de diapositive 3"/>
+          <p:cNvSpPr>
+            <a:spLocks noGrp="1"/>
+          </p:cNvSpPr>
+          <p:nvPr>
+            <p:ph type="sldNum" sz="quarter" idx="5"/>
+          </p:nvPr>
+        </p:nvSpPr>
+        <p:spPr/>
+        <p:txBody>
+          <a:bodyPr/>
+          <a:lstStyle/>
+          <a:p>
+            <a:fld id="{CBD013D1-221E-4D8B-87AC-B25C3A5CCE38}" type="slidenum">
+              <a:rPr lang="fr-CA" smtClean="0"/>
+              <a:t>16</a:t>
+            </a:fld>
+            <a:endParaRPr lang="fr-CA"/>
+          </a:p>
+        </p:txBody>
+      </p:sp>
+    </p:spTree>
+    <p:extLst>
+      <p:ext uri="{BB962C8B-B14F-4D97-AF65-F5344CB8AC3E}">
+        <p14:creationId xmlns:p14="http://schemas.microsoft.com/office/powerpoint/2010/main" val="3890070560"/>
+      </p:ext>
+    </p:extLst>
+  </p:cSld>
+  <p:clrMapOvr>
+    <a:masterClrMapping/>
+  </p:clrMapOvr>
+</p:notes>
 </file>
 
 <file path=ppt/slideLayouts/slideLayout1.xml><?xml version="1.0" encoding="utf-8"?>
@@ -14485,55 +14812,6 @@
           </p:txBody>
         </p:sp>
       </p:grpSp>
-      <p:sp>
-        <p:nvSpPr>
-          <p:cNvPr id="6" name="Forme en L 5">
-            <a:extLst>
-              <a:ext uri="{FF2B5EF4-FFF2-40B4-BE49-F238E27FC236}">
-                <a16:creationId xmlns:a16="http://schemas.microsoft.com/office/drawing/2014/main" id="{30D9C8E7-B622-89EC-B227-351B6477B945}"/>
-              </a:ext>
-            </a:extLst>
-          </p:cNvPr>
-          <p:cNvSpPr/>
-          <p:nvPr/>
-        </p:nvSpPr>
-        <p:spPr>
-          <a:xfrm rot="13663044">
-            <a:off x="5171076" y="3812264"/>
-            <a:ext cx="925043" cy="848413"/>
-          </a:xfrm>
-          <a:prstGeom prst="corner">
-            <a:avLst>
-              <a:gd name="adj1" fmla="val 36621"/>
-              <a:gd name="adj2" fmla="val 37667"/>
-            </a:avLst>
-          </a:prstGeom>
-        </p:spPr>
-        <p:style>
-          <a:lnRef idx="2">
-            <a:schemeClr val="accent1">
-              <a:shade val="50000"/>
-            </a:schemeClr>
-          </a:lnRef>
-          <a:fillRef idx="1">
-            <a:schemeClr val="accent1"/>
-          </a:fillRef>
-          <a:effectRef idx="0">
-            <a:schemeClr val="accent1"/>
-          </a:effectRef>
-          <a:fontRef idx="minor">
-            <a:schemeClr val="lt1"/>
-          </a:fontRef>
-        </p:style>
-        <p:txBody>
-          <a:bodyPr rtlCol="0" anchor="ctr"/>
-          <a:lstStyle/>
-          <a:p>
-            <a:pPr algn="ctr"/>
-            <a:endParaRPr lang="fr-CA"/>
-          </a:p>
-        </p:txBody>
-      </p:sp>
       <p:graphicFrame>
         <p:nvGraphicFramePr>
           <p:cNvPr id="10" name="Tableau 10">
@@ -14549,14 +14827,14 @@
           <p:nvPr>
             <p:extLst>
               <p:ext uri="{D42A27DB-BD31-4B8C-83A1-F6EECF244321}">
-                <p14:modId xmlns:p14="http://schemas.microsoft.com/office/powerpoint/2010/main" val="3937879640"/>
+                <p14:modId xmlns:p14="http://schemas.microsoft.com/office/powerpoint/2010/main" val="1868167019"/>
               </p:ext>
             </p:extLst>
           </p:nvPr>
         </p:nvGraphicFramePr>
         <p:xfrm>
           <a:off x="6784203" y="2396585"/>
-          <a:ext cx="2925406" cy="3479728"/>
+          <a:ext cx="2925404" cy="3479728"/>
         </p:xfrm>
         <a:graphic>
           <a:graphicData uri="http://schemas.openxmlformats.org/drawingml/2006/table">
@@ -14565,17 +14843,31 @@
                 <a:tableStyleId>{17292A2E-F333-43FB-9621-5CBBE7FDCDCB}</a:tableStyleId>
               </a:tblPr>
               <a:tblGrid>
-                <a:gridCol w="1462703">
+                <a:gridCol w="731351">
                   <a:extLst>
                     <a:ext uri="{9D8B030D-6E8A-4147-A177-3AD203B41FA5}">
                       <a16:colId xmlns:a16="http://schemas.microsoft.com/office/drawing/2014/main" val="1491339644"/>
                     </a:ext>
                   </a:extLst>
                 </a:gridCol>
-                <a:gridCol w="1462703">
+                <a:gridCol w="731351">
                   <a:extLst>
                     <a:ext uri="{9D8B030D-6E8A-4147-A177-3AD203B41FA5}">
                       <a16:colId xmlns:a16="http://schemas.microsoft.com/office/drawing/2014/main" val="1659534576"/>
+                    </a:ext>
+                  </a:extLst>
+                </a:gridCol>
+                <a:gridCol w="731351">
+                  <a:extLst>
+                    <a:ext uri="{9D8B030D-6E8A-4147-A177-3AD203B41FA5}">
+                      <a16:colId xmlns:a16="http://schemas.microsoft.com/office/drawing/2014/main" val="3911477373"/>
+                    </a:ext>
+                  </a:extLst>
+                </a:gridCol>
+                <a:gridCol w="731351">
+                  <a:extLst>
+                    <a:ext uri="{9D8B030D-6E8A-4147-A177-3AD203B41FA5}">
+                      <a16:colId xmlns:a16="http://schemas.microsoft.com/office/drawing/2014/main" val="4211492702"/>
                     </a:ext>
                   </a:extLst>
                 </a:gridCol>
@@ -14609,6 +14901,62 @@
                         <a:rPr lang="fr-CA" sz="1700" dirty="0"/>
                         <a:t>X</a:t>
                       </a:r>
+                    </a:p>
+                  </a:txBody>
+                  <a:tcPr marL="84857" marR="84857" marT="42428" marB="42428">
+                    <a:lnR w="12700" cap="flat" cmpd="sng" algn="ctr">
+                      <a:solidFill>
+                        <a:schemeClr val="tx1"/>
+                      </a:solidFill>
+                      <a:prstDash val="solid"/>
+                      <a:round/>
+                      <a:headEnd type="none" w="med" len="med"/>
+                      <a:tailEnd type="none" w="med" len="med"/>
+                    </a:lnR>
+                    <a:solidFill>
+                      <a:schemeClr val="accent1"/>
+                    </a:solidFill>
+                  </a:tcPr>
+                </a:tc>
+                <a:tc>
+                  <a:txBody>
+                    <a:bodyPr/>
+                    <a:lstStyle/>
+                    <a:p>
+                      <a:pPr algn="ctr"/>
+                      <a:r>
+                        <a:rPr lang="fr-CA" sz="1700" dirty="0" err="1"/>
+                        <a:t>Lon</a:t>
+                      </a:r>
+                      <a:endParaRPr lang="fr-CA" sz="1700" dirty="0"/>
+                    </a:p>
+                  </a:txBody>
+                  <a:tcPr marL="84857" marR="84857" marT="42428" marB="42428">
+                    <a:lnL w="12700" cap="flat" cmpd="sng" algn="ctr">
+                      <a:solidFill>
+                        <a:schemeClr val="tx1"/>
+                      </a:solidFill>
+                      <a:prstDash val="solid"/>
+                      <a:round/>
+                      <a:headEnd type="none" w="med" len="med"/>
+                      <a:tailEnd type="none" w="med" len="med"/>
+                    </a:lnL>
+                    <a:solidFill>
+                      <a:schemeClr val="accent1"/>
+                    </a:solidFill>
+                  </a:tcPr>
+                </a:tc>
+                <a:tc>
+                  <a:txBody>
+                    <a:bodyPr/>
+                    <a:lstStyle/>
+                    <a:p>
+                      <a:pPr algn="ctr"/>
+                      <a:r>
+                        <a:rPr lang="fr-CA" sz="1700" dirty="0" err="1"/>
+                        <a:t>Lat</a:t>
+                      </a:r>
+                      <a:endParaRPr lang="fr-CA" sz="1700" dirty="0"/>
                     </a:p>
                   </a:txBody>
                   <a:tcPr marL="84857" marR="84857" marT="42428" marB="42428">
@@ -14650,6 +14998,54 @@
                       </a:r>
                     </a:p>
                   </a:txBody>
+                  <a:tcPr marL="84857" marR="84857" marT="42428" marB="42428">
+                    <a:lnR w="12700" cap="flat" cmpd="sng" algn="ctr">
+                      <a:solidFill>
+                        <a:schemeClr val="tx1"/>
+                      </a:solidFill>
+                      <a:prstDash val="solid"/>
+                      <a:round/>
+                      <a:headEnd type="none" w="med" len="med"/>
+                      <a:tailEnd type="none" w="med" len="med"/>
+                    </a:lnR>
+                  </a:tcPr>
+                </a:tc>
+                <a:tc>
+                  <a:txBody>
+                    <a:bodyPr/>
+                    <a:lstStyle/>
+                    <a:p>
+                      <a:pPr algn="ctr"/>
+                      <a:r>
+                        <a:rPr lang="fr-CA" sz="1700" dirty="0"/>
+                        <a:t>5.8</a:t>
+                      </a:r>
+                    </a:p>
+                  </a:txBody>
+                  <a:tcPr marL="84857" marR="84857" marT="42428" marB="42428">
+                    <a:lnL w="12700" cap="flat" cmpd="sng" algn="ctr">
+                      <a:solidFill>
+                        <a:schemeClr val="tx1"/>
+                      </a:solidFill>
+                      <a:prstDash val="solid"/>
+                      <a:round/>
+                      <a:headEnd type="none" w="med" len="med"/>
+                      <a:tailEnd type="none" w="med" len="med"/>
+                    </a:lnL>
+                  </a:tcPr>
+                </a:tc>
+                <a:tc>
+                  <a:txBody>
+                    <a:bodyPr/>
+                    <a:lstStyle/>
+                    <a:p>
+                      <a:pPr algn="ctr"/>
+                      <a:r>
+                        <a:rPr lang="fr-CA" sz="1700" dirty="0"/>
+                        <a:t>50</a:t>
+                      </a:r>
+                    </a:p>
+                  </a:txBody>
                   <a:tcPr marL="84857" marR="84857" marT="42428" marB="42428"/>
                 </a:tc>
                 <a:extLst>
@@ -14682,6 +15078,54 @@
                       <a:r>
                         <a:rPr lang="fr-CA" sz="1700" dirty="0"/>
                         <a:t>250</a:t>
+                      </a:r>
+                    </a:p>
+                  </a:txBody>
+                  <a:tcPr marL="84857" marR="84857" marT="42428" marB="42428">
+                    <a:lnR w="12700" cap="flat" cmpd="sng" algn="ctr">
+                      <a:solidFill>
+                        <a:schemeClr val="tx1"/>
+                      </a:solidFill>
+                      <a:prstDash val="solid"/>
+                      <a:round/>
+                      <a:headEnd type="none" w="med" len="med"/>
+                      <a:tailEnd type="none" w="med" len="med"/>
+                    </a:lnR>
+                  </a:tcPr>
+                </a:tc>
+                <a:tc>
+                  <a:txBody>
+                    <a:bodyPr/>
+                    <a:lstStyle/>
+                    <a:p>
+                      <a:pPr algn="ctr"/>
+                      <a:r>
+                        <a:rPr lang="fr-CA" sz="1700" dirty="0"/>
+                        <a:t>5</a:t>
+                      </a:r>
+                    </a:p>
+                  </a:txBody>
+                  <a:tcPr marL="84857" marR="84857" marT="42428" marB="42428">
+                    <a:lnL w="12700" cap="flat" cmpd="sng" algn="ctr">
+                      <a:solidFill>
+                        <a:schemeClr val="tx1"/>
+                      </a:solidFill>
+                      <a:prstDash val="solid"/>
+                      <a:round/>
+                      <a:headEnd type="none" w="med" len="med"/>
+                      <a:tailEnd type="none" w="med" len="med"/>
+                    </a:lnL>
+                  </a:tcPr>
+                </a:tc>
+                <a:tc>
+                  <a:txBody>
+                    <a:bodyPr/>
+                    <a:lstStyle/>
+                    <a:p>
+                      <a:pPr algn="ctr"/>
+                      <a:r>
+                        <a:rPr lang="fr-CA" sz="1700" dirty="0"/>
+                        <a:t>49.5</a:t>
                       </a:r>
                     </a:p>
                   </a:txBody>
@@ -14720,6 +15164,54 @@
                       </a:r>
                     </a:p>
                   </a:txBody>
+                  <a:tcPr marL="84857" marR="84857" marT="42428" marB="42428">
+                    <a:lnR w="12700" cap="flat" cmpd="sng" algn="ctr">
+                      <a:solidFill>
+                        <a:schemeClr val="tx1"/>
+                      </a:solidFill>
+                      <a:prstDash val="solid"/>
+                      <a:round/>
+                      <a:headEnd type="none" w="med" len="med"/>
+                      <a:tailEnd type="none" w="med" len="med"/>
+                    </a:lnR>
+                  </a:tcPr>
+                </a:tc>
+                <a:tc>
+                  <a:txBody>
+                    <a:bodyPr/>
+                    <a:lstStyle/>
+                    <a:p>
+                      <a:pPr algn="ctr"/>
+                      <a:r>
+                        <a:rPr lang="fr-CA" sz="1700" dirty="0"/>
+                        <a:t>6.2</a:t>
+                      </a:r>
+                    </a:p>
+                  </a:txBody>
+                  <a:tcPr marL="84857" marR="84857" marT="42428" marB="42428">
+                    <a:lnL w="12700" cap="flat" cmpd="sng" algn="ctr">
+                      <a:solidFill>
+                        <a:schemeClr val="tx1"/>
+                      </a:solidFill>
+                      <a:prstDash val="solid"/>
+                      <a:round/>
+                      <a:headEnd type="none" w="med" len="med"/>
+                      <a:tailEnd type="none" w="med" len="med"/>
+                    </a:lnL>
+                  </a:tcPr>
+                </a:tc>
+                <a:tc>
+                  <a:txBody>
+                    <a:bodyPr/>
+                    <a:lstStyle/>
+                    <a:p>
+                      <a:pPr algn="ctr"/>
+                      <a:r>
+                        <a:rPr lang="fr-CA" sz="1700" dirty="0"/>
+                        <a:t>49.6</a:t>
+                      </a:r>
+                    </a:p>
+                  </a:txBody>
                   <a:tcPr marL="84857" marR="84857" marT="42428" marB="42428"/>
                 </a:tc>
                 <a:extLst>
@@ -14752,6 +15244,54 @@
                       <a:r>
                         <a:rPr lang="fr-CA" sz="1700" dirty="0"/>
                         <a:t>150</a:t>
+                      </a:r>
+                    </a:p>
+                  </a:txBody>
+                  <a:tcPr marL="84857" marR="84857" marT="42428" marB="42428">
+                    <a:lnR w="12700" cap="flat" cmpd="sng" algn="ctr">
+                      <a:solidFill>
+                        <a:schemeClr val="tx1"/>
+                      </a:solidFill>
+                      <a:prstDash val="solid"/>
+                      <a:round/>
+                      <a:headEnd type="none" w="med" len="med"/>
+                      <a:tailEnd type="none" w="med" len="med"/>
+                    </a:lnR>
+                  </a:tcPr>
+                </a:tc>
+                <a:tc>
+                  <a:txBody>
+                    <a:bodyPr/>
+                    <a:lstStyle/>
+                    <a:p>
+                      <a:pPr algn="ctr"/>
+                      <a:r>
+                        <a:rPr lang="fr-CA" sz="1700" dirty="0"/>
+                        <a:t>6.4</a:t>
+                      </a:r>
+                    </a:p>
+                  </a:txBody>
+                  <a:tcPr marL="84857" marR="84857" marT="42428" marB="42428">
+                    <a:lnL w="12700" cap="flat" cmpd="sng" algn="ctr">
+                      <a:solidFill>
+                        <a:schemeClr val="tx1"/>
+                      </a:solidFill>
+                      <a:prstDash val="solid"/>
+                      <a:round/>
+                      <a:headEnd type="none" w="med" len="med"/>
+                      <a:tailEnd type="none" w="med" len="med"/>
+                    </a:lnL>
+                  </a:tcPr>
+                </a:tc>
+                <a:tc>
+                  <a:txBody>
+                    <a:bodyPr/>
+                    <a:lstStyle/>
+                    <a:p>
+                      <a:pPr algn="ctr"/>
+                      <a:r>
+                        <a:rPr lang="fr-CA" sz="1700" dirty="0"/>
+                        <a:t>49.9</a:t>
                       </a:r>
                     </a:p>
                   </a:txBody>
@@ -14790,6 +15330,54 @@
                       </a:r>
                     </a:p>
                   </a:txBody>
+                  <a:tcPr marL="84857" marR="84857" marT="42428" marB="42428">
+                    <a:lnR w="12700" cap="flat" cmpd="sng" algn="ctr">
+                      <a:solidFill>
+                        <a:schemeClr val="tx1"/>
+                      </a:solidFill>
+                      <a:prstDash val="solid"/>
+                      <a:round/>
+                      <a:headEnd type="none" w="med" len="med"/>
+                      <a:tailEnd type="none" w="med" len="med"/>
+                    </a:lnR>
+                  </a:tcPr>
+                </a:tc>
+                <a:tc>
+                  <a:txBody>
+                    <a:bodyPr/>
+                    <a:lstStyle/>
+                    <a:p>
+                      <a:pPr algn="ctr"/>
+                      <a:r>
+                        <a:rPr lang="fr-CA" sz="1700" dirty="0"/>
+                        <a:t>6.3</a:t>
+                      </a:r>
+                    </a:p>
+                  </a:txBody>
+                  <a:tcPr marL="84857" marR="84857" marT="42428" marB="42428">
+                    <a:lnL w="12700" cap="flat" cmpd="sng" algn="ctr">
+                      <a:solidFill>
+                        <a:schemeClr val="tx1"/>
+                      </a:solidFill>
+                      <a:prstDash val="solid"/>
+                      <a:round/>
+                      <a:headEnd type="none" w="med" len="med"/>
+                      <a:tailEnd type="none" w="med" len="med"/>
+                    </a:lnL>
+                  </a:tcPr>
+                </a:tc>
+                <a:tc>
+                  <a:txBody>
+                    <a:bodyPr/>
+                    <a:lstStyle/>
+                    <a:p>
+                      <a:pPr algn="ctr"/>
+                      <a:r>
+                        <a:rPr lang="fr-CA" sz="1700" dirty="0"/>
+                        <a:t>49.6</a:t>
+                      </a:r>
+                    </a:p>
+                  </a:txBody>
                   <a:tcPr marL="84857" marR="84857" marT="42428" marB="42428"/>
                 </a:tc>
                 <a:extLst>
@@ -14825,6 +15413,54 @@
                       </a:r>
                     </a:p>
                   </a:txBody>
+                  <a:tcPr marL="84857" marR="84857" marT="42428" marB="42428">
+                    <a:lnR w="12700" cap="flat" cmpd="sng" algn="ctr">
+                      <a:solidFill>
+                        <a:schemeClr val="tx1"/>
+                      </a:solidFill>
+                      <a:prstDash val="solid"/>
+                      <a:round/>
+                      <a:headEnd type="none" w="med" len="med"/>
+                      <a:tailEnd type="none" w="med" len="med"/>
+                    </a:lnR>
+                  </a:tcPr>
+                </a:tc>
+                <a:tc>
+                  <a:txBody>
+                    <a:bodyPr/>
+                    <a:lstStyle/>
+                    <a:p>
+                      <a:pPr algn="ctr"/>
+                      <a:r>
+                        <a:rPr lang="fr-CA" sz="1700" dirty="0"/>
+                        <a:t>6.9</a:t>
+                      </a:r>
+                    </a:p>
+                  </a:txBody>
+                  <a:tcPr marL="84857" marR="84857" marT="42428" marB="42428">
+                    <a:lnL w="12700" cap="flat" cmpd="sng" algn="ctr">
+                      <a:solidFill>
+                        <a:schemeClr val="tx1"/>
+                      </a:solidFill>
+                      <a:prstDash val="solid"/>
+                      <a:round/>
+                      <a:headEnd type="none" w="med" len="med"/>
+                      <a:tailEnd type="none" w="med" len="med"/>
+                    </a:lnL>
+                  </a:tcPr>
+                </a:tc>
+                <a:tc>
+                  <a:txBody>
+                    <a:bodyPr/>
+                    <a:lstStyle/>
+                    <a:p>
+                      <a:pPr algn="ctr"/>
+                      <a:r>
+                        <a:rPr lang="fr-CA" sz="1700" dirty="0"/>
+                        <a:t>50.1</a:t>
+                      </a:r>
+                    </a:p>
+                  </a:txBody>
                   <a:tcPr marL="84857" marR="84857" marT="42428" marB="42428"/>
                 </a:tc>
                 <a:extLst>
@@ -14847,6 +15483,54 @@
                     </a:p>
                   </a:txBody>
                   <a:tcPr marL="84857" marR="84857" marT="42428" marB="42428"/>
+                </a:tc>
+                <a:tc>
+                  <a:txBody>
+                    <a:bodyPr/>
+                    <a:lstStyle/>
+                    <a:p>
+                      <a:pPr algn="ctr"/>
+                      <a:r>
+                        <a:rPr lang="fr-CA" sz="1700" dirty="0"/>
+                        <a:t>…</a:t>
+                      </a:r>
+                    </a:p>
+                  </a:txBody>
+                  <a:tcPr marL="84857" marR="84857" marT="42428" marB="42428">
+                    <a:lnR w="12700" cap="flat" cmpd="sng" algn="ctr">
+                      <a:solidFill>
+                        <a:schemeClr val="tx1"/>
+                      </a:solidFill>
+                      <a:prstDash val="solid"/>
+                      <a:round/>
+                      <a:headEnd type="none" w="med" len="med"/>
+                      <a:tailEnd type="none" w="med" len="med"/>
+                    </a:lnR>
+                  </a:tcPr>
+                </a:tc>
+                <a:tc>
+                  <a:txBody>
+                    <a:bodyPr/>
+                    <a:lstStyle/>
+                    <a:p>
+                      <a:pPr algn="ctr"/>
+                      <a:r>
+                        <a:rPr lang="fr-CA" sz="1700" dirty="0"/>
+                        <a:t>…</a:t>
+                      </a:r>
+                    </a:p>
+                  </a:txBody>
+                  <a:tcPr marL="84857" marR="84857" marT="42428" marB="42428">
+                    <a:lnL w="12700" cap="flat" cmpd="sng" algn="ctr">
+                      <a:solidFill>
+                        <a:schemeClr val="tx1"/>
+                      </a:solidFill>
+                      <a:prstDash val="solid"/>
+                      <a:round/>
+                      <a:headEnd type="none" w="med" len="med"/>
+                      <a:tailEnd type="none" w="med" len="med"/>
+                    </a:lnL>
+                  </a:tcPr>
                 </a:tc>
                 <a:tc>
                   <a:txBody>
@@ -14958,6 +15642,52 @@
           </a:p>
         </p:txBody>
       </p:sp>
+      <p:sp>
+        <p:nvSpPr>
+          <p:cNvPr id="7" name="Flèche : droite 6">
+            <a:extLst>
+              <a:ext uri="{FF2B5EF4-FFF2-40B4-BE49-F238E27FC236}">
+                <a16:creationId xmlns:a16="http://schemas.microsoft.com/office/drawing/2014/main" id="{6BC20D4A-2D9C-098B-750F-17E86214D42B}"/>
+              </a:ext>
+            </a:extLst>
+          </p:cNvPr>
+          <p:cNvSpPr/>
+          <p:nvPr/>
+        </p:nvSpPr>
+        <p:spPr>
+          <a:xfrm>
+            <a:off x="5270740" y="3812958"/>
+            <a:ext cx="1077517" cy="646981"/>
+          </a:xfrm>
+          <a:prstGeom prst="rightArrow">
+            <a:avLst/>
+          </a:prstGeom>
+        </p:spPr>
+        <p:style>
+          <a:lnRef idx="2">
+            <a:schemeClr val="accent1">
+              <a:shade val="50000"/>
+            </a:schemeClr>
+          </a:lnRef>
+          <a:fillRef idx="1">
+            <a:schemeClr val="accent1"/>
+          </a:fillRef>
+          <a:effectRef idx="0">
+            <a:schemeClr val="accent1"/>
+          </a:effectRef>
+          <a:fontRef idx="minor">
+            <a:schemeClr val="lt1"/>
+          </a:fontRef>
+        </p:style>
+        <p:txBody>
+          <a:bodyPr rtlCol="0" anchor="ctr"/>
+          <a:lstStyle/>
+          <a:p>
+            <a:pPr algn="ctr"/>
+            <a:endParaRPr lang="fr-CA"/>
+          </a:p>
+        </p:txBody>
+      </p:sp>
     </p:spTree>
     <p:extLst>
       <p:ext uri="{BB962C8B-B14F-4D97-AF65-F5344CB8AC3E}">
@@ -14972,6 +15702,412 @@
 </file>
 
 <file path=ppt/slides/slide12.xml><?xml version="1.0" encoding="utf-8"?>
+<p:sld xmlns:a="http://schemas.openxmlformats.org/drawingml/2006/main" xmlns:r="http://schemas.openxmlformats.org/officeDocument/2006/relationships" xmlns:p="http://schemas.openxmlformats.org/presentationml/2006/main">
+  <p:cSld>
+    <p:spTree>
+      <p:nvGrpSpPr>
+        <p:cNvPr id="1" name=""/>
+        <p:cNvGrpSpPr/>
+        <p:nvPr/>
+      </p:nvGrpSpPr>
+      <p:grpSpPr>
+        <a:xfrm>
+          <a:off x="0" y="0"/>
+          <a:ext cx="0" cy="0"/>
+          <a:chOff x="0" y="0"/>
+          <a:chExt cx="0" cy="0"/>
+        </a:xfrm>
+      </p:grpSpPr>
+      <p:sp>
+        <p:nvSpPr>
+          <p:cNvPr id="2" name="Titre 1">
+            <a:extLst>
+              <a:ext uri="{FF2B5EF4-FFF2-40B4-BE49-F238E27FC236}">
+                <a16:creationId xmlns:a16="http://schemas.microsoft.com/office/drawing/2014/main" id="{6CC057EB-C97E-95F3-61CA-0BB49EDD51A2}"/>
+              </a:ext>
+            </a:extLst>
+          </p:cNvPr>
+          <p:cNvSpPr>
+            <a:spLocks noGrp="1"/>
+          </p:cNvSpPr>
+          <p:nvPr>
+            <p:ph type="title"/>
+          </p:nvPr>
+        </p:nvSpPr>
+        <p:spPr/>
+        <p:txBody>
+          <a:bodyPr>
+            <a:normAutofit fontScale="90000"/>
+          </a:bodyPr>
+          <a:lstStyle/>
+          <a:p>
+            <a:r>
+              <a:rPr lang="fr-CA" dirty="0"/>
+              <a:t>Approches pour gérer la dépendance spatiale</a:t>
+            </a:r>
+          </a:p>
+        </p:txBody>
+      </p:sp>
+      <mc:AlternateContent xmlns:mc="http://schemas.openxmlformats.org/markup-compatibility/2006">
+        <mc:Choice xmlns:a14="http://schemas.microsoft.com/office/drawing/2010/main" Requires="a14">
+          <p:sp>
+            <p:nvSpPr>
+              <p:cNvPr id="6" name="Espace réservé du contenu 5">
+                <a:extLst>
+                  <a:ext uri="{FF2B5EF4-FFF2-40B4-BE49-F238E27FC236}">
+                    <a16:creationId xmlns:a16="http://schemas.microsoft.com/office/drawing/2014/main" id="{5A43F7A6-D745-D721-B44F-E41B02809D5D}"/>
+                  </a:ext>
+                </a:extLst>
+              </p:cNvPr>
+              <p:cNvSpPr>
+                <a:spLocks noGrp="1"/>
+              </p:cNvSpPr>
+              <p:nvPr>
+                <p:ph idx="1"/>
+              </p:nvPr>
+            </p:nvSpPr>
+            <p:spPr>
+              <a:xfrm>
+                <a:off x="838200" y="1690688"/>
+                <a:ext cx="10515600" cy="4486275"/>
+              </a:xfrm>
+            </p:spPr>
+            <p:txBody>
+              <a:bodyPr anchor="ctr"/>
+              <a:lstStyle/>
+              <a:p>
+                <a:pPr>
+                  <a:spcBef>
+                    <a:spcPts val="600"/>
+                  </a:spcBef>
+                  <a:spcAft>
+                    <a:spcPts val="600"/>
+                  </a:spcAft>
+                </a:pPr>
+                <a:r>
+                  <a:rPr lang="fr-CA" dirty="0"/>
+                  <a:t>Autorégression spatiale (SAR)      </a:t>
+                </a:r>
+                <a14:m>
+                  <m:oMath xmlns:m="http://schemas.openxmlformats.org/officeDocument/2006/math">
+                    <m:r>
+                      <m:rPr>
+                        <m:nor/>
+                      </m:rPr>
+                      <a:rPr lang="es-ES" smtClean="0">
+                        <a:solidFill>
+                          <a:schemeClr val="tx2">
+                            <a:lumMod val="50000"/>
+                            <a:lumOff val="50000"/>
+                          </a:schemeClr>
+                        </a:solidFill>
+                      </a:rPr>
+                      <m:t>Y</m:t>
+                    </m:r>
+                    <m:r>
+                      <m:rPr>
+                        <m:nor/>
+                      </m:rPr>
+                      <a:rPr lang="es-ES" smtClean="0">
+                        <a:solidFill>
+                          <a:schemeClr val="tx2">
+                            <a:lumMod val="50000"/>
+                            <a:lumOff val="50000"/>
+                          </a:schemeClr>
+                        </a:solidFill>
+                      </a:rPr>
+                      <m:t> = </m:t>
+                    </m:r>
+                    <m:r>
+                      <m:rPr>
+                        <m:nor/>
+                      </m:rPr>
+                      <a:rPr lang="es-ES" smtClean="0">
+                        <a:solidFill>
+                          <a:schemeClr val="tx2">
+                            <a:lumMod val="50000"/>
+                            <a:lumOff val="50000"/>
+                          </a:schemeClr>
+                        </a:solidFill>
+                      </a:rPr>
+                      <m:t>ρWY</m:t>
+                    </m:r>
+                    <m:r>
+                      <m:rPr>
+                        <m:nor/>
+                      </m:rPr>
+                      <a:rPr lang="es-ES" smtClean="0">
+                        <a:solidFill>
+                          <a:schemeClr val="tx2">
+                            <a:lumMod val="50000"/>
+                            <a:lumOff val="50000"/>
+                          </a:schemeClr>
+                        </a:solidFill>
+                      </a:rPr>
+                      <m:t> + </m:t>
+                    </m:r>
+                    <m:r>
+                      <m:rPr>
+                        <m:nor/>
+                      </m:rPr>
+                      <a:rPr lang="es-ES" smtClean="0">
+                        <a:solidFill>
+                          <a:schemeClr val="tx2">
+                            <a:lumMod val="50000"/>
+                            <a:lumOff val="50000"/>
+                          </a:schemeClr>
+                        </a:solidFill>
+                      </a:rPr>
+                      <m:t>Xβ</m:t>
+                    </m:r>
+                    <m:r>
+                      <m:rPr>
+                        <m:nor/>
+                      </m:rPr>
+                      <a:rPr lang="es-ES" smtClean="0">
+                        <a:solidFill>
+                          <a:schemeClr val="tx2">
+                            <a:lumMod val="50000"/>
+                            <a:lumOff val="50000"/>
+                          </a:schemeClr>
+                        </a:solidFill>
+                      </a:rPr>
+                      <m:t> + </m:t>
+                    </m:r>
+                    <m:r>
+                      <m:rPr>
+                        <m:nor/>
+                      </m:rPr>
+                      <a:rPr lang="es-ES" smtClean="0">
+                        <a:solidFill>
+                          <a:schemeClr val="tx2">
+                            <a:lumMod val="50000"/>
+                            <a:lumOff val="50000"/>
+                          </a:schemeClr>
+                        </a:solidFill>
+                      </a:rPr>
+                      <m:t>ε</m:t>
+                    </m:r>
+                  </m:oMath>
+                </a14:m>
+                <a:endParaRPr lang="fr-CA" dirty="0">
+                  <a:solidFill>
+                    <a:schemeClr val="tx2">
+                      <a:lumMod val="50000"/>
+                      <a:lumOff val="50000"/>
+                    </a:schemeClr>
+                  </a:solidFill>
+                </a:endParaRPr>
+              </a:p>
+              <a:p>
+                <a:pPr>
+                  <a:spcBef>
+                    <a:spcPts val="600"/>
+                  </a:spcBef>
+                  <a:spcAft>
+                    <a:spcPts val="600"/>
+                  </a:spcAft>
+                </a:pPr>
+                <a:r>
+                  <a:rPr lang="fr-CA" dirty="0"/>
+                  <a:t>Régularisation par champs Markoviens stochastiques (MRF)</a:t>
+                </a:r>
+              </a:p>
+              <a:p>
+                <a:pPr>
+                  <a:spcBef>
+                    <a:spcPts val="600"/>
+                  </a:spcBef>
+                  <a:spcAft>
+                    <a:spcPts val="600"/>
+                  </a:spcAft>
+                </a:pPr>
+                <a:r>
+                  <a:rPr lang="fr-CA" dirty="0"/>
+                  <a:t>Arbres de classification spatiaux</a:t>
+                </a:r>
+              </a:p>
+              <a:p>
+                <a:pPr>
+                  <a:spcBef>
+                    <a:spcPts val="600"/>
+                  </a:spcBef>
+                  <a:spcAft>
+                    <a:spcPts val="600"/>
+                  </a:spcAft>
+                </a:pPr>
+                <a:r>
+                  <a:rPr lang="fr-CA" dirty="0">
+                    <a:solidFill>
+                      <a:schemeClr val="accent6">
+                        <a:lumMod val="75000"/>
+                      </a:schemeClr>
+                    </a:solidFill>
+                  </a:rPr>
+                  <a:t>Modèles mixtes</a:t>
+                </a:r>
+              </a:p>
+              <a:p>
+                <a:pPr>
+                  <a:spcBef>
+                    <a:spcPts val="600"/>
+                  </a:spcBef>
+                  <a:spcAft>
+                    <a:spcPts val="600"/>
+                  </a:spcAft>
+                </a:pPr>
+                <a:r>
+                  <a:rPr lang="fr-CA" dirty="0"/>
+                  <a:t>CNN</a:t>
+                </a:r>
+              </a:p>
+            </p:txBody>
+          </p:sp>
+        </mc:Choice>
+        <mc:Fallback>
+          <p:sp>
+            <p:nvSpPr>
+              <p:cNvPr id="6" name="Espace réservé du contenu 5">
+                <a:extLst>
+                  <a:ext uri="{FF2B5EF4-FFF2-40B4-BE49-F238E27FC236}">
+                    <a16:creationId xmlns:a16="http://schemas.microsoft.com/office/drawing/2014/main" id="{5A43F7A6-D745-D721-B44F-E41B02809D5D}"/>
+                  </a:ext>
+                </a:extLst>
+              </p:cNvPr>
+              <p:cNvSpPr>
+                <a:spLocks noGrp="1" noRot="1" noChangeAspect="1" noMove="1" noResize="1" noEditPoints="1" noAdjustHandles="1" noChangeArrowheads="1" noChangeShapeType="1" noTextEdit="1"/>
+              </p:cNvSpPr>
+              <p:nvPr>
+                <p:ph idx="1"/>
+              </p:nvPr>
+            </p:nvSpPr>
+            <p:spPr>
+              <a:xfrm>
+                <a:off x="838200" y="1690688"/>
+                <a:ext cx="10515600" cy="4486275"/>
+              </a:xfrm>
+              <a:blipFill>
+                <a:blip r:embed="rId3"/>
+                <a:stretch>
+                  <a:fillRect l="-1217"/>
+                </a:stretch>
+              </a:blipFill>
+            </p:spPr>
+            <p:txBody>
+              <a:bodyPr/>
+              <a:lstStyle/>
+              <a:p>
+                <a:r>
+                  <a:rPr lang="fr-CA">
+                    <a:noFill/>
+                  </a:rPr>
+                  <a:t> </a:t>
+                </a:r>
+              </a:p>
+            </p:txBody>
+          </p:sp>
+        </mc:Fallback>
+      </mc:AlternateContent>
+      <p:sp>
+        <p:nvSpPr>
+          <p:cNvPr id="3" name="Espace réservé de la date 2">
+            <a:extLst>
+              <a:ext uri="{FF2B5EF4-FFF2-40B4-BE49-F238E27FC236}">
+                <a16:creationId xmlns:a16="http://schemas.microsoft.com/office/drawing/2014/main" id="{E0EF3385-1E7C-2D3F-8406-CCE6CC5AB5CB}"/>
+              </a:ext>
+            </a:extLst>
+          </p:cNvPr>
+          <p:cNvSpPr>
+            <a:spLocks noGrp="1"/>
+          </p:cNvSpPr>
+          <p:nvPr>
+            <p:ph type="dt" sz="half" idx="10"/>
+          </p:nvPr>
+        </p:nvSpPr>
+        <p:spPr/>
+        <p:txBody>
+          <a:bodyPr/>
+          <a:lstStyle/>
+          <a:p>
+            <a:r>
+              <a:rPr lang="fr-FR"/>
+              <a:t>Session d'hiver 2023</a:t>
+            </a:r>
+            <a:endParaRPr lang="en-US"/>
+          </a:p>
+        </p:txBody>
+      </p:sp>
+      <p:sp>
+        <p:nvSpPr>
+          <p:cNvPr id="4" name="Espace réservé du pied de page 3">
+            <a:extLst>
+              <a:ext uri="{FF2B5EF4-FFF2-40B4-BE49-F238E27FC236}">
+                <a16:creationId xmlns:a16="http://schemas.microsoft.com/office/drawing/2014/main" id="{FF01034A-3E5C-B8B9-8900-5CB6A4215C50}"/>
+              </a:ext>
+            </a:extLst>
+          </p:cNvPr>
+          <p:cNvSpPr>
+            <a:spLocks noGrp="1"/>
+          </p:cNvSpPr>
+          <p:nvPr>
+            <p:ph type="ftr" sz="quarter" idx="11"/>
+          </p:nvPr>
+        </p:nvSpPr>
+        <p:spPr/>
+        <p:txBody>
+          <a:bodyPr/>
+          <a:lstStyle/>
+          <a:p>
+            <a:r>
+              <a:rPr lang="en-US"/>
+              <a:t>Université Laval - Cours STT-7335</a:t>
+            </a:r>
+          </a:p>
+        </p:txBody>
+      </p:sp>
+      <p:sp>
+        <p:nvSpPr>
+          <p:cNvPr id="5" name="Espace réservé du numéro de diapositive 4">
+            <a:extLst>
+              <a:ext uri="{FF2B5EF4-FFF2-40B4-BE49-F238E27FC236}">
+                <a16:creationId xmlns:a16="http://schemas.microsoft.com/office/drawing/2014/main" id="{222E6CA5-7096-5755-2179-FFB99F912E1E}"/>
+              </a:ext>
+            </a:extLst>
+          </p:cNvPr>
+          <p:cNvSpPr>
+            <a:spLocks noGrp="1"/>
+          </p:cNvSpPr>
+          <p:nvPr>
+            <p:ph type="sldNum" sz="quarter" idx="12"/>
+          </p:nvPr>
+        </p:nvSpPr>
+        <p:spPr/>
+        <p:txBody>
+          <a:bodyPr/>
+          <a:lstStyle/>
+          <a:p>
+            <a:fld id="{73B850FF-6169-4056-8077-06FFA93A5366}" type="slidenum">
+              <a:rPr lang="en-US" smtClean="0"/>
+              <a:t>12</a:t>
+            </a:fld>
+            <a:endParaRPr lang="en-US"/>
+          </a:p>
+        </p:txBody>
+      </p:sp>
+    </p:spTree>
+    <p:extLst>
+      <p:ext uri="{BB962C8B-B14F-4D97-AF65-F5344CB8AC3E}">
+        <p14:creationId xmlns:p14="http://schemas.microsoft.com/office/powerpoint/2010/main" val="4108564732"/>
+      </p:ext>
+    </p:extLst>
+  </p:cSld>
+  <p:clrMapOvr>
+    <a:masterClrMapping/>
+  </p:clrMapOvr>
+</p:sld>
+</file>
+
+<file path=ppt/slides/slide13.xml><?xml version="1.0" encoding="utf-8"?>
 <p:sld xmlns:a="http://schemas.openxmlformats.org/drawingml/2006/main" xmlns:r="http://schemas.openxmlformats.org/officeDocument/2006/relationships" xmlns:p="http://schemas.openxmlformats.org/presentationml/2006/main">
   <p:cSld>
     <p:spTree>
@@ -15096,7 +16232,7 @@
           <a:p>
             <a:fld id="{73B850FF-6169-4056-8077-06FFA93A5366}" type="slidenum">
               <a:rPr lang="en-US" smtClean="0"/>
-              <a:t>12</a:t>
+              <a:t>13</a:t>
             </a:fld>
             <a:endParaRPr lang="en-US"/>
           </a:p>
@@ -15202,8 +16338,8 @@
 </p:sld>
 </file>
 
-<file path=ppt/slides/slide13.xml><?xml version="1.0" encoding="utf-8"?>
-<p:sld xmlns:a="http://schemas.openxmlformats.org/drawingml/2006/main" xmlns:r="http://schemas.openxmlformats.org/officeDocument/2006/relationships" xmlns:p="http://schemas.openxmlformats.org/presentationml/2006/main">
+<file path=ppt/slides/slide14.xml><?xml version="1.0" encoding="utf-8"?>
+<p:sld xmlns:a="http://schemas.openxmlformats.org/drawingml/2006/main" xmlns:r="http://schemas.openxmlformats.org/officeDocument/2006/relationships" xmlns:p="http://schemas.openxmlformats.org/presentationml/2006/main" show="0">
   <p:cSld>
     <p:spTree>
       <p:nvGrpSpPr>
@@ -15435,7 +16571,7 @@
           <a:p>
             <a:fld id="{73B850FF-6169-4056-8077-06FFA93A5366}" type="slidenum">
               <a:rPr lang="en-US" smtClean="0"/>
-              <a:t>13</a:t>
+              <a:t>14</a:t>
             </a:fld>
             <a:endParaRPr lang="en-US"/>
           </a:p>
@@ -15454,7 +16590,2364 @@
 </p:sld>
 </file>
 
-<file path=ppt/slides/slide14.xml><?xml version="1.0" encoding="utf-8"?>
+<file path=ppt/slides/slide15.xml><?xml version="1.0" encoding="utf-8"?>
+<p:sld xmlns:a="http://schemas.openxmlformats.org/drawingml/2006/main" xmlns:r="http://schemas.openxmlformats.org/officeDocument/2006/relationships" xmlns:p="http://schemas.openxmlformats.org/presentationml/2006/main">
+  <p:cSld>
+    <p:spTree>
+      <p:nvGrpSpPr>
+        <p:cNvPr id="1" name=""/>
+        <p:cNvGrpSpPr/>
+        <p:nvPr/>
+      </p:nvGrpSpPr>
+      <p:grpSpPr>
+        <a:xfrm>
+          <a:off x="0" y="0"/>
+          <a:ext cx="0" cy="0"/>
+          <a:chOff x="0" y="0"/>
+          <a:chExt cx="0" cy="0"/>
+        </a:xfrm>
+      </p:grpSpPr>
+      <p:sp>
+        <p:nvSpPr>
+          <p:cNvPr id="2" name="Titre 1">
+            <a:extLst>
+              <a:ext uri="{FF2B5EF4-FFF2-40B4-BE49-F238E27FC236}">
+                <a16:creationId xmlns:a16="http://schemas.microsoft.com/office/drawing/2014/main" id="{4217C09D-6D4C-E04B-D661-9A01B9FF5E1E}"/>
+              </a:ext>
+            </a:extLst>
+          </p:cNvPr>
+          <p:cNvSpPr>
+            <a:spLocks noGrp="1"/>
+          </p:cNvSpPr>
+          <p:nvPr>
+            <p:ph type="title"/>
+          </p:nvPr>
+        </p:nvSpPr>
+        <p:spPr/>
+        <p:txBody>
+          <a:bodyPr/>
+          <a:lstStyle/>
+          <a:p>
+            <a:r>
+              <a:rPr lang="fr-CA" dirty="0"/>
+              <a:t>Validation croisée</a:t>
+            </a:r>
+          </a:p>
+        </p:txBody>
+      </p:sp>
+      <p:sp>
+        <p:nvSpPr>
+          <p:cNvPr id="3" name="Espace réservé de la date 2">
+            <a:extLst>
+              <a:ext uri="{FF2B5EF4-FFF2-40B4-BE49-F238E27FC236}">
+                <a16:creationId xmlns:a16="http://schemas.microsoft.com/office/drawing/2014/main" id="{2EDA7921-BC78-34A6-1B55-F7EB53051734}"/>
+              </a:ext>
+            </a:extLst>
+          </p:cNvPr>
+          <p:cNvSpPr>
+            <a:spLocks noGrp="1"/>
+          </p:cNvSpPr>
+          <p:nvPr>
+            <p:ph type="dt" sz="half" idx="10"/>
+          </p:nvPr>
+        </p:nvSpPr>
+        <p:spPr/>
+        <p:txBody>
+          <a:bodyPr/>
+          <a:lstStyle/>
+          <a:p>
+            <a:r>
+              <a:rPr lang="fr-FR"/>
+              <a:t>Session d'hiver 2023</a:t>
+            </a:r>
+            <a:endParaRPr lang="en-US"/>
+          </a:p>
+        </p:txBody>
+      </p:sp>
+      <p:sp>
+        <p:nvSpPr>
+          <p:cNvPr id="4" name="Espace réservé du pied de page 3">
+            <a:extLst>
+              <a:ext uri="{FF2B5EF4-FFF2-40B4-BE49-F238E27FC236}">
+                <a16:creationId xmlns:a16="http://schemas.microsoft.com/office/drawing/2014/main" id="{D8FBB3AE-4A90-F2BC-2B20-27E1DC8DC9D2}"/>
+              </a:ext>
+            </a:extLst>
+          </p:cNvPr>
+          <p:cNvSpPr>
+            <a:spLocks noGrp="1"/>
+          </p:cNvSpPr>
+          <p:nvPr>
+            <p:ph type="ftr" sz="quarter" idx="11"/>
+          </p:nvPr>
+        </p:nvSpPr>
+        <p:spPr/>
+        <p:txBody>
+          <a:bodyPr/>
+          <a:lstStyle/>
+          <a:p>
+            <a:r>
+              <a:rPr lang="en-US"/>
+              <a:t>Université Laval - Cours STT-7335</a:t>
+            </a:r>
+          </a:p>
+        </p:txBody>
+      </p:sp>
+      <p:sp>
+        <p:nvSpPr>
+          <p:cNvPr id="5" name="Espace réservé du numéro de diapositive 4">
+            <a:extLst>
+              <a:ext uri="{FF2B5EF4-FFF2-40B4-BE49-F238E27FC236}">
+                <a16:creationId xmlns:a16="http://schemas.microsoft.com/office/drawing/2014/main" id="{989C294F-0CD2-61A6-8BE7-94B08AE95C5E}"/>
+              </a:ext>
+            </a:extLst>
+          </p:cNvPr>
+          <p:cNvSpPr>
+            <a:spLocks noGrp="1"/>
+          </p:cNvSpPr>
+          <p:nvPr>
+            <p:ph type="sldNum" sz="quarter" idx="12"/>
+          </p:nvPr>
+        </p:nvSpPr>
+        <p:spPr/>
+        <p:txBody>
+          <a:bodyPr/>
+          <a:lstStyle/>
+          <a:p>
+            <a:fld id="{73B850FF-6169-4056-8077-06FFA93A5366}" type="slidenum">
+              <a:rPr lang="en-US" smtClean="0"/>
+              <a:t>15</a:t>
+            </a:fld>
+            <a:endParaRPr lang="en-US"/>
+          </a:p>
+        </p:txBody>
+      </p:sp>
+      <p:grpSp>
+        <p:nvGrpSpPr>
+          <p:cNvPr id="6" name="Groupe 5">
+            <a:extLst>
+              <a:ext uri="{FF2B5EF4-FFF2-40B4-BE49-F238E27FC236}">
+                <a16:creationId xmlns:a16="http://schemas.microsoft.com/office/drawing/2014/main" id="{FA74D7C0-0EE1-05C9-705E-ACB2E13A222B}"/>
+              </a:ext>
+            </a:extLst>
+          </p:cNvPr>
+          <p:cNvGrpSpPr/>
+          <p:nvPr/>
+        </p:nvGrpSpPr>
+        <p:grpSpPr>
+          <a:xfrm>
+            <a:off x="1851983" y="1949497"/>
+            <a:ext cx="8488034" cy="4220901"/>
+            <a:chOff x="1500808" y="2185169"/>
+            <a:chExt cx="8488034" cy="4220901"/>
+          </a:xfrm>
+        </p:grpSpPr>
+        <p:pic>
+          <p:nvPicPr>
+            <p:cNvPr id="7" name="Image 6" descr="Une image contenant carte&#10;&#10;Description générée automatiquement">
+              <a:extLst>
+                <a:ext uri="{FF2B5EF4-FFF2-40B4-BE49-F238E27FC236}">
+                  <a16:creationId xmlns:a16="http://schemas.microsoft.com/office/drawing/2014/main" id="{E4FBC9AC-3D67-236B-6F5A-46E88E877F15}"/>
+                </a:ext>
+              </a:extLst>
+            </p:cNvPr>
+            <p:cNvPicPr>
+              <a:picLocks noChangeAspect="1"/>
+            </p:cNvPicPr>
+            <p:nvPr/>
+          </p:nvPicPr>
+          <p:blipFill>
+            <a:blip r:embed="rId3">
+              <a:extLst>
+                <a:ext uri="{28A0092B-C50C-407E-A947-70E740481C1C}">
+                  <a14:useLocalDpi xmlns:a14="http://schemas.microsoft.com/office/drawing/2010/main" val="0"/>
+                </a:ext>
+                <a:ext uri="{837473B0-CC2E-450A-ABE3-18F120FF3D39}">
+                  <a1611:picAttrSrcUrl xmlns:a1611="http://schemas.microsoft.com/office/drawing/2016/11/main" r:id="rId4"/>
+                </a:ext>
+              </a:extLst>
+            </a:blip>
+            <a:stretch>
+              <a:fillRect/>
+            </a:stretch>
+          </p:blipFill>
+          <p:spPr>
+            <a:xfrm>
+              <a:off x="1500808" y="2185169"/>
+              <a:ext cx="8488017" cy="3919943"/>
+            </a:xfrm>
+            <a:prstGeom prst="rect">
+              <a:avLst/>
+            </a:prstGeom>
+            <a:solidFill>
+              <a:srgbClr val="FFFFFF">
+                <a:shade val="85000"/>
+              </a:srgbClr>
+            </a:solidFill>
+            <a:ln w="190500" cap="rnd">
+              <a:solidFill>
+                <a:srgbClr val="FFFFFF"/>
+              </a:solidFill>
+            </a:ln>
+            <a:effectLst>
+              <a:outerShdw blurRad="50000" algn="tl" rotWithShape="0">
+                <a:srgbClr val="000000">
+                  <a:alpha val="41000"/>
+                </a:srgbClr>
+              </a:outerShdw>
+            </a:effectLst>
+            <a:scene3d>
+              <a:camera prst="orthographicFront"/>
+              <a:lightRig rig="twoPt" dir="t">
+                <a:rot lat="0" lon="0" rev="7800000"/>
+              </a:lightRig>
+            </a:scene3d>
+            <a:sp3d contourW="6350">
+              <a:bevelT w="50800" h="16510"/>
+              <a:contourClr>
+                <a:srgbClr val="C0C0C0"/>
+              </a:contourClr>
+            </a:sp3d>
+          </p:spPr>
+        </p:pic>
+        <p:sp>
+          <p:nvSpPr>
+            <p:cNvPr id="8" name="ZoneTexte 7">
+              <a:extLst>
+                <a:ext uri="{FF2B5EF4-FFF2-40B4-BE49-F238E27FC236}">
+                  <a16:creationId xmlns:a16="http://schemas.microsoft.com/office/drawing/2014/main" id="{39CEA4F5-494B-19FA-5A5B-E8647C2D7E6A}"/>
+                </a:ext>
+              </a:extLst>
+            </p:cNvPr>
+            <p:cNvSpPr txBox="1"/>
+            <p:nvPr/>
+          </p:nvSpPr>
+          <p:spPr>
+            <a:xfrm>
+              <a:off x="1500808" y="6175238"/>
+              <a:ext cx="8488034" cy="230832"/>
+            </a:xfrm>
+            <a:prstGeom prst="rect">
+              <a:avLst/>
+            </a:prstGeom>
+            <a:noFill/>
+          </p:spPr>
+          <p:txBody>
+            <a:bodyPr wrap="square" rtlCol="0">
+              <a:spAutoFit/>
+            </a:bodyPr>
+            <a:lstStyle/>
+            <a:p>
+              <a:r>
+                <a:rPr lang="fr-CA" sz="900">
+                  <a:hlinkClick r:id="rId4" tooltip="http://gis.stackexchange.com/questions/30905/how-to-interpolate-temperature-correctly"/>
+                </a:rPr>
+                <a:t>Cette photo</a:t>
+              </a:r>
+              <a:r>
+                <a:rPr lang="fr-CA" sz="900"/>
+                <a:t> par Auteur inconnu est soumise à la licence </a:t>
+              </a:r>
+              <a:r>
+                <a:rPr lang="fr-CA" sz="900">
+                  <a:hlinkClick r:id="rId5" tooltip="https://creativecommons.org/licenses/by-sa/3.0/"/>
+                </a:rPr>
+                <a:t>CC BY-SA</a:t>
+              </a:r>
+              <a:endParaRPr lang="fr-CA" sz="900"/>
+            </a:p>
+          </p:txBody>
+        </p:sp>
+      </p:grpSp>
+      <p:graphicFrame>
+        <p:nvGraphicFramePr>
+          <p:cNvPr id="9" name="Tableau 9">
+            <a:extLst>
+              <a:ext uri="{FF2B5EF4-FFF2-40B4-BE49-F238E27FC236}">
+                <a16:creationId xmlns:a16="http://schemas.microsoft.com/office/drawing/2014/main" id="{40E87472-A80C-5D56-862F-EDDD76BC898C}"/>
+              </a:ext>
+            </a:extLst>
+          </p:cNvPr>
+          <p:cNvGraphicFramePr>
+            <a:graphicFrameLocks noGrp="1"/>
+          </p:cNvGraphicFramePr>
+          <p:nvPr>
+            <p:extLst>
+              <p:ext uri="{D42A27DB-BD31-4B8C-83A1-F6EECF244321}">
+                <p14:modId xmlns:p14="http://schemas.microsoft.com/office/powerpoint/2010/main" val="1711884106"/>
+              </p:ext>
+            </p:extLst>
+          </p:nvPr>
+        </p:nvGraphicFramePr>
+        <p:xfrm>
+          <a:off x="1851983" y="1876640"/>
+          <a:ext cx="8488017" cy="4062927"/>
+        </p:xfrm>
+        <a:graphic>
+          <a:graphicData uri="http://schemas.openxmlformats.org/drawingml/2006/table">
+            <a:tbl>
+              <a:tblPr firstRow="1" bandRow="1">
+                <a:tableStyleId>{5C22544A-7EE6-4342-B048-85BDC9FD1C3A}</a:tableStyleId>
+              </a:tblPr>
+              <a:tblGrid>
+                <a:gridCol w="2829339">
+                  <a:extLst>
+                    <a:ext uri="{9D8B030D-6E8A-4147-A177-3AD203B41FA5}">
+                      <a16:colId xmlns:a16="http://schemas.microsoft.com/office/drawing/2014/main" val="657425120"/>
+                    </a:ext>
+                  </a:extLst>
+                </a:gridCol>
+                <a:gridCol w="2829339">
+                  <a:extLst>
+                    <a:ext uri="{9D8B030D-6E8A-4147-A177-3AD203B41FA5}">
+                      <a16:colId xmlns:a16="http://schemas.microsoft.com/office/drawing/2014/main" val="2017131445"/>
+                    </a:ext>
+                  </a:extLst>
+                </a:gridCol>
+                <a:gridCol w="2829339">
+                  <a:extLst>
+                    <a:ext uri="{9D8B030D-6E8A-4147-A177-3AD203B41FA5}">
+                      <a16:colId xmlns:a16="http://schemas.microsoft.com/office/drawing/2014/main" val="3582844388"/>
+                    </a:ext>
+                  </a:extLst>
+                </a:gridCol>
+              </a:tblGrid>
+              <a:tr h="1354309">
+                <a:tc>
+                  <a:txBody>
+                    <a:bodyPr/>
+                    <a:lstStyle/>
+                    <a:p>
+                      <a:endParaRPr lang="fr-CA"/>
+                    </a:p>
+                  </a:txBody>
+                  <a:tcPr>
+                    <a:lnR w="12700" cap="flat" cmpd="sng" algn="ctr">
+                      <a:solidFill>
+                        <a:schemeClr val="tx1"/>
+                      </a:solidFill>
+                      <a:prstDash val="solid"/>
+                      <a:round/>
+                      <a:headEnd type="none" w="med" len="med"/>
+                      <a:tailEnd type="none" w="med" len="med"/>
+                    </a:lnR>
+                    <a:lnB w="12700" cap="flat" cmpd="sng" algn="ctr">
+                      <a:solidFill>
+                        <a:schemeClr val="tx1"/>
+                      </a:solidFill>
+                      <a:prstDash val="solid"/>
+                      <a:round/>
+                      <a:headEnd type="none" w="med" len="med"/>
+                      <a:tailEnd type="none" w="med" len="med"/>
+                    </a:lnB>
+                    <a:noFill/>
+                  </a:tcPr>
+                </a:tc>
+                <a:tc>
+                  <a:txBody>
+                    <a:bodyPr/>
+                    <a:lstStyle/>
+                    <a:p>
+                      <a:endParaRPr lang="fr-CA"/>
+                    </a:p>
+                  </a:txBody>
+                  <a:tcPr>
+                    <a:lnL w="12700" cap="flat" cmpd="sng" algn="ctr">
+                      <a:solidFill>
+                        <a:schemeClr val="tx1"/>
+                      </a:solidFill>
+                      <a:prstDash val="solid"/>
+                      <a:round/>
+                      <a:headEnd type="none" w="med" len="med"/>
+                      <a:tailEnd type="none" w="med" len="med"/>
+                    </a:lnL>
+                    <a:lnR w="12700" cap="flat" cmpd="sng" algn="ctr">
+                      <a:solidFill>
+                        <a:schemeClr val="tx1"/>
+                      </a:solidFill>
+                      <a:prstDash val="solid"/>
+                      <a:round/>
+                      <a:headEnd type="none" w="med" len="med"/>
+                      <a:tailEnd type="none" w="med" len="med"/>
+                    </a:lnR>
+                    <a:lnB w="12700" cap="flat" cmpd="sng" algn="ctr">
+                      <a:solidFill>
+                        <a:schemeClr val="tx1"/>
+                      </a:solidFill>
+                      <a:prstDash val="solid"/>
+                      <a:round/>
+                      <a:headEnd type="none" w="med" len="med"/>
+                      <a:tailEnd type="none" w="med" len="med"/>
+                    </a:lnB>
+                    <a:noFill/>
+                  </a:tcPr>
+                </a:tc>
+                <a:tc>
+                  <a:txBody>
+                    <a:bodyPr/>
+                    <a:lstStyle/>
+                    <a:p>
+                      <a:endParaRPr lang="fr-CA"/>
+                    </a:p>
+                  </a:txBody>
+                  <a:tcPr>
+                    <a:lnL w="12700" cap="flat" cmpd="sng" algn="ctr">
+                      <a:solidFill>
+                        <a:schemeClr val="tx1"/>
+                      </a:solidFill>
+                      <a:prstDash val="solid"/>
+                      <a:round/>
+                      <a:headEnd type="none" w="med" len="med"/>
+                      <a:tailEnd type="none" w="med" len="med"/>
+                    </a:lnL>
+                    <a:lnB w="12700" cap="flat" cmpd="sng" algn="ctr">
+                      <a:solidFill>
+                        <a:schemeClr val="tx1"/>
+                      </a:solidFill>
+                      <a:prstDash val="solid"/>
+                      <a:round/>
+                      <a:headEnd type="none" w="med" len="med"/>
+                      <a:tailEnd type="none" w="med" len="med"/>
+                    </a:lnB>
+                    <a:noFill/>
+                  </a:tcPr>
+                </a:tc>
+                <a:extLst>
+                  <a:ext uri="{0D108BD9-81ED-4DB2-BD59-A6C34878D82A}">
+                    <a16:rowId xmlns:a16="http://schemas.microsoft.com/office/drawing/2014/main" val="2734237062"/>
+                  </a:ext>
+                </a:extLst>
+              </a:tr>
+              <a:tr h="1354309">
+                <a:tc>
+                  <a:txBody>
+                    <a:bodyPr/>
+                    <a:lstStyle/>
+                    <a:p>
+                      <a:endParaRPr lang="fr-CA"/>
+                    </a:p>
+                  </a:txBody>
+                  <a:tcPr>
+                    <a:lnR w="12700" cap="flat" cmpd="sng" algn="ctr">
+                      <a:solidFill>
+                        <a:schemeClr val="tx1"/>
+                      </a:solidFill>
+                      <a:prstDash val="solid"/>
+                      <a:round/>
+                      <a:headEnd type="none" w="med" len="med"/>
+                      <a:tailEnd type="none" w="med" len="med"/>
+                    </a:lnR>
+                    <a:lnT w="12700" cap="flat" cmpd="sng" algn="ctr">
+                      <a:solidFill>
+                        <a:schemeClr val="tx1"/>
+                      </a:solidFill>
+                      <a:prstDash val="solid"/>
+                      <a:round/>
+                      <a:headEnd type="none" w="med" len="med"/>
+                      <a:tailEnd type="none" w="med" len="med"/>
+                    </a:lnT>
+                    <a:lnB w="12700" cap="flat" cmpd="sng" algn="ctr">
+                      <a:solidFill>
+                        <a:schemeClr val="tx1"/>
+                      </a:solidFill>
+                      <a:prstDash val="solid"/>
+                      <a:round/>
+                      <a:headEnd type="none" w="med" len="med"/>
+                      <a:tailEnd type="none" w="med" len="med"/>
+                    </a:lnB>
+                    <a:noFill/>
+                  </a:tcPr>
+                </a:tc>
+                <a:tc>
+                  <a:txBody>
+                    <a:bodyPr/>
+                    <a:lstStyle/>
+                    <a:p>
+                      <a:endParaRPr lang="fr-CA"/>
+                    </a:p>
+                  </a:txBody>
+                  <a:tcPr>
+                    <a:lnL w="12700" cap="flat" cmpd="sng" algn="ctr">
+                      <a:solidFill>
+                        <a:schemeClr val="tx1"/>
+                      </a:solidFill>
+                      <a:prstDash val="solid"/>
+                      <a:round/>
+                      <a:headEnd type="none" w="med" len="med"/>
+                      <a:tailEnd type="none" w="med" len="med"/>
+                    </a:lnL>
+                    <a:lnR w="12700" cap="flat" cmpd="sng" algn="ctr">
+                      <a:solidFill>
+                        <a:schemeClr val="tx1"/>
+                      </a:solidFill>
+                      <a:prstDash val="solid"/>
+                      <a:round/>
+                      <a:headEnd type="none" w="med" len="med"/>
+                      <a:tailEnd type="none" w="med" len="med"/>
+                    </a:lnR>
+                    <a:lnT w="12700" cap="flat" cmpd="sng" algn="ctr">
+                      <a:solidFill>
+                        <a:schemeClr val="tx1"/>
+                      </a:solidFill>
+                      <a:prstDash val="solid"/>
+                      <a:round/>
+                      <a:headEnd type="none" w="med" len="med"/>
+                      <a:tailEnd type="none" w="med" len="med"/>
+                    </a:lnT>
+                    <a:lnB w="12700" cap="flat" cmpd="sng" algn="ctr">
+                      <a:solidFill>
+                        <a:schemeClr val="tx1"/>
+                      </a:solidFill>
+                      <a:prstDash val="solid"/>
+                      <a:round/>
+                      <a:headEnd type="none" w="med" len="med"/>
+                      <a:tailEnd type="none" w="med" len="med"/>
+                    </a:lnB>
+                    <a:noFill/>
+                  </a:tcPr>
+                </a:tc>
+                <a:tc>
+                  <a:txBody>
+                    <a:bodyPr/>
+                    <a:lstStyle/>
+                    <a:p>
+                      <a:endParaRPr lang="fr-CA" dirty="0"/>
+                    </a:p>
+                  </a:txBody>
+                  <a:tcPr>
+                    <a:lnL w="12700" cap="flat" cmpd="sng" algn="ctr">
+                      <a:solidFill>
+                        <a:schemeClr val="tx1"/>
+                      </a:solidFill>
+                      <a:prstDash val="solid"/>
+                      <a:round/>
+                      <a:headEnd type="none" w="med" len="med"/>
+                      <a:tailEnd type="none" w="med" len="med"/>
+                    </a:lnL>
+                    <a:lnT w="12700" cap="flat" cmpd="sng" algn="ctr">
+                      <a:solidFill>
+                        <a:schemeClr val="tx1"/>
+                      </a:solidFill>
+                      <a:prstDash val="solid"/>
+                      <a:round/>
+                      <a:headEnd type="none" w="med" len="med"/>
+                      <a:tailEnd type="none" w="med" len="med"/>
+                    </a:lnT>
+                    <a:lnB w="12700" cap="flat" cmpd="sng" algn="ctr">
+                      <a:solidFill>
+                        <a:schemeClr val="tx1"/>
+                      </a:solidFill>
+                      <a:prstDash val="solid"/>
+                      <a:round/>
+                      <a:headEnd type="none" w="med" len="med"/>
+                      <a:tailEnd type="none" w="med" len="med"/>
+                    </a:lnB>
+                    <a:noFill/>
+                  </a:tcPr>
+                </a:tc>
+                <a:extLst>
+                  <a:ext uri="{0D108BD9-81ED-4DB2-BD59-A6C34878D82A}">
+                    <a16:rowId xmlns:a16="http://schemas.microsoft.com/office/drawing/2014/main" val="908257301"/>
+                  </a:ext>
+                </a:extLst>
+              </a:tr>
+              <a:tr h="1354309">
+                <a:tc>
+                  <a:txBody>
+                    <a:bodyPr/>
+                    <a:lstStyle/>
+                    <a:p>
+                      <a:endParaRPr lang="fr-CA"/>
+                    </a:p>
+                  </a:txBody>
+                  <a:tcPr>
+                    <a:lnR w="12700" cap="flat" cmpd="sng" algn="ctr">
+                      <a:solidFill>
+                        <a:schemeClr val="tx1"/>
+                      </a:solidFill>
+                      <a:prstDash val="solid"/>
+                      <a:round/>
+                      <a:headEnd type="none" w="med" len="med"/>
+                      <a:tailEnd type="none" w="med" len="med"/>
+                    </a:lnR>
+                    <a:lnT w="12700" cap="flat" cmpd="sng" algn="ctr">
+                      <a:solidFill>
+                        <a:schemeClr val="tx1"/>
+                      </a:solidFill>
+                      <a:prstDash val="solid"/>
+                      <a:round/>
+                      <a:headEnd type="none" w="med" len="med"/>
+                      <a:tailEnd type="none" w="med" len="med"/>
+                    </a:lnT>
+                    <a:noFill/>
+                  </a:tcPr>
+                </a:tc>
+                <a:tc>
+                  <a:txBody>
+                    <a:bodyPr/>
+                    <a:lstStyle/>
+                    <a:p>
+                      <a:endParaRPr lang="fr-CA"/>
+                    </a:p>
+                  </a:txBody>
+                  <a:tcPr>
+                    <a:lnL w="12700" cap="flat" cmpd="sng" algn="ctr">
+                      <a:solidFill>
+                        <a:schemeClr val="tx1"/>
+                      </a:solidFill>
+                      <a:prstDash val="solid"/>
+                      <a:round/>
+                      <a:headEnd type="none" w="med" len="med"/>
+                      <a:tailEnd type="none" w="med" len="med"/>
+                    </a:lnL>
+                    <a:lnR w="12700" cap="flat" cmpd="sng" algn="ctr">
+                      <a:solidFill>
+                        <a:schemeClr val="tx1"/>
+                      </a:solidFill>
+                      <a:prstDash val="solid"/>
+                      <a:round/>
+                      <a:headEnd type="none" w="med" len="med"/>
+                      <a:tailEnd type="none" w="med" len="med"/>
+                    </a:lnR>
+                    <a:lnT w="12700" cap="flat" cmpd="sng" algn="ctr">
+                      <a:solidFill>
+                        <a:schemeClr val="tx1"/>
+                      </a:solidFill>
+                      <a:prstDash val="solid"/>
+                      <a:round/>
+                      <a:headEnd type="none" w="med" len="med"/>
+                      <a:tailEnd type="none" w="med" len="med"/>
+                    </a:lnT>
+                    <a:noFill/>
+                  </a:tcPr>
+                </a:tc>
+                <a:tc>
+                  <a:txBody>
+                    <a:bodyPr/>
+                    <a:lstStyle/>
+                    <a:p>
+                      <a:endParaRPr lang="fr-CA" dirty="0"/>
+                    </a:p>
+                  </a:txBody>
+                  <a:tcPr>
+                    <a:lnL w="12700" cap="flat" cmpd="sng" algn="ctr">
+                      <a:solidFill>
+                        <a:schemeClr val="tx1"/>
+                      </a:solidFill>
+                      <a:prstDash val="solid"/>
+                      <a:round/>
+                      <a:headEnd type="none" w="med" len="med"/>
+                      <a:tailEnd type="none" w="med" len="med"/>
+                    </a:lnL>
+                    <a:lnT w="12700" cap="flat" cmpd="sng" algn="ctr">
+                      <a:solidFill>
+                        <a:schemeClr val="tx1"/>
+                      </a:solidFill>
+                      <a:prstDash val="solid"/>
+                      <a:round/>
+                      <a:headEnd type="none" w="med" len="med"/>
+                      <a:tailEnd type="none" w="med" len="med"/>
+                    </a:lnT>
+                    <a:noFill/>
+                  </a:tcPr>
+                </a:tc>
+                <a:extLst>
+                  <a:ext uri="{0D108BD9-81ED-4DB2-BD59-A6C34878D82A}">
+                    <a16:rowId xmlns:a16="http://schemas.microsoft.com/office/drawing/2014/main" val="4028746988"/>
+                  </a:ext>
+                </a:extLst>
+              </a:tr>
+            </a:tbl>
+          </a:graphicData>
+        </a:graphic>
+      </p:graphicFrame>
+      <p:sp>
+        <p:nvSpPr>
+          <p:cNvPr id="10" name="ZoneTexte 9">
+            <a:extLst>
+              <a:ext uri="{FF2B5EF4-FFF2-40B4-BE49-F238E27FC236}">
+                <a16:creationId xmlns:a16="http://schemas.microsoft.com/office/drawing/2014/main" id="{09B2B871-678B-F3B7-B8D5-1DFC90B73030}"/>
+              </a:ext>
+            </a:extLst>
+          </p:cNvPr>
+          <p:cNvSpPr txBox="1"/>
+          <p:nvPr/>
+        </p:nvSpPr>
+        <p:spPr>
+          <a:xfrm>
+            <a:off x="987670" y="1328363"/>
+            <a:ext cx="6101860" cy="461665"/>
+          </a:xfrm>
+          <a:prstGeom prst="rect">
+            <a:avLst/>
+          </a:prstGeom>
+          <a:noFill/>
+        </p:spPr>
+        <p:txBody>
+          <a:bodyPr wrap="square">
+            <a:spAutoFit/>
+          </a:bodyPr>
+          <a:lstStyle/>
+          <a:p>
+            <a:r>
+              <a:rPr lang="fr-CA" sz="2400" dirty="0">
+                <a:solidFill>
+                  <a:schemeClr val="accent2">
+                    <a:lumMod val="75000"/>
+                  </a:schemeClr>
+                </a:solidFill>
+              </a:rPr>
+              <a:t>Segmentation en cases</a:t>
+            </a:r>
+          </a:p>
+        </p:txBody>
+      </p:sp>
+    </p:spTree>
+    <p:extLst>
+      <p:ext uri="{BB962C8B-B14F-4D97-AF65-F5344CB8AC3E}">
+        <p14:creationId xmlns:p14="http://schemas.microsoft.com/office/powerpoint/2010/main" val="2510877210"/>
+      </p:ext>
+    </p:extLst>
+  </p:cSld>
+  <p:clrMapOvr>
+    <a:masterClrMapping/>
+  </p:clrMapOvr>
+</p:sld>
+</file>
+
+<file path=ppt/slides/slide16.xml><?xml version="1.0" encoding="utf-8"?>
+<p:sld xmlns:a="http://schemas.openxmlformats.org/drawingml/2006/main" xmlns:r="http://schemas.openxmlformats.org/officeDocument/2006/relationships" xmlns:p="http://schemas.openxmlformats.org/presentationml/2006/main">
+  <p:cSld>
+    <p:spTree>
+      <p:nvGrpSpPr>
+        <p:cNvPr id="1" name=""/>
+        <p:cNvGrpSpPr/>
+        <p:nvPr/>
+      </p:nvGrpSpPr>
+      <p:grpSpPr>
+        <a:xfrm>
+          <a:off x="0" y="0"/>
+          <a:ext cx="0" cy="0"/>
+          <a:chOff x="0" y="0"/>
+          <a:chExt cx="0" cy="0"/>
+        </a:xfrm>
+      </p:grpSpPr>
+      <p:sp>
+        <p:nvSpPr>
+          <p:cNvPr id="2" name="Titre 1">
+            <a:extLst>
+              <a:ext uri="{FF2B5EF4-FFF2-40B4-BE49-F238E27FC236}">
+                <a16:creationId xmlns:a16="http://schemas.microsoft.com/office/drawing/2014/main" id="{7F28BC0A-DC6B-67B0-7489-E7075C1DE57E}"/>
+              </a:ext>
+            </a:extLst>
+          </p:cNvPr>
+          <p:cNvSpPr>
+            <a:spLocks noGrp="1"/>
+          </p:cNvSpPr>
+          <p:nvPr>
+            <p:ph type="title"/>
+          </p:nvPr>
+        </p:nvSpPr>
+        <p:spPr/>
+        <p:txBody>
+          <a:bodyPr>
+            <a:normAutofit/>
+          </a:bodyPr>
+          <a:lstStyle/>
+          <a:p>
+            <a:r>
+              <a:rPr lang="fr-CA" dirty="0"/>
+              <a:t>Validation croisée</a:t>
+            </a:r>
+          </a:p>
+        </p:txBody>
+      </p:sp>
+      <p:sp>
+        <p:nvSpPr>
+          <p:cNvPr id="3" name="Espace réservé de la date 2">
+            <a:extLst>
+              <a:ext uri="{FF2B5EF4-FFF2-40B4-BE49-F238E27FC236}">
+                <a16:creationId xmlns:a16="http://schemas.microsoft.com/office/drawing/2014/main" id="{14AC4678-7D77-153C-7CA6-342092DD7AEC}"/>
+              </a:ext>
+            </a:extLst>
+          </p:cNvPr>
+          <p:cNvSpPr>
+            <a:spLocks noGrp="1"/>
+          </p:cNvSpPr>
+          <p:nvPr>
+            <p:ph type="dt" sz="half" idx="10"/>
+          </p:nvPr>
+        </p:nvSpPr>
+        <p:spPr/>
+        <p:txBody>
+          <a:bodyPr/>
+          <a:lstStyle/>
+          <a:p>
+            <a:r>
+              <a:rPr lang="fr-FR"/>
+              <a:t>Session d'hiver 2023</a:t>
+            </a:r>
+            <a:endParaRPr lang="en-US"/>
+          </a:p>
+        </p:txBody>
+      </p:sp>
+      <p:sp>
+        <p:nvSpPr>
+          <p:cNvPr id="4" name="Espace réservé du pied de page 3">
+            <a:extLst>
+              <a:ext uri="{FF2B5EF4-FFF2-40B4-BE49-F238E27FC236}">
+                <a16:creationId xmlns:a16="http://schemas.microsoft.com/office/drawing/2014/main" id="{CD79A7DE-7ED3-F464-4F37-3BC743550DEA}"/>
+              </a:ext>
+            </a:extLst>
+          </p:cNvPr>
+          <p:cNvSpPr>
+            <a:spLocks noGrp="1"/>
+          </p:cNvSpPr>
+          <p:nvPr>
+            <p:ph type="ftr" sz="quarter" idx="11"/>
+          </p:nvPr>
+        </p:nvSpPr>
+        <p:spPr/>
+        <p:txBody>
+          <a:bodyPr/>
+          <a:lstStyle/>
+          <a:p>
+            <a:r>
+              <a:rPr lang="en-US"/>
+              <a:t>Université Laval - Cours STT-7335</a:t>
+            </a:r>
+          </a:p>
+        </p:txBody>
+      </p:sp>
+      <p:sp>
+        <p:nvSpPr>
+          <p:cNvPr id="5" name="Espace réservé du numéro de diapositive 4">
+            <a:extLst>
+              <a:ext uri="{FF2B5EF4-FFF2-40B4-BE49-F238E27FC236}">
+                <a16:creationId xmlns:a16="http://schemas.microsoft.com/office/drawing/2014/main" id="{24515B5E-F6E7-7E91-7138-E239D440524E}"/>
+              </a:ext>
+            </a:extLst>
+          </p:cNvPr>
+          <p:cNvSpPr>
+            <a:spLocks noGrp="1"/>
+          </p:cNvSpPr>
+          <p:nvPr>
+            <p:ph type="sldNum" sz="quarter" idx="12"/>
+          </p:nvPr>
+        </p:nvSpPr>
+        <p:spPr/>
+        <p:txBody>
+          <a:bodyPr/>
+          <a:lstStyle/>
+          <a:p>
+            <a:fld id="{73B850FF-6169-4056-8077-06FFA93A5366}" type="slidenum">
+              <a:rPr lang="en-US" smtClean="0"/>
+              <a:t>16</a:t>
+            </a:fld>
+            <a:endParaRPr lang="en-US"/>
+          </a:p>
+        </p:txBody>
+      </p:sp>
+      <p:grpSp>
+        <p:nvGrpSpPr>
+          <p:cNvPr id="6" name="Groupe 5">
+            <a:extLst>
+              <a:ext uri="{FF2B5EF4-FFF2-40B4-BE49-F238E27FC236}">
+                <a16:creationId xmlns:a16="http://schemas.microsoft.com/office/drawing/2014/main" id="{C6A82CE7-4E72-78DB-C2C8-2F54FE6165D3}"/>
+              </a:ext>
+            </a:extLst>
+          </p:cNvPr>
+          <p:cNvGrpSpPr/>
+          <p:nvPr/>
+        </p:nvGrpSpPr>
+        <p:grpSpPr>
+          <a:xfrm>
+            <a:off x="1851983" y="1949497"/>
+            <a:ext cx="8488034" cy="4220901"/>
+            <a:chOff x="1500808" y="2185169"/>
+            <a:chExt cx="8488034" cy="4220901"/>
+          </a:xfrm>
+        </p:grpSpPr>
+        <p:pic>
+          <p:nvPicPr>
+            <p:cNvPr id="7" name="Image 6" descr="Une image contenant carte&#10;&#10;Description générée automatiquement">
+              <a:extLst>
+                <a:ext uri="{FF2B5EF4-FFF2-40B4-BE49-F238E27FC236}">
+                  <a16:creationId xmlns:a16="http://schemas.microsoft.com/office/drawing/2014/main" id="{5F70CE71-4084-B6B5-E3AC-D1E5CFEA94DA}"/>
+                </a:ext>
+              </a:extLst>
+            </p:cNvPr>
+            <p:cNvPicPr>
+              <a:picLocks noChangeAspect="1"/>
+            </p:cNvPicPr>
+            <p:nvPr/>
+          </p:nvPicPr>
+          <p:blipFill>
+            <a:blip r:embed="rId3">
+              <a:extLst>
+                <a:ext uri="{28A0092B-C50C-407E-A947-70E740481C1C}">
+                  <a14:useLocalDpi xmlns:a14="http://schemas.microsoft.com/office/drawing/2010/main" val="0"/>
+                </a:ext>
+                <a:ext uri="{837473B0-CC2E-450A-ABE3-18F120FF3D39}">
+                  <a1611:picAttrSrcUrl xmlns:a1611="http://schemas.microsoft.com/office/drawing/2016/11/main" r:id="rId4"/>
+                </a:ext>
+              </a:extLst>
+            </a:blip>
+            <a:stretch>
+              <a:fillRect/>
+            </a:stretch>
+          </p:blipFill>
+          <p:spPr>
+            <a:xfrm>
+              <a:off x="1500808" y="2185169"/>
+              <a:ext cx="8488017" cy="3919943"/>
+            </a:xfrm>
+            <a:prstGeom prst="rect">
+              <a:avLst/>
+            </a:prstGeom>
+            <a:solidFill>
+              <a:srgbClr val="FFFFFF">
+                <a:shade val="85000"/>
+              </a:srgbClr>
+            </a:solidFill>
+            <a:ln w="190500" cap="rnd">
+              <a:solidFill>
+                <a:srgbClr val="FFFFFF"/>
+              </a:solidFill>
+            </a:ln>
+            <a:effectLst>
+              <a:outerShdw blurRad="50000" algn="tl" rotWithShape="0">
+                <a:srgbClr val="000000">
+                  <a:alpha val="41000"/>
+                </a:srgbClr>
+              </a:outerShdw>
+            </a:effectLst>
+            <a:scene3d>
+              <a:camera prst="orthographicFront"/>
+              <a:lightRig rig="twoPt" dir="t">
+                <a:rot lat="0" lon="0" rev="7800000"/>
+              </a:lightRig>
+            </a:scene3d>
+            <a:sp3d contourW="6350">
+              <a:bevelT w="50800" h="16510"/>
+              <a:contourClr>
+                <a:srgbClr val="C0C0C0"/>
+              </a:contourClr>
+            </a:sp3d>
+          </p:spPr>
+        </p:pic>
+        <p:sp>
+          <p:nvSpPr>
+            <p:cNvPr id="8" name="ZoneTexte 7">
+              <a:extLst>
+                <a:ext uri="{FF2B5EF4-FFF2-40B4-BE49-F238E27FC236}">
+                  <a16:creationId xmlns:a16="http://schemas.microsoft.com/office/drawing/2014/main" id="{5EC49142-C9AE-5D83-AB97-F1E8BF6CD917}"/>
+                </a:ext>
+              </a:extLst>
+            </p:cNvPr>
+            <p:cNvSpPr txBox="1"/>
+            <p:nvPr/>
+          </p:nvSpPr>
+          <p:spPr>
+            <a:xfrm>
+              <a:off x="1500808" y="6175238"/>
+              <a:ext cx="8488034" cy="230832"/>
+            </a:xfrm>
+            <a:prstGeom prst="rect">
+              <a:avLst/>
+            </a:prstGeom>
+            <a:noFill/>
+          </p:spPr>
+          <p:txBody>
+            <a:bodyPr wrap="square" rtlCol="0">
+              <a:spAutoFit/>
+            </a:bodyPr>
+            <a:lstStyle/>
+            <a:p>
+              <a:r>
+                <a:rPr lang="fr-CA" sz="900">
+                  <a:hlinkClick r:id="rId4" tooltip="http://gis.stackexchange.com/questions/30905/how-to-interpolate-temperature-correctly"/>
+                </a:rPr>
+                <a:t>Cette photo</a:t>
+              </a:r>
+              <a:r>
+                <a:rPr lang="fr-CA" sz="900"/>
+                <a:t> par Auteur inconnu est soumise à la licence </a:t>
+              </a:r>
+              <a:r>
+                <a:rPr lang="fr-CA" sz="900">
+                  <a:hlinkClick r:id="rId5" tooltip="https://creativecommons.org/licenses/by-sa/3.0/"/>
+                </a:rPr>
+                <a:t>CC BY-SA</a:t>
+              </a:r>
+              <a:endParaRPr lang="fr-CA" sz="900"/>
+            </a:p>
+          </p:txBody>
+        </p:sp>
+      </p:grpSp>
+      <p:grpSp>
+        <p:nvGrpSpPr>
+          <p:cNvPr id="11" name="Groupe 10">
+            <a:extLst>
+              <a:ext uri="{FF2B5EF4-FFF2-40B4-BE49-F238E27FC236}">
+                <a16:creationId xmlns:a16="http://schemas.microsoft.com/office/drawing/2014/main" id="{0A515B8B-DAAD-1CEF-8D99-4D0D2FFAD61B}"/>
+              </a:ext>
+            </a:extLst>
+          </p:cNvPr>
+          <p:cNvGrpSpPr/>
+          <p:nvPr/>
+        </p:nvGrpSpPr>
+        <p:grpSpPr>
+          <a:xfrm>
+            <a:off x="2291862" y="4174067"/>
+            <a:ext cx="609600" cy="656492"/>
+            <a:chOff x="2608385" y="4092006"/>
+            <a:chExt cx="609600" cy="656492"/>
+          </a:xfrm>
+        </p:grpSpPr>
+        <p:sp>
+          <p:nvSpPr>
+            <p:cNvPr id="10" name="Organigramme : Connecteur 9">
+              <a:extLst>
+                <a:ext uri="{FF2B5EF4-FFF2-40B4-BE49-F238E27FC236}">
+                  <a16:creationId xmlns:a16="http://schemas.microsoft.com/office/drawing/2014/main" id="{4ED117FF-F95E-DBF6-5D65-0DA69CCB480C}"/>
+                </a:ext>
+              </a:extLst>
+            </p:cNvPr>
+            <p:cNvSpPr/>
+            <p:nvPr/>
+          </p:nvSpPr>
+          <p:spPr>
+            <a:xfrm>
+              <a:off x="2608385" y="4092006"/>
+              <a:ext cx="609600" cy="656492"/>
+            </a:xfrm>
+            <a:prstGeom prst="flowChartConnector">
+              <a:avLst/>
+            </a:prstGeom>
+            <a:solidFill>
+              <a:schemeClr val="tx2">
+                <a:lumMod val="25000"/>
+                <a:lumOff val="75000"/>
+                <a:alpha val="67059"/>
+              </a:schemeClr>
+            </a:solidFill>
+          </p:spPr>
+          <p:style>
+            <a:lnRef idx="2">
+              <a:schemeClr val="accent1">
+                <a:shade val="50000"/>
+              </a:schemeClr>
+            </a:lnRef>
+            <a:fillRef idx="1">
+              <a:schemeClr val="accent1"/>
+            </a:fillRef>
+            <a:effectRef idx="0">
+              <a:schemeClr val="accent1"/>
+            </a:effectRef>
+            <a:fontRef idx="minor">
+              <a:schemeClr val="lt1"/>
+            </a:fontRef>
+          </p:style>
+          <p:txBody>
+            <a:bodyPr rtlCol="0" anchor="ctr"/>
+            <a:lstStyle/>
+            <a:p>
+              <a:pPr algn="ctr"/>
+              <a:endParaRPr lang="fr-CA"/>
+            </a:p>
+          </p:txBody>
+        </p:sp>
+        <p:sp>
+          <p:nvSpPr>
+            <p:cNvPr id="9" name="Organigramme : Connecteur 8">
+              <a:extLst>
+                <a:ext uri="{FF2B5EF4-FFF2-40B4-BE49-F238E27FC236}">
+                  <a16:creationId xmlns:a16="http://schemas.microsoft.com/office/drawing/2014/main" id="{564053DE-4244-FF9A-1517-3195B151E941}"/>
+                </a:ext>
+              </a:extLst>
+            </p:cNvPr>
+            <p:cNvSpPr/>
+            <p:nvPr/>
+          </p:nvSpPr>
+          <p:spPr>
+            <a:xfrm>
+              <a:off x="2813539" y="4326467"/>
+              <a:ext cx="199292" cy="187570"/>
+            </a:xfrm>
+            <a:prstGeom prst="flowChartConnector">
+              <a:avLst/>
+            </a:prstGeom>
+            <a:solidFill>
+              <a:schemeClr val="tx1"/>
+            </a:solidFill>
+          </p:spPr>
+          <p:style>
+            <a:lnRef idx="2">
+              <a:schemeClr val="accent1">
+                <a:shade val="50000"/>
+              </a:schemeClr>
+            </a:lnRef>
+            <a:fillRef idx="1">
+              <a:schemeClr val="accent1"/>
+            </a:fillRef>
+            <a:effectRef idx="0">
+              <a:schemeClr val="accent1"/>
+            </a:effectRef>
+            <a:fontRef idx="minor">
+              <a:schemeClr val="lt1"/>
+            </a:fontRef>
+          </p:style>
+          <p:txBody>
+            <a:bodyPr rtlCol="0" anchor="ctr"/>
+            <a:lstStyle/>
+            <a:p>
+              <a:pPr algn="ctr"/>
+              <a:endParaRPr lang="fr-CA"/>
+            </a:p>
+          </p:txBody>
+        </p:sp>
+      </p:grpSp>
+      <p:grpSp>
+        <p:nvGrpSpPr>
+          <p:cNvPr id="12" name="Groupe 11">
+            <a:extLst>
+              <a:ext uri="{FF2B5EF4-FFF2-40B4-BE49-F238E27FC236}">
+                <a16:creationId xmlns:a16="http://schemas.microsoft.com/office/drawing/2014/main" id="{9C1A85C6-880F-F96C-1823-A6268B69F4D2}"/>
+              </a:ext>
+            </a:extLst>
+          </p:cNvPr>
+          <p:cNvGrpSpPr/>
+          <p:nvPr/>
+        </p:nvGrpSpPr>
+        <p:grpSpPr>
+          <a:xfrm>
+            <a:off x="3862755" y="4919765"/>
+            <a:ext cx="609600" cy="656492"/>
+            <a:chOff x="2608385" y="4092006"/>
+            <a:chExt cx="609600" cy="656492"/>
+          </a:xfrm>
+        </p:grpSpPr>
+        <p:sp>
+          <p:nvSpPr>
+            <p:cNvPr id="13" name="Organigramme : Connecteur 12">
+              <a:extLst>
+                <a:ext uri="{FF2B5EF4-FFF2-40B4-BE49-F238E27FC236}">
+                  <a16:creationId xmlns:a16="http://schemas.microsoft.com/office/drawing/2014/main" id="{DDC4BAF7-7E61-7365-57D2-381FC4ABD94E}"/>
+                </a:ext>
+              </a:extLst>
+            </p:cNvPr>
+            <p:cNvSpPr/>
+            <p:nvPr/>
+          </p:nvSpPr>
+          <p:spPr>
+            <a:xfrm>
+              <a:off x="2608385" y="4092006"/>
+              <a:ext cx="609600" cy="656492"/>
+            </a:xfrm>
+            <a:prstGeom prst="flowChartConnector">
+              <a:avLst/>
+            </a:prstGeom>
+            <a:solidFill>
+              <a:schemeClr val="tx2">
+                <a:lumMod val="25000"/>
+                <a:lumOff val="75000"/>
+                <a:alpha val="67059"/>
+              </a:schemeClr>
+            </a:solidFill>
+          </p:spPr>
+          <p:style>
+            <a:lnRef idx="2">
+              <a:schemeClr val="accent1">
+                <a:shade val="50000"/>
+              </a:schemeClr>
+            </a:lnRef>
+            <a:fillRef idx="1">
+              <a:schemeClr val="accent1"/>
+            </a:fillRef>
+            <a:effectRef idx="0">
+              <a:schemeClr val="accent1"/>
+            </a:effectRef>
+            <a:fontRef idx="minor">
+              <a:schemeClr val="lt1"/>
+            </a:fontRef>
+          </p:style>
+          <p:txBody>
+            <a:bodyPr rtlCol="0" anchor="ctr"/>
+            <a:lstStyle/>
+            <a:p>
+              <a:pPr algn="ctr"/>
+              <a:endParaRPr lang="fr-CA"/>
+            </a:p>
+          </p:txBody>
+        </p:sp>
+        <p:sp>
+          <p:nvSpPr>
+            <p:cNvPr id="14" name="Organigramme : Connecteur 13">
+              <a:extLst>
+                <a:ext uri="{FF2B5EF4-FFF2-40B4-BE49-F238E27FC236}">
+                  <a16:creationId xmlns:a16="http://schemas.microsoft.com/office/drawing/2014/main" id="{B3946251-26B8-DFE6-58A9-0251BFBB9111}"/>
+                </a:ext>
+              </a:extLst>
+            </p:cNvPr>
+            <p:cNvSpPr/>
+            <p:nvPr/>
+          </p:nvSpPr>
+          <p:spPr>
+            <a:xfrm>
+              <a:off x="2813539" y="4326467"/>
+              <a:ext cx="199292" cy="187570"/>
+            </a:xfrm>
+            <a:prstGeom prst="flowChartConnector">
+              <a:avLst/>
+            </a:prstGeom>
+            <a:solidFill>
+              <a:schemeClr val="tx1"/>
+            </a:solidFill>
+          </p:spPr>
+          <p:style>
+            <a:lnRef idx="2">
+              <a:schemeClr val="accent1">
+                <a:shade val="50000"/>
+              </a:schemeClr>
+            </a:lnRef>
+            <a:fillRef idx="1">
+              <a:schemeClr val="accent1"/>
+            </a:fillRef>
+            <a:effectRef idx="0">
+              <a:schemeClr val="accent1"/>
+            </a:effectRef>
+            <a:fontRef idx="minor">
+              <a:schemeClr val="lt1"/>
+            </a:fontRef>
+          </p:style>
+          <p:txBody>
+            <a:bodyPr rtlCol="0" anchor="ctr"/>
+            <a:lstStyle/>
+            <a:p>
+              <a:pPr algn="ctr"/>
+              <a:endParaRPr lang="fr-CA"/>
+            </a:p>
+          </p:txBody>
+        </p:sp>
+      </p:grpSp>
+      <p:sp>
+        <p:nvSpPr>
+          <p:cNvPr id="16" name="ZoneTexte 15">
+            <a:extLst>
+              <a:ext uri="{FF2B5EF4-FFF2-40B4-BE49-F238E27FC236}">
+                <a16:creationId xmlns:a16="http://schemas.microsoft.com/office/drawing/2014/main" id="{B5DD20A9-34AE-9F6D-CEC4-B217022BC9E3}"/>
+              </a:ext>
+            </a:extLst>
+          </p:cNvPr>
+          <p:cNvSpPr txBox="1"/>
+          <p:nvPr/>
+        </p:nvSpPr>
+        <p:spPr>
+          <a:xfrm>
+            <a:off x="987670" y="1328363"/>
+            <a:ext cx="6101860" cy="461665"/>
+          </a:xfrm>
+          <a:prstGeom prst="rect">
+            <a:avLst/>
+          </a:prstGeom>
+          <a:noFill/>
+        </p:spPr>
+        <p:txBody>
+          <a:bodyPr wrap="square">
+            <a:spAutoFit/>
+          </a:bodyPr>
+          <a:lstStyle/>
+          <a:p>
+            <a:r>
+              <a:rPr lang="fr-CA" sz="2400" dirty="0" err="1">
+                <a:solidFill>
+                  <a:schemeClr val="accent2">
+                    <a:lumMod val="75000"/>
+                  </a:schemeClr>
+                </a:solidFill>
+              </a:rPr>
+              <a:t>Buffered</a:t>
+            </a:r>
+            <a:r>
+              <a:rPr lang="fr-CA" sz="2400" dirty="0">
+                <a:solidFill>
+                  <a:schemeClr val="accent2">
+                    <a:lumMod val="75000"/>
+                  </a:schemeClr>
+                </a:solidFill>
+              </a:rPr>
+              <a:t> </a:t>
+            </a:r>
+            <a:r>
+              <a:rPr lang="fr-CA" sz="2400" dirty="0" err="1">
+                <a:solidFill>
+                  <a:schemeClr val="accent2">
+                    <a:lumMod val="75000"/>
+                  </a:schemeClr>
+                </a:solidFill>
+              </a:rPr>
+              <a:t>leave</a:t>
+            </a:r>
+            <a:r>
+              <a:rPr lang="fr-CA" sz="2400" dirty="0">
+                <a:solidFill>
+                  <a:schemeClr val="accent2">
+                    <a:lumMod val="75000"/>
+                  </a:schemeClr>
+                </a:solidFill>
+              </a:rPr>
+              <a:t>-one-out</a:t>
+            </a:r>
+          </a:p>
+        </p:txBody>
+      </p:sp>
+      <p:grpSp>
+        <p:nvGrpSpPr>
+          <p:cNvPr id="17" name="Groupe 16">
+            <a:extLst>
+              <a:ext uri="{FF2B5EF4-FFF2-40B4-BE49-F238E27FC236}">
+                <a16:creationId xmlns:a16="http://schemas.microsoft.com/office/drawing/2014/main" id="{927A3C49-62B3-E84F-914C-03EBCDCA6D2E}"/>
+              </a:ext>
+            </a:extLst>
+          </p:cNvPr>
+          <p:cNvGrpSpPr/>
+          <p:nvPr/>
+        </p:nvGrpSpPr>
+        <p:grpSpPr>
+          <a:xfrm>
+            <a:off x="6095991" y="2594448"/>
+            <a:ext cx="609600" cy="656492"/>
+            <a:chOff x="2608385" y="4092006"/>
+            <a:chExt cx="609600" cy="656492"/>
+          </a:xfrm>
+        </p:grpSpPr>
+        <p:sp>
+          <p:nvSpPr>
+            <p:cNvPr id="18" name="Organigramme : Connecteur 17">
+              <a:extLst>
+                <a:ext uri="{FF2B5EF4-FFF2-40B4-BE49-F238E27FC236}">
+                  <a16:creationId xmlns:a16="http://schemas.microsoft.com/office/drawing/2014/main" id="{B86FBE85-22A1-A810-F7BF-BBFF97CA5F60}"/>
+                </a:ext>
+              </a:extLst>
+            </p:cNvPr>
+            <p:cNvSpPr/>
+            <p:nvPr/>
+          </p:nvSpPr>
+          <p:spPr>
+            <a:xfrm>
+              <a:off x="2608385" y="4092006"/>
+              <a:ext cx="609600" cy="656492"/>
+            </a:xfrm>
+            <a:prstGeom prst="flowChartConnector">
+              <a:avLst/>
+            </a:prstGeom>
+            <a:solidFill>
+              <a:schemeClr val="tx2">
+                <a:lumMod val="25000"/>
+                <a:lumOff val="75000"/>
+                <a:alpha val="67059"/>
+              </a:schemeClr>
+            </a:solidFill>
+          </p:spPr>
+          <p:style>
+            <a:lnRef idx="2">
+              <a:schemeClr val="accent1">
+                <a:shade val="50000"/>
+              </a:schemeClr>
+            </a:lnRef>
+            <a:fillRef idx="1">
+              <a:schemeClr val="accent1"/>
+            </a:fillRef>
+            <a:effectRef idx="0">
+              <a:schemeClr val="accent1"/>
+            </a:effectRef>
+            <a:fontRef idx="minor">
+              <a:schemeClr val="lt1"/>
+            </a:fontRef>
+          </p:style>
+          <p:txBody>
+            <a:bodyPr rtlCol="0" anchor="ctr"/>
+            <a:lstStyle/>
+            <a:p>
+              <a:pPr algn="ctr"/>
+              <a:endParaRPr lang="fr-CA"/>
+            </a:p>
+          </p:txBody>
+        </p:sp>
+        <p:sp>
+          <p:nvSpPr>
+            <p:cNvPr id="19" name="Organigramme : Connecteur 18">
+              <a:extLst>
+                <a:ext uri="{FF2B5EF4-FFF2-40B4-BE49-F238E27FC236}">
+                  <a16:creationId xmlns:a16="http://schemas.microsoft.com/office/drawing/2014/main" id="{184D2048-408F-B4F9-C693-13FA6EF62D04}"/>
+                </a:ext>
+              </a:extLst>
+            </p:cNvPr>
+            <p:cNvSpPr/>
+            <p:nvPr/>
+          </p:nvSpPr>
+          <p:spPr>
+            <a:xfrm>
+              <a:off x="2813539" y="4326467"/>
+              <a:ext cx="199292" cy="187570"/>
+            </a:xfrm>
+            <a:prstGeom prst="flowChartConnector">
+              <a:avLst/>
+            </a:prstGeom>
+            <a:solidFill>
+              <a:schemeClr val="tx1"/>
+            </a:solidFill>
+          </p:spPr>
+          <p:style>
+            <a:lnRef idx="2">
+              <a:schemeClr val="accent1">
+                <a:shade val="50000"/>
+              </a:schemeClr>
+            </a:lnRef>
+            <a:fillRef idx="1">
+              <a:schemeClr val="accent1"/>
+            </a:fillRef>
+            <a:effectRef idx="0">
+              <a:schemeClr val="accent1"/>
+            </a:effectRef>
+            <a:fontRef idx="minor">
+              <a:schemeClr val="lt1"/>
+            </a:fontRef>
+          </p:style>
+          <p:txBody>
+            <a:bodyPr rtlCol="0" anchor="ctr"/>
+            <a:lstStyle/>
+            <a:p>
+              <a:pPr algn="ctr"/>
+              <a:endParaRPr lang="fr-CA"/>
+            </a:p>
+          </p:txBody>
+        </p:sp>
+      </p:grpSp>
+    </p:spTree>
+    <p:extLst>
+      <p:ext uri="{BB962C8B-B14F-4D97-AF65-F5344CB8AC3E}">
+        <p14:creationId xmlns:p14="http://schemas.microsoft.com/office/powerpoint/2010/main" val="272415781"/>
+      </p:ext>
+    </p:extLst>
+  </p:cSld>
+  <p:clrMapOvr>
+    <a:masterClrMapping/>
+  </p:clrMapOvr>
+</p:sld>
+</file>
+
+<file path=ppt/slides/slide17.xml><?xml version="1.0" encoding="utf-8"?>
+<p:sld xmlns:a="http://schemas.openxmlformats.org/drawingml/2006/main" xmlns:r="http://schemas.openxmlformats.org/officeDocument/2006/relationships" xmlns:p="http://schemas.openxmlformats.org/presentationml/2006/main">
+  <p:cSld>
+    <p:spTree>
+      <p:nvGrpSpPr>
+        <p:cNvPr id="1" name=""/>
+        <p:cNvGrpSpPr/>
+        <p:nvPr/>
+      </p:nvGrpSpPr>
+      <p:grpSpPr>
+        <a:xfrm>
+          <a:off x="0" y="0"/>
+          <a:ext cx="0" cy="0"/>
+          <a:chOff x="0" y="0"/>
+          <a:chExt cx="0" cy="0"/>
+        </a:xfrm>
+      </p:grpSpPr>
+      <p:sp>
+        <p:nvSpPr>
+          <p:cNvPr id="2" name="Titre 1">
+            <a:extLst>
+              <a:ext uri="{FF2B5EF4-FFF2-40B4-BE49-F238E27FC236}">
+                <a16:creationId xmlns:a16="http://schemas.microsoft.com/office/drawing/2014/main" id="{013104E0-755B-DD23-C248-C3F607C64FE3}"/>
+              </a:ext>
+            </a:extLst>
+          </p:cNvPr>
+          <p:cNvSpPr>
+            <a:spLocks noGrp="1"/>
+          </p:cNvSpPr>
+          <p:nvPr>
+            <p:ph type="title"/>
+          </p:nvPr>
+        </p:nvSpPr>
+        <p:spPr/>
+        <p:txBody>
+          <a:bodyPr/>
+          <a:lstStyle/>
+          <a:p>
+            <a:r>
+              <a:rPr lang="fr-CA"/>
+              <a:t>Validation croisée</a:t>
+            </a:r>
+            <a:endParaRPr lang="fr-CA" dirty="0"/>
+          </a:p>
+        </p:txBody>
+      </p:sp>
+      <p:sp>
+        <p:nvSpPr>
+          <p:cNvPr id="3" name="Espace réservé de la date 2">
+            <a:extLst>
+              <a:ext uri="{FF2B5EF4-FFF2-40B4-BE49-F238E27FC236}">
+                <a16:creationId xmlns:a16="http://schemas.microsoft.com/office/drawing/2014/main" id="{A3BDD46F-1571-8DD4-44E3-DBADC3A183F1}"/>
+              </a:ext>
+            </a:extLst>
+          </p:cNvPr>
+          <p:cNvSpPr>
+            <a:spLocks noGrp="1"/>
+          </p:cNvSpPr>
+          <p:nvPr>
+            <p:ph type="dt" sz="half" idx="10"/>
+          </p:nvPr>
+        </p:nvSpPr>
+        <p:spPr/>
+        <p:txBody>
+          <a:bodyPr/>
+          <a:lstStyle/>
+          <a:p>
+            <a:r>
+              <a:rPr lang="fr-FR"/>
+              <a:t>Session d'hiver 2023</a:t>
+            </a:r>
+            <a:endParaRPr lang="en-US"/>
+          </a:p>
+        </p:txBody>
+      </p:sp>
+      <p:sp>
+        <p:nvSpPr>
+          <p:cNvPr id="4" name="Espace réservé du pied de page 3">
+            <a:extLst>
+              <a:ext uri="{FF2B5EF4-FFF2-40B4-BE49-F238E27FC236}">
+                <a16:creationId xmlns:a16="http://schemas.microsoft.com/office/drawing/2014/main" id="{C95C053F-68DD-4BD9-39B4-7C8397640276}"/>
+              </a:ext>
+            </a:extLst>
+          </p:cNvPr>
+          <p:cNvSpPr>
+            <a:spLocks noGrp="1"/>
+          </p:cNvSpPr>
+          <p:nvPr>
+            <p:ph type="ftr" sz="quarter" idx="11"/>
+          </p:nvPr>
+        </p:nvSpPr>
+        <p:spPr/>
+        <p:txBody>
+          <a:bodyPr/>
+          <a:lstStyle/>
+          <a:p>
+            <a:r>
+              <a:rPr lang="en-US"/>
+              <a:t>Université Laval - Cours STT-7335</a:t>
+            </a:r>
+          </a:p>
+        </p:txBody>
+      </p:sp>
+      <p:sp>
+        <p:nvSpPr>
+          <p:cNvPr id="5" name="Espace réservé du numéro de diapositive 4">
+            <a:extLst>
+              <a:ext uri="{FF2B5EF4-FFF2-40B4-BE49-F238E27FC236}">
+                <a16:creationId xmlns:a16="http://schemas.microsoft.com/office/drawing/2014/main" id="{1978E473-6FE8-27E1-EFD4-1C4CDA21A94B}"/>
+              </a:ext>
+            </a:extLst>
+          </p:cNvPr>
+          <p:cNvSpPr>
+            <a:spLocks noGrp="1"/>
+          </p:cNvSpPr>
+          <p:nvPr>
+            <p:ph type="sldNum" sz="quarter" idx="12"/>
+          </p:nvPr>
+        </p:nvSpPr>
+        <p:spPr/>
+        <p:txBody>
+          <a:bodyPr/>
+          <a:lstStyle/>
+          <a:p>
+            <a:fld id="{73B850FF-6169-4056-8077-06FFA93A5366}" type="slidenum">
+              <a:rPr lang="en-US" smtClean="0"/>
+              <a:t>17</a:t>
+            </a:fld>
+            <a:endParaRPr lang="en-US"/>
+          </a:p>
+        </p:txBody>
+      </p:sp>
+      <p:pic>
+        <p:nvPicPr>
+          <p:cNvPr id="7" name="Image 6">
+            <a:extLst>
+              <a:ext uri="{FF2B5EF4-FFF2-40B4-BE49-F238E27FC236}">
+                <a16:creationId xmlns:a16="http://schemas.microsoft.com/office/drawing/2014/main" id="{910998A2-FC89-31EB-C13C-0B9842CE7EDC}"/>
+              </a:ext>
+            </a:extLst>
+          </p:cNvPr>
+          <p:cNvPicPr>
+            <a:picLocks noChangeAspect="1"/>
+          </p:cNvPicPr>
+          <p:nvPr/>
+        </p:nvPicPr>
+        <p:blipFill>
+          <a:blip r:embed="rId2">
+            <a:extLst>
+              <a:ext uri="{BEBA8EAE-BF5A-486C-A8C5-ECC9F3942E4B}">
+                <a14:imgProps xmlns:a14="http://schemas.microsoft.com/office/drawing/2010/main">
+                  <a14:imgLayer r:embed="rId3">
+                    <a14:imgEffect>
+                      <a14:artisticPhotocopy/>
+                    </a14:imgEffect>
+                  </a14:imgLayer>
+                </a14:imgProps>
+              </a:ext>
+            </a:extLst>
+          </a:blip>
+          <a:stretch>
+            <a:fillRect/>
+          </a:stretch>
+        </p:blipFill>
+        <p:spPr>
+          <a:xfrm>
+            <a:off x="3113849" y="1912447"/>
+            <a:ext cx="5496753" cy="4222143"/>
+          </a:xfrm>
+          <a:prstGeom prst="rect">
+            <a:avLst/>
+          </a:prstGeom>
+          <a:solidFill>
+            <a:srgbClr val="FFFFFF">
+              <a:shade val="85000"/>
+            </a:srgbClr>
+          </a:solidFill>
+          <a:ln w="88900" cap="sq">
+            <a:solidFill>
+              <a:srgbClr val="FFFFFF"/>
+            </a:solidFill>
+            <a:miter lim="800000"/>
+          </a:ln>
+          <a:effectLst>
+            <a:outerShdw blurRad="55000" dist="18000" dir="5400000" algn="tl" rotWithShape="0">
+              <a:srgbClr val="000000">
+                <a:alpha val="40000"/>
+              </a:srgbClr>
+            </a:outerShdw>
+          </a:effectLst>
+          <a:scene3d>
+            <a:camera prst="orthographicFront"/>
+            <a:lightRig rig="twoPt" dir="t">
+              <a:rot lat="0" lon="0" rev="7200000"/>
+            </a:lightRig>
+          </a:scene3d>
+          <a:sp3d>
+            <a:bevelT w="25400" h="19050"/>
+            <a:contourClr>
+              <a:srgbClr val="FFFFFF"/>
+            </a:contourClr>
+          </a:sp3d>
+        </p:spPr>
+      </p:pic>
+      <p:cxnSp>
+        <p:nvCxnSpPr>
+          <p:cNvPr id="9" name="Connecteur droit 8">
+            <a:extLst>
+              <a:ext uri="{FF2B5EF4-FFF2-40B4-BE49-F238E27FC236}">
+                <a16:creationId xmlns:a16="http://schemas.microsoft.com/office/drawing/2014/main" id="{05CC40FC-8DB0-87CB-73AB-E2DAD48B3F6A}"/>
+              </a:ext>
+            </a:extLst>
+          </p:cNvPr>
+          <p:cNvCxnSpPr>
+            <a:cxnSpLocks/>
+          </p:cNvCxnSpPr>
+          <p:nvPr/>
+        </p:nvCxnSpPr>
+        <p:spPr>
+          <a:xfrm flipV="1">
+            <a:off x="6682154" y="2637692"/>
+            <a:ext cx="879231" cy="105508"/>
+          </a:xfrm>
+          <a:prstGeom prst="line">
+            <a:avLst/>
+          </a:prstGeom>
+          <a:ln w="19050"/>
+        </p:spPr>
+        <p:style>
+          <a:lnRef idx="1">
+            <a:schemeClr val="accent1"/>
+          </a:lnRef>
+          <a:fillRef idx="0">
+            <a:schemeClr val="accent1"/>
+          </a:fillRef>
+          <a:effectRef idx="0">
+            <a:schemeClr val="accent1"/>
+          </a:effectRef>
+          <a:fontRef idx="minor">
+            <a:schemeClr val="tx1"/>
+          </a:fontRef>
+        </p:style>
+      </p:cxnSp>
+      <p:cxnSp>
+        <p:nvCxnSpPr>
+          <p:cNvPr id="11" name="Connecteur droit 10">
+            <a:extLst>
+              <a:ext uri="{FF2B5EF4-FFF2-40B4-BE49-F238E27FC236}">
+                <a16:creationId xmlns:a16="http://schemas.microsoft.com/office/drawing/2014/main" id="{813BC9CB-D528-2250-FDE5-187A614AF676}"/>
+              </a:ext>
+            </a:extLst>
+          </p:cNvPr>
+          <p:cNvCxnSpPr>
+            <a:cxnSpLocks/>
+            <a:stCxn id="7" idx="2"/>
+          </p:cNvCxnSpPr>
+          <p:nvPr/>
+        </p:nvCxnSpPr>
+        <p:spPr>
+          <a:xfrm flipV="1">
+            <a:off x="5862226" y="2637692"/>
+            <a:ext cx="1699159" cy="3496898"/>
+          </a:xfrm>
+          <a:prstGeom prst="line">
+            <a:avLst/>
+          </a:prstGeom>
+          <a:ln w="19050"/>
+        </p:spPr>
+        <p:style>
+          <a:lnRef idx="1">
+            <a:schemeClr val="accent1"/>
+          </a:lnRef>
+          <a:fillRef idx="0">
+            <a:schemeClr val="accent1"/>
+          </a:fillRef>
+          <a:effectRef idx="0">
+            <a:schemeClr val="accent1"/>
+          </a:effectRef>
+          <a:fontRef idx="minor">
+            <a:schemeClr val="tx1"/>
+          </a:fontRef>
+        </p:style>
+      </p:cxnSp>
+      <p:cxnSp>
+        <p:nvCxnSpPr>
+          <p:cNvPr id="17" name="Connecteur droit 16">
+            <a:extLst>
+              <a:ext uri="{FF2B5EF4-FFF2-40B4-BE49-F238E27FC236}">
+                <a16:creationId xmlns:a16="http://schemas.microsoft.com/office/drawing/2014/main" id="{A389DB7D-418C-4162-5C83-93911BEEA74D}"/>
+              </a:ext>
+            </a:extLst>
+          </p:cNvPr>
+          <p:cNvCxnSpPr>
+            <a:cxnSpLocks/>
+          </p:cNvCxnSpPr>
+          <p:nvPr/>
+        </p:nvCxnSpPr>
+        <p:spPr>
+          <a:xfrm>
+            <a:off x="6096000" y="3669323"/>
+            <a:ext cx="468923" cy="1019908"/>
+          </a:xfrm>
+          <a:prstGeom prst="line">
+            <a:avLst/>
+          </a:prstGeom>
+          <a:ln w="19050"/>
+        </p:spPr>
+        <p:style>
+          <a:lnRef idx="1">
+            <a:schemeClr val="accent1"/>
+          </a:lnRef>
+          <a:fillRef idx="0">
+            <a:schemeClr val="accent1"/>
+          </a:fillRef>
+          <a:effectRef idx="0">
+            <a:schemeClr val="accent1"/>
+          </a:effectRef>
+          <a:fontRef idx="minor">
+            <a:schemeClr val="tx1"/>
+          </a:fontRef>
+        </p:style>
+      </p:cxnSp>
+      <p:cxnSp>
+        <p:nvCxnSpPr>
+          <p:cNvPr id="21" name="Connecteur droit 20">
+            <a:extLst>
+              <a:ext uri="{FF2B5EF4-FFF2-40B4-BE49-F238E27FC236}">
+                <a16:creationId xmlns:a16="http://schemas.microsoft.com/office/drawing/2014/main" id="{83A9E9F4-EEC7-F77E-B2F7-FB381553B0E0}"/>
+              </a:ext>
+            </a:extLst>
+          </p:cNvPr>
+          <p:cNvCxnSpPr>
+            <a:cxnSpLocks/>
+          </p:cNvCxnSpPr>
+          <p:nvPr/>
+        </p:nvCxnSpPr>
+        <p:spPr>
+          <a:xfrm flipV="1">
+            <a:off x="7121769" y="3669323"/>
+            <a:ext cx="1318846" cy="2286000"/>
+          </a:xfrm>
+          <a:prstGeom prst="line">
+            <a:avLst/>
+          </a:prstGeom>
+          <a:ln w="19050"/>
+        </p:spPr>
+        <p:style>
+          <a:lnRef idx="1">
+            <a:schemeClr val="accent6"/>
+          </a:lnRef>
+          <a:fillRef idx="0">
+            <a:schemeClr val="accent6"/>
+          </a:fillRef>
+          <a:effectRef idx="0">
+            <a:schemeClr val="accent6"/>
+          </a:effectRef>
+          <a:fontRef idx="minor">
+            <a:schemeClr val="tx1"/>
+          </a:fontRef>
+        </p:style>
+      </p:cxnSp>
+      <p:cxnSp>
+        <p:nvCxnSpPr>
+          <p:cNvPr id="23" name="Connecteur droit 22">
+            <a:extLst>
+              <a:ext uri="{FF2B5EF4-FFF2-40B4-BE49-F238E27FC236}">
+                <a16:creationId xmlns:a16="http://schemas.microsoft.com/office/drawing/2014/main" id="{21056E99-9BE9-266F-5260-AC7D68BF3FD1}"/>
+              </a:ext>
+            </a:extLst>
+          </p:cNvPr>
+          <p:cNvCxnSpPr>
+            <a:cxnSpLocks/>
+          </p:cNvCxnSpPr>
+          <p:nvPr/>
+        </p:nvCxnSpPr>
+        <p:spPr>
+          <a:xfrm flipH="1" flipV="1">
+            <a:off x="4138246" y="4872891"/>
+            <a:ext cx="457200" cy="1162784"/>
+          </a:xfrm>
+          <a:prstGeom prst="line">
+            <a:avLst/>
+          </a:prstGeom>
+          <a:ln w="28575"/>
+        </p:spPr>
+        <p:style>
+          <a:lnRef idx="1">
+            <a:schemeClr val="accent5"/>
+          </a:lnRef>
+          <a:fillRef idx="0">
+            <a:schemeClr val="accent5"/>
+          </a:fillRef>
+          <a:effectRef idx="0">
+            <a:schemeClr val="accent5"/>
+          </a:effectRef>
+          <a:fontRef idx="minor">
+            <a:schemeClr val="tx1"/>
+          </a:fontRef>
+        </p:style>
+      </p:cxnSp>
+      <p:cxnSp>
+        <p:nvCxnSpPr>
+          <p:cNvPr id="27" name="Connecteur droit 26">
+            <a:extLst>
+              <a:ext uri="{FF2B5EF4-FFF2-40B4-BE49-F238E27FC236}">
+                <a16:creationId xmlns:a16="http://schemas.microsoft.com/office/drawing/2014/main" id="{06CF3D68-0C19-15DA-9C1C-F7F43B3AA00F}"/>
+              </a:ext>
+            </a:extLst>
+          </p:cNvPr>
+          <p:cNvCxnSpPr>
+            <a:cxnSpLocks/>
+          </p:cNvCxnSpPr>
+          <p:nvPr/>
+        </p:nvCxnSpPr>
+        <p:spPr>
+          <a:xfrm flipH="1">
+            <a:off x="5509847" y="1912447"/>
+            <a:ext cx="35168" cy="725245"/>
+          </a:xfrm>
+          <a:prstGeom prst="line">
+            <a:avLst/>
+          </a:prstGeom>
+          <a:ln w="19050">
+            <a:solidFill>
+              <a:srgbClr val="FFC000"/>
+            </a:solidFill>
+          </a:ln>
+        </p:spPr>
+        <p:style>
+          <a:lnRef idx="1">
+            <a:schemeClr val="accent1"/>
+          </a:lnRef>
+          <a:fillRef idx="0">
+            <a:schemeClr val="accent1"/>
+          </a:fillRef>
+          <a:effectRef idx="0">
+            <a:schemeClr val="accent1"/>
+          </a:effectRef>
+          <a:fontRef idx="minor">
+            <a:schemeClr val="tx1"/>
+          </a:fontRef>
+        </p:style>
+      </p:cxnSp>
+      <p:cxnSp>
+        <p:nvCxnSpPr>
+          <p:cNvPr id="29" name="Connecteur droit 28">
+            <a:extLst>
+              <a:ext uri="{FF2B5EF4-FFF2-40B4-BE49-F238E27FC236}">
+                <a16:creationId xmlns:a16="http://schemas.microsoft.com/office/drawing/2014/main" id="{0355DC20-3459-F567-B1B5-BA51AF0EDABB}"/>
+              </a:ext>
+            </a:extLst>
+          </p:cNvPr>
+          <p:cNvCxnSpPr>
+            <a:cxnSpLocks/>
+          </p:cNvCxnSpPr>
+          <p:nvPr/>
+        </p:nvCxnSpPr>
+        <p:spPr>
+          <a:xfrm flipV="1">
+            <a:off x="5320894" y="2637692"/>
+            <a:ext cx="206537" cy="363416"/>
+          </a:xfrm>
+          <a:prstGeom prst="line">
+            <a:avLst/>
+          </a:prstGeom>
+          <a:ln w="19050">
+            <a:solidFill>
+              <a:srgbClr val="FFC000"/>
+            </a:solidFill>
+          </a:ln>
+        </p:spPr>
+        <p:style>
+          <a:lnRef idx="1">
+            <a:schemeClr val="accent1"/>
+          </a:lnRef>
+          <a:fillRef idx="0">
+            <a:schemeClr val="accent1"/>
+          </a:fillRef>
+          <a:effectRef idx="0">
+            <a:schemeClr val="accent1"/>
+          </a:effectRef>
+          <a:fontRef idx="minor">
+            <a:schemeClr val="tx1"/>
+          </a:fontRef>
+        </p:style>
+      </p:cxnSp>
+      <p:cxnSp>
+        <p:nvCxnSpPr>
+          <p:cNvPr id="33" name="Connecteur droit 32">
+            <a:extLst>
+              <a:ext uri="{FF2B5EF4-FFF2-40B4-BE49-F238E27FC236}">
+                <a16:creationId xmlns:a16="http://schemas.microsoft.com/office/drawing/2014/main" id="{C4796B1A-D10F-6B17-F5FE-46EADC80995D}"/>
+              </a:ext>
+            </a:extLst>
+          </p:cNvPr>
+          <p:cNvCxnSpPr>
+            <a:cxnSpLocks/>
+          </p:cNvCxnSpPr>
+          <p:nvPr/>
+        </p:nvCxnSpPr>
+        <p:spPr>
+          <a:xfrm>
+            <a:off x="5320894" y="3000314"/>
+            <a:ext cx="249784" cy="47686"/>
+          </a:xfrm>
+          <a:prstGeom prst="line">
+            <a:avLst/>
+          </a:prstGeom>
+          <a:ln w="19050">
+            <a:solidFill>
+              <a:srgbClr val="FFC000"/>
+            </a:solidFill>
+          </a:ln>
+        </p:spPr>
+        <p:style>
+          <a:lnRef idx="1">
+            <a:schemeClr val="accent1"/>
+          </a:lnRef>
+          <a:fillRef idx="0">
+            <a:schemeClr val="accent1"/>
+          </a:fillRef>
+          <a:effectRef idx="0">
+            <a:schemeClr val="accent1"/>
+          </a:effectRef>
+          <a:fontRef idx="minor">
+            <a:schemeClr val="tx1"/>
+          </a:fontRef>
+        </p:style>
+      </p:cxnSp>
+      <p:cxnSp>
+        <p:nvCxnSpPr>
+          <p:cNvPr id="37" name="Connecteur droit 36">
+            <a:extLst>
+              <a:ext uri="{FF2B5EF4-FFF2-40B4-BE49-F238E27FC236}">
+                <a16:creationId xmlns:a16="http://schemas.microsoft.com/office/drawing/2014/main" id="{4640F2DE-EA05-AA18-100D-B4F3580DC3B4}"/>
+              </a:ext>
+            </a:extLst>
+          </p:cNvPr>
+          <p:cNvCxnSpPr>
+            <a:cxnSpLocks/>
+          </p:cNvCxnSpPr>
+          <p:nvPr/>
+        </p:nvCxnSpPr>
+        <p:spPr>
+          <a:xfrm flipV="1">
+            <a:off x="5585312" y="2275069"/>
+            <a:ext cx="979611" cy="772931"/>
+          </a:xfrm>
+          <a:prstGeom prst="line">
+            <a:avLst/>
+          </a:prstGeom>
+          <a:ln w="19050">
+            <a:solidFill>
+              <a:srgbClr val="FFC000"/>
+            </a:solidFill>
+          </a:ln>
+        </p:spPr>
+        <p:style>
+          <a:lnRef idx="1">
+            <a:schemeClr val="accent1"/>
+          </a:lnRef>
+          <a:fillRef idx="0">
+            <a:schemeClr val="accent1"/>
+          </a:fillRef>
+          <a:effectRef idx="0">
+            <a:schemeClr val="accent1"/>
+          </a:effectRef>
+          <a:fontRef idx="minor">
+            <a:schemeClr val="tx1"/>
+          </a:fontRef>
+        </p:style>
+      </p:cxnSp>
+      <p:cxnSp>
+        <p:nvCxnSpPr>
+          <p:cNvPr id="43" name="Connecteur droit 42">
+            <a:extLst>
+              <a:ext uri="{FF2B5EF4-FFF2-40B4-BE49-F238E27FC236}">
+                <a16:creationId xmlns:a16="http://schemas.microsoft.com/office/drawing/2014/main" id="{9204A96F-2CE8-60A1-C2B8-D726DEFC56D3}"/>
+              </a:ext>
+            </a:extLst>
+          </p:cNvPr>
+          <p:cNvCxnSpPr>
+            <a:cxnSpLocks/>
+          </p:cNvCxnSpPr>
+          <p:nvPr/>
+        </p:nvCxnSpPr>
+        <p:spPr>
+          <a:xfrm flipH="1">
+            <a:off x="4038600" y="2508738"/>
+            <a:ext cx="1471247" cy="1008185"/>
+          </a:xfrm>
+          <a:prstGeom prst="line">
+            <a:avLst/>
+          </a:prstGeom>
+          <a:ln w="19050">
+            <a:solidFill>
+              <a:srgbClr val="FFC000"/>
+            </a:solidFill>
+          </a:ln>
+        </p:spPr>
+        <p:style>
+          <a:lnRef idx="1">
+            <a:schemeClr val="accent1"/>
+          </a:lnRef>
+          <a:fillRef idx="0">
+            <a:schemeClr val="accent1"/>
+          </a:fillRef>
+          <a:effectRef idx="0">
+            <a:schemeClr val="accent1"/>
+          </a:effectRef>
+          <a:fontRef idx="minor">
+            <a:schemeClr val="tx1"/>
+          </a:fontRef>
+        </p:style>
+      </p:cxnSp>
+      <p:cxnSp>
+        <p:nvCxnSpPr>
+          <p:cNvPr id="46" name="Connecteur droit 45">
+            <a:extLst>
+              <a:ext uri="{FF2B5EF4-FFF2-40B4-BE49-F238E27FC236}">
+                <a16:creationId xmlns:a16="http://schemas.microsoft.com/office/drawing/2014/main" id="{1A66AE7A-D850-E156-6898-CB0C119125DF}"/>
+              </a:ext>
+            </a:extLst>
+          </p:cNvPr>
+          <p:cNvCxnSpPr>
+            <a:cxnSpLocks/>
+          </p:cNvCxnSpPr>
+          <p:nvPr/>
+        </p:nvCxnSpPr>
+        <p:spPr>
+          <a:xfrm flipV="1">
+            <a:off x="3352800" y="3516923"/>
+            <a:ext cx="685800" cy="2203450"/>
+          </a:xfrm>
+          <a:prstGeom prst="line">
+            <a:avLst/>
+          </a:prstGeom>
+          <a:ln w="19050">
+            <a:solidFill>
+              <a:srgbClr val="FFC000"/>
+            </a:solidFill>
+          </a:ln>
+        </p:spPr>
+        <p:style>
+          <a:lnRef idx="1">
+            <a:schemeClr val="accent1"/>
+          </a:lnRef>
+          <a:fillRef idx="0">
+            <a:schemeClr val="accent1"/>
+          </a:fillRef>
+          <a:effectRef idx="0">
+            <a:schemeClr val="accent1"/>
+          </a:effectRef>
+          <a:fontRef idx="minor">
+            <a:schemeClr val="tx1"/>
+          </a:fontRef>
+        </p:style>
+      </p:cxnSp>
+      <p:cxnSp>
+        <p:nvCxnSpPr>
+          <p:cNvPr id="49" name="Connecteur droit 48">
+            <a:extLst>
+              <a:ext uri="{FF2B5EF4-FFF2-40B4-BE49-F238E27FC236}">
+                <a16:creationId xmlns:a16="http://schemas.microsoft.com/office/drawing/2014/main" id="{C482CCF8-4D66-14B3-438E-9E364CEE7E4C}"/>
+              </a:ext>
+            </a:extLst>
+          </p:cNvPr>
+          <p:cNvCxnSpPr>
+            <a:cxnSpLocks/>
+          </p:cNvCxnSpPr>
+          <p:nvPr/>
+        </p:nvCxnSpPr>
+        <p:spPr>
+          <a:xfrm flipH="1" flipV="1">
+            <a:off x="3826118" y="4258408"/>
+            <a:ext cx="637446" cy="20515"/>
+          </a:xfrm>
+          <a:prstGeom prst="line">
+            <a:avLst/>
+          </a:prstGeom>
+          <a:ln w="19050">
+            <a:solidFill>
+              <a:srgbClr val="FFC000"/>
+            </a:solidFill>
+          </a:ln>
+        </p:spPr>
+        <p:style>
+          <a:lnRef idx="1">
+            <a:schemeClr val="accent1"/>
+          </a:lnRef>
+          <a:fillRef idx="0">
+            <a:schemeClr val="accent1"/>
+          </a:fillRef>
+          <a:effectRef idx="0">
+            <a:schemeClr val="accent1"/>
+          </a:effectRef>
+          <a:fontRef idx="minor">
+            <a:schemeClr val="tx1"/>
+          </a:fontRef>
+        </p:style>
+      </p:cxnSp>
+      <p:cxnSp>
+        <p:nvCxnSpPr>
+          <p:cNvPr id="54" name="Connecteur droit 53">
+            <a:extLst>
+              <a:ext uri="{FF2B5EF4-FFF2-40B4-BE49-F238E27FC236}">
+                <a16:creationId xmlns:a16="http://schemas.microsoft.com/office/drawing/2014/main" id="{4AF5D2A2-D234-46F2-F17E-E61DC2BF9D50}"/>
+              </a:ext>
+            </a:extLst>
+          </p:cNvPr>
+          <p:cNvCxnSpPr>
+            <a:cxnSpLocks/>
+          </p:cNvCxnSpPr>
+          <p:nvPr/>
+        </p:nvCxnSpPr>
+        <p:spPr>
+          <a:xfrm flipH="1">
+            <a:off x="4448174" y="3102706"/>
+            <a:ext cx="534822" cy="1176217"/>
+          </a:xfrm>
+          <a:prstGeom prst="line">
+            <a:avLst/>
+          </a:prstGeom>
+          <a:ln w="19050">
+            <a:solidFill>
+              <a:srgbClr val="FFC000"/>
+            </a:solidFill>
+          </a:ln>
+        </p:spPr>
+        <p:style>
+          <a:lnRef idx="1">
+            <a:schemeClr val="accent1"/>
+          </a:lnRef>
+          <a:fillRef idx="0">
+            <a:schemeClr val="accent1"/>
+          </a:fillRef>
+          <a:effectRef idx="0">
+            <a:schemeClr val="accent1"/>
+          </a:effectRef>
+          <a:fontRef idx="minor">
+            <a:schemeClr val="tx1"/>
+          </a:fontRef>
+        </p:style>
+      </p:cxnSp>
+      <p:cxnSp>
+        <p:nvCxnSpPr>
+          <p:cNvPr id="60" name="Connecteur droit 59">
+            <a:extLst>
+              <a:ext uri="{FF2B5EF4-FFF2-40B4-BE49-F238E27FC236}">
+                <a16:creationId xmlns:a16="http://schemas.microsoft.com/office/drawing/2014/main" id="{0BAC82FF-8B63-3CB6-CCD4-EE021480DEA7}"/>
+              </a:ext>
+            </a:extLst>
+          </p:cNvPr>
+          <p:cNvCxnSpPr>
+            <a:cxnSpLocks/>
+          </p:cNvCxnSpPr>
+          <p:nvPr/>
+        </p:nvCxnSpPr>
+        <p:spPr>
+          <a:xfrm flipV="1">
+            <a:off x="3193416" y="2508738"/>
+            <a:ext cx="925001" cy="1418493"/>
+          </a:xfrm>
+          <a:prstGeom prst="line">
+            <a:avLst/>
+          </a:prstGeom>
+          <a:ln/>
+        </p:spPr>
+        <p:style>
+          <a:lnRef idx="3">
+            <a:schemeClr val="accent3"/>
+          </a:lnRef>
+          <a:fillRef idx="0">
+            <a:schemeClr val="accent3"/>
+          </a:fillRef>
+          <a:effectRef idx="2">
+            <a:schemeClr val="accent3"/>
+          </a:effectRef>
+          <a:fontRef idx="minor">
+            <a:schemeClr val="tx1"/>
+          </a:fontRef>
+        </p:style>
+      </p:cxnSp>
+      <p:cxnSp>
+        <p:nvCxnSpPr>
+          <p:cNvPr id="67" name="Connecteur droit 66">
+            <a:extLst>
+              <a:ext uri="{FF2B5EF4-FFF2-40B4-BE49-F238E27FC236}">
+                <a16:creationId xmlns:a16="http://schemas.microsoft.com/office/drawing/2014/main" id="{461BB0FD-C7F6-22D2-5B14-9833D1AF676F}"/>
+              </a:ext>
+            </a:extLst>
+          </p:cNvPr>
+          <p:cNvCxnSpPr>
+            <a:cxnSpLocks/>
+          </p:cNvCxnSpPr>
+          <p:nvPr/>
+        </p:nvCxnSpPr>
+        <p:spPr>
+          <a:xfrm flipH="1" flipV="1">
+            <a:off x="4008559" y="4258408"/>
+            <a:ext cx="586887" cy="762000"/>
+          </a:xfrm>
+          <a:prstGeom prst="line">
+            <a:avLst/>
+          </a:prstGeom>
+          <a:ln w="19050">
+            <a:solidFill>
+              <a:srgbClr val="FFC000"/>
+            </a:solidFill>
+          </a:ln>
+        </p:spPr>
+        <p:style>
+          <a:lnRef idx="1">
+            <a:schemeClr val="accent1"/>
+          </a:lnRef>
+          <a:fillRef idx="0">
+            <a:schemeClr val="accent1"/>
+          </a:fillRef>
+          <a:effectRef idx="0">
+            <a:schemeClr val="accent1"/>
+          </a:effectRef>
+          <a:fontRef idx="minor">
+            <a:schemeClr val="tx1"/>
+          </a:fontRef>
+        </p:style>
+      </p:cxnSp>
+      <p:sp>
+        <p:nvSpPr>
+          <p:cNvPr id="72" name="ZoneTexte 71">
+            <a:extLst>
+              <a:ext uri="{FF2B5EF4-FFF2-40B4-BE49-F238E27FC236}">
+                <a16:creationId xmlns:a16="http://schemas.microsoft.com/office/drawing/2014/main" id="{0F6350A5-C101-0EBF-F98E-FA73DC6CA631}"/>
+              </a:ext>
+            </a:extLst>
+          </p:cNvPr>
+          <p:cNvSpPr txBox="1"/>
+          <p:nvPr/>
+        </p:nvSpPr>
+        <p:spPr>
+          <a:xfrm>
+            <a:off x="1019909" y="1300947"/>
+            <a:ext cx="6101860" cy="461665"/>
+          </a:xfrm>
+          <a:prstGeom prst="rect">
+            <a:avLst/>
+          </a:prstGeom>
+          <a:noFill/>
+        </p:spPr>
+        <p:txBody>
+          <a:bodyPr wrap="square">
+            <a:spAutoFit/>
+          </a:bodyPr>
+          <a:lstStyle/>
+          <a:p>
+            <a:r>
+              <a:rPr lang="fr-CA" sz="2400" dirty="0">
+                <a:solidFill>
+                  <a:schemeClr val="accent2">
+                    <a:lumMod val="75000"/>
+                  </a:schemeClr>
+                </a:solidFill>
+              </a:rPr>
+              <a:t>Regroupement de tronçons continus</a:t>
+            </a:r>
+          </a:p>
+        </p:txBody>
+      </p:sp>
+      <p:pic>
+        <p:nvPicPr>
+          <p:cNvPr id="74" name="Image 73">
+            <a:extLst>
+              <a:ext uri="{FF2B5EF4-FFF2-40B4-BE49-F238E27FC236}">
+                <a16:creationId xmlns:a16="http://schemas.microsoft.com/office/drawing/2014/main" id="{270B9950-1E27-8E01-2AEC-1EE020DB6563}"/>
+              </a:ext>
+            </a:extLst>
+          </p:cNvPr>
+          <p:cNvPicPr>
+            <a:picLocks noChangeAspect="1"/>
+          </p:cNvPicPr>
+          <p:nvPr/>
+        </p:nvPicPr>
+        <p:blipFill>
+          <a:blip r:embed="rId4"/>
+          <a:stretch>
+            <a:fillRect/>
+          </a:stretch>
+        </p:blipFill>
+        <p:spPr>
+          <a:xfrm>
+            <a:off x="6124230" y="5990492"/>
+            <a:ext cx="2486372" cy="142895"/>
+          </a:xfrm>
+          <a:prstGeom prst="rect">
+            <a:avLst/>
+          </a:prstGeom>
+        </p:spPr>
+      </p:pic>
+    </p:spTree>
+    <p:extLst>
+      <p:ext uri="{BB962C8B-B14F-4D97-AF65-F5344CB8AC3E}">
+        <p14:creationId xmlns:p14="http://schemas.microsoft.com/office/powerpoint/2010/main" val="1460875276"/>
+      </p:ext>
+    </p:extLst>
+  </p:cSld>
+  <p:clrMapOvr>
+    <a:masterClrMapping/>
+  </p:clrMapOvr>
+</p:sld>
+</file>
+
+<file path=ppt/slides/slide18.xml><?xml version="1.0" encoding="utf-8"?>
 <p:sld xmlns:a="http://schemas.openxmlformats.org/drawingml/2006/main" xmlns:r="http://schemas.openxmlformats.org/officeDocument/2006/relationships" xmlns:p="http://schemas.openxmlformats.org/presentationml/2006/main">
   <p:cSld>
     <p:bg>
@@ -26447,7 +29940,7 @@
                   <a:spcPts val="600"/>
                 </a:spcAft>
               </a:pPr>
-              <a:t>14</a:t>
+              <a:t>18</a:t>
             </a:fld>
             <a:endParaRPr lang="en-US"/>
           </a:p>
@@ -26466,7 +29959,7 @@
 </p:sld>
 </file>
 
-<file path=ppt/slides/slide15.xml><?xml version="1.0" encoding="utf-8"?>
+<file path=ppt/slides/slide19.xml><?xml version="1.0" encoding="utf-8"?>
 <p:sld xmlns:a="http://schemas.openxmlformats.org/drawingml/2006/main" xmlns:r="http://schemas.openxmlformats.org/officeDocument/2006/relationships" xmlns:p="http://schemas.openxmlformats.org/presentationml/2006/main">
   <p:cSld>
     <p:spTree>
@@ -26540,65 +30033,66 @@
           <a:lstStyle/>
           <a:p>
             <a:r>
-              <a:rPr lang="fr-CA" sz="3200" b="1" dirty="0">
-                <a:solidFill>
-                  <a:schemeClr val="accent2"/>
-                </a:solidFill>
-              </a:rPr>
-              <a:t>Terra</a:t>
+              <a:rPr lang="fr-CA" sz="3200" dirty="0" err="1"/>
+              <a:t>sp</a:t>
+            </a:r>
+            <a:endParaRPr lang="fr-CA" sz="3200" dirty="0"/>
+          </a:p>
+          <a:p>
+            <a:r>
+              <a:rPr lang="fr-CA" sz="3200" dirty="0" err="1"/>
+              <a:t>sf</a:t>
+            </a:r>
+            <a:endParaRPr lang="fr-CA" sz="3200" dirty="0"/>
+          </a:p>
+          <a:p>
+            <a:r>
+              <a:rPr lang="fr-CA" sz="3200" dirty="0"/>
+              <a:t>raster </a:t>
             </a:r>
           </a:p>
           <a:p>
             <a:r>
               <a:rPr lang="fr-CA" sz="3200" b="1" dirty="0">
                 <a:solidFill>
-                  <a:schemeClr val="accent6"/>
+                  <a:schemeClr val="accent2"/>
                 </a:solidFill>
               </a:rPr>
-              <a:t>Leaflet</a:t>
+              <a:t>terra</a:t>
             </a:r>
           </a:p>
           <a:p>
             <a:r>
-              <a:rPr lang="fr-CA" sz="3200" dirty="0" err="1"/>
-              <a:t>sp</a:t>
+              <a:rPr lang="fr-CA" sz="3200" b="1" dirty="0" err="1">
+                <a:solidFill>
+                  <a:schemeClr val="accent2"/>
+                </a:solidFill>
+              </a:rPr>
+              <a:t>tidyterra</a:t>
             </a:r>
-            <a:r>
-              <a:rPr lang="fr-CA" sz="3200" dirty="0"/>
-              <a:t> (Spatial </a:t>
-            </a:r>
-            <a:r>
-              <a:rPr lang="fr-CA" sz="3200" dirty="0" err="1"/>
-              <a:t>polygons</a:t>
-            </a:r>
-            <a:r>
-              <a:rPr lang="fr-CA" sz="3200" dirty="0"/>
-              <a:t>)</a:t>
-            </a:r>
+            <a:endParaRPr lang="fr-CA" sz="3200" b="1" dirty="0">
+              <a:solidFill>
+                <a:schemeClr val="accent2"/>
+              </a:solidFill>
+            </a:endParaRPr>
           </a:p>
           <a:p>
             <a:r>
-              <a:rPr lang="fr-CA" sz="3200" dirty="0" err="1"/>
-              <a:t>sf</a:t>
+              <a:rPr lang="fr-CA" sz="3200" b="1" dirty="0" err="1">
+                <a:solidFill>
+                  <a:schemeClr val="accent6"/>
+                </a:solidFill>
+              </a:rPr>
+              <a:t>leaflet</a:t>
             </a:r>
-            <a:r>
-              <a:rPr lang="fr-CA" sz="3200" dirty="0"/>
-              <a:t> (Simple </a:t>
-            </a:r>
-            <a:r>
-              <a:rPr lang="fr-CA" sz="3200" dirty="0" err="1"/>
-              <a:t>Feature</a:t>
-            </a:r>
-            <a:r>
-              <a:rPr lang="fr-CA" sz="3200" dirty="0"/>
-              <a:t>)</a:t>
-            </a:r>
+            <a:endParaRPr lang="fr-CA" sz="3200" b="1" dirty="0">
+              <a:solidFill>
+                <a:schemeClr val="accent6"/>
+              </a:solidFill>
+            </a:endParaRPr>
           </a:p>
           <a:p>
-            <a:r>
-              <a:rPr lang="fr-CA" sz="3200" dirty="0"/>
-              <a:t>raster</a:t>
-            </a:r>
+            <a:endParaRPr lang="fr-CA" sz="3200" dirty="0"/>
           </a:p>
         </p:txBody>
       </p:sp>
@@ -26682,7 +30176,7 @@
           <a:p>
             <a:fld id="{73B850FF-6169-4056-8077-06FFA93A5366}" type="slidenum">
               <a:rPr lang="en-US" smtClean="0"/>
-              <a:t>15</a:t>
+              <a:t>19</a:t>
             </a:fld>
             <a:endParaRPr lang="en-US"/>
           </a:p>
@@ -26692,193 +30186,6 @@
     <p:extLst>
       <p:ext uri="{BB962C8B-B14F-4D97-AF65-F5344CB8AC3E}">
         <p14:creationId xmlns:p14="http://schemas.microsoft.com/office/powerpoint/2010/main" val="1594475194"/>
-      </p:ext>
-    </p:extLst>
-  </p:cSld>
-  <p:clrMapOvr>
-    <a:masterClrMapping/>
-  </p:clrMapOvr>
-</p:sld>
-</file>
-
-<file path=ppt/slides/slide16.xml><?xml version="1.0" encoding="utf-8"?>
-<p:sld xmlns:a="http://schemas.openxmlformats.org/drawingml/2006/main" xmlns:r="http://schemas.openxmlformats.org/officeDocument/2006/relationships" xmlns:p="http://schemas.openxmlformats.org/presentationml/2006/main">
-  <p:cSld>
-    <p:spTree>
-      <p:nvGrpSpPr>
-        <p:cNvPr id="1" name=""/>
-        <p:cNvGrpSpPr/>
-        <p:nvPr/>
-      </p:nvGrpSpPr>
-      <p:grpSpPr>
-        <a:xfrm>
-          <a:off x="0" y="0"/>
-          <a:ext cx="0" cy="0"/>
-          <a:chOff x="0" y="0"/>
-          <a:chExt cx="0" cy="0"/>
-        </a:xfrm>
-      </p:grpSpPr>
-      <p:sp>
-        <p:nvSpPr>
-          <p:cNvPr id="2" name="Titre 1">
-            <a:extLst>
-              <a:ext uri="{FF2B5EF4-FFF2-40B4-BE49-F238E27FC236}">
-                <a16:creationId xmlns:a16="http://schemas.microsoft.com/office/drawing/2014/main" id="{03329AB5-29AA-9564-0AA3-C650A4D3F47E}"/>
-              </a:ext>
-            </a:extLst>
-          </p:cNvPr>
-          <p:cNvSpPr>
-            <a:spLocks noGrp="1"/>
-          </p:cNvSpPr>
-          <p:nvPr>
-            <p:ph type="title"/>
-          </p:nvPr>
-        </p:nvSpPr>
-        <p:spPr/>
-        <p:txBody>
-          <a:bodyPr/>
-          <a:lstStyle/>
-          <a:p>
-            <a:r>
-              <a:rPr lang="fr-CA" dirty="0"/>
-              <a:t>Bibliographie</a:t>
-            </a:r>
-          </a:p>
-        </p:txBody>
-      </p:sp>
-      <p:sp>
-        <p:nvSpPr>
-          <p:cNvPr id="3" name="Espace réservé du contenu 2">
-            <a:extLst>
-              <a:ext uri="{FF2B5EF4-FFF2-40B4-BE49-F238E27FC236}">
-                <a16:creationId xmlns:a16="http://schemas.microsoft.com/office/drawing/2014/main" id="{8FC3B688-74EE-0810-162C-98B72B03AD02}"/>
-              </a:ext>
-            </a:extLst>
-          </p:cNvPr>
-          <p:cNvSpPr>
-            <a:spLocks noGrp="1"/>
-          </p:cNvSpPr>
-          <p:nvPr>
-            <p:ph idx="1"/>
-          </p:nvPr>
-        </p:nvSpPr>
-        <p:spPr>
-          <a:xfrm>
-            <a:off x="838200" y="3058854"/>
-            <a:ext cx="10515600" cy="740293"/>
-          </a:xfrm>
-        </p:spPr>
-        <p:txBody>
-          <a:bodyPr/>
-          <a:lstStyle/>
-          <a:p>
-            <a:r>
-              <a:rPr lang="fr-CA" dirty="0"/>
-              <a:t>Spatial Data Science: </a:t>
-            </a:r>
-            <a:r>
-              <a:rPr lang="fr-CA" dirty="0">
-                <a:hlinkClick r:id="rId2"/>
-              </a:rPr>
-              <a:t>https://rspatial.org/index.html</a:t>
-            </a:r>
-            <a:r>
-              <a:rPr lang="fr-CA" dirty="0"/>
-              <a:t> </a:t>
-            </a:r>
-          </a:p>
-        </p:txBody>
-      </p:sp>
-      <p:sp>
-        <p:nvSpPr>
-          <p:cNvPr id="4" name="Espace réservé de la date 3">
-            <a:extLst>
-              <a:ext uri="{FF2B5EF4-FFF2-40B4-BE49-F238E27FC236}">
-                <a16:creationId xmlns:a16="http://schemas.microsoft.com/office/drawing/2014/main" id="{1CC8D6B4-E1FE-98E7-1481-6E7B4703A14A}"/>
-              </a:ext>
-            </a:extLst>
-          </p:cNvPr>
-          <p:cNvSpPr>
-            <a:spLocks noGrp="1"/>
-          </p:cNvSpPr>
-          <p:nvPr>
-            <p:ph type="dt" sz="half" idx="10"/>
-          </p:nvPr>
-        </p:nvSpPr>
-        <p:spPr/>
-        <p:txBody>
-          <a:bodyPr/>
-          <a:lstStyle/>
-          <a:p>
-            <a:r>
-              <a:rPr lang="fr-FR"/>
-              <a:t>Session d'hiver 2023</a:t>
-            </a:r>
-            <a:endParaRPr lang="en-US"/>
-          </a:p>
-        </p:txBody>
-      </p:sp>
-      <p:sp>
-        <p:nvSpPr>
-          <p:cNvPr id="5" name="Espace réservé du pied de page 4">
-            <a:extLst>
-              <a:ext uri="{FF2B5EF4-FFF2-40B4-BE49-F238E27FC236}">
-                <a16:creationId xmlns:a16="http://schemas.microsoft.com/office/drawing/2014/main" id="{C974893A-F84C-DF5E-2A2A-BA5668E6B56D}"/>
-              </a:ext>
-            </a:extLst>
-          </p:cNvPr>
-          <p:cNvSpPr>
-            <a:spLocks noGrp="1"/>
-          </p:cNvSpPr>
-          <p:nvPr>
-            <p:ph type="ftr" sz="quarter" idx="11"/>
-          </p:nvPr>
-        </p:nvSpPr>
-        <p:spPr/>
-        <p:txBody>
-          <a:bodyPr/>
-          <a:lstStyle/>
-          <a:p>
-            <a:r>
-              <a:rPr lang="en-US"/>
-              <a:t>Université Laval - Cours STT-7335</a:t>
-            </a:r>
-          </a:p>
-        </p:txBody>
-      </p:sp>
-      <p:sp>
-        <p:nvSpPr>
-          <p:cNvPr id="6" name="Espace réservé du numéro de diapositive 5">
-            <a:extLst>
-              <a:ext uri="{FF2B5EF4-FFF2-40B4-BE49-F238E27FC236}">
-                <a16:creationId xmlns:a16="http://schemas.microsoft.com/office/drawing/2014/main" id="{40DEB686-EA37-9674-C970-165E10B72D4E}"/>
-              </a:ext>
-            </a:extLst>
-          </p:cNvPr>
-          <p:cNvSpPr>
-            <a:spLocks noGrp="1"/>
-          </p:cNvSpPr>
-          <p:nvPr>
-            <p:ph type="sldNum" sz="quarter" idx="12"/>
-          </p:nvPr>
-        </p:nvSpPr>
-        <p:spPr/>
-        <p:txBody>
-          <a:bodyPr/>
-          <a:lstStyle/>
-          <a:p>
-            <a:fld id="{73B850FF-6169-4056-8077-06FFA93A5366}" type="slidenum">
-              <a:rPr lang="en-US" smtClean="0"/>
-              <a:t>16</a:t>
-            </a:fld>
-            <a:endParaRPr lang="en-US"/>
-          </a:p>
-        </p:txBody>
-      </p:sp>
-    </p:spTree>
-    <p:extLst>
-      <p:ext uri="{BB962C8B-B14F-4D97-AF65-F5344CB8AC3E}">
-        <p14:creationId xmlns:p14="http://schemas.microsoft.com/office/powerpoint/2010/main" val="382959878"/>
       </p:ext>
     </p:extLst>
   </p:cSld>
@@ -27054,6 +30361,994 @@
     <p:extLst>
       <p:ext uri="{BB962C8B-B14F-4D97-AF65-F5344CB8AC3E}">
         <p14:creationId xmlns:p14="http://schemas.microsoft.com/office/powerpoint/2010/main" val="3599994164"/>
+      </p:ext>
+    </p:extLst>
+  </p:cSld>
+  <p:clrMapOvr>
+    <a:masterClrMapping/>
+  </p:clrMapOvr>
+</p:sld>
+</file>
+
+<file path=ppt/slides/slide20.xml><?xml version="1.0" encoding="utf-8"?>
+<p:sld xmlns:a="http://schemas.openxmlformats.org/drawingml/2006/main" xmlns:r="http://schemas.openxmlformats.org/officeDocument/2006/relationships" xmlns:p="http://schemas.openxmlformats.org/presentationml/2006/main">
+  <p:cSld>
+    <p:spTree>
+      <p:nvGrpSpPr>
+        <p:cNvPr id="1" name=""/>
+        <p:cNvGrpSpPr/>
+        <p:nvPr/>
+      </p:nvGrpSpPr>
+      <p:grpSpPr>
+        <a:xfrm>
+          <a:off x="0" y="0"/>
+          <a:ext cx="0" cy="0"/>
+          <a:chOff x="0" y="0"/>
+          <a:chExt cx="0" cy="0"/>
+        </a:xfrm>
+      </p:grpSpPr>
+      <p:sp>
+        <p:nvSpPr>
+          <p:cNvPr id="2" name="Titre 1">
+            <a:extLst>
+              <a:ext uri="{FF2B5EF4-FFF2-40B4-BE49-F238E27FC236}">
+                <a16:creationId xmlns:a16="http://schemas.microsoft.com/office/drawing/2014/main" id="{03329AB5-29AA-9564-0AA3-C650A4D3F47E}"/>
+              </a:ext>
+            </a:extLst>
+          </p:cNvPr>
+          <p:cNvSpPr>
+            <a:spLocks noGrp="1"/>
+          </p:cNvSpPr>
+          <p:nvPr>
+            <p:ph type="title"/>
+          </p:nvPr>
+        </p:nvSpPr>
+        <p:spPr/>
+        <p:txBody>
+          <a:bodyPr/>
+          <a:lstStyle/>
+          <a:p>
+            <a:r>
+              <a:rPr lang="fr-CA" dirty="0"/>
+              <a:t>Bibliographie</a:t>
+            </a:r>
+          </a:p>
+        </p:txBody>
+      </p:sp>
+      <p:sp>
+        <p:nvSpPr>
+          <p:cNvPr id="3" name="Espace réservé du contenu 2">
+            <a:extLst>
+              <a:ext uri="{FF2B5EF4-FFF2-40B4-BE49-F238E27FC236}">
+                <a16:creationId xmlns:a16="http://schemas.microsoft.com/office/drawing/2014/main" id="{8FC3B688-74EE-0810-162C-98B72B03AD02}"/>
+              </a:ext>
+            </a:extLst>
+          </p:cNvPr>
+          <p:cNvSpPr>
+            <a:spLocks noGrp="1"/>
+          </p:cNvSpPr>
+          <p:nvPr>
+            <p:ph idx="1"/>
+          </p:nvPr>
+        </p:nvSpPr>
+        <p:spPr>
+          <a:xfrm>
+            <a:off x="838200" y="1690689"/>
+            <a:ext cx="10515600" cy="4545988"/>
+          </a:xfrm>
+        </p:spPr>
+        <p:txBody>
+          <a:bodyPr>
+            <a:normAutofit/>
+          </a:bodyPr>
+          <a:lstStyle/>
+          <a:p>
+            <a:r>
+              <a:rPr lang="fr-CA" dirty="0">
+                <a:solidFill>
+                  <a:schemeClr val="accent1">
+                    <a:lumMod val="75000"/>
+                  </a:schemeClr>
+                </a:solidFill>
+              </a:rPr>
+              <a:t>Spatial Data Science: </a:t>
+            </a:r>
+            <a:r>
+              <a:rPr lang="fr-CA" dirty="0">
+                <a:hlinkClick r:id="rId2"/>
+              </a:rPr>
+              <a:t>https://rspatial.org/index.html</a:t>
+            </a:r>
+            <a:endParaRPr lang="fr-CA" dirty="0"/>
+          </a:p>
+          <a:p>
+            <a:r>
+              <a:rPr lang="fr-CA" dirty="0">
+                <a:solidFill>
+                  <a:schemeClr val="accent1">
+                    <a:lumMod val="75000"/>
+                  </a:schemeClr>
+                </a:solidFill>
+              </a:rPr>
+              <a:t> </a:t>
+            </a:r>
+            <a:r>
+              <a:rPr lang="fr-CA" sz="2700" dirty="0">
+                <a:solidFill>
+                  <a:schemeClr val="accent1">
+                    <a:lumMod val="75000"/>
+                  </a:schemeClr>
+                </a:solidFill>
+                <a:latin typeface="Arial" panose="020B0604020202020204" pitchFamily="34" charset="0"/>
+              </a:rPr>
+              <a:t>Approches de prédiction spatiale: </a:t>
+            </a:r>
+            <a:br>
+              <a:rPr lang="fr-CA" sz="2700" dirty="0">
+                <a:solidFill>
+                  <a:srgbClr val="222222"/>
+                </a:solidFill>
+                <a:latin typeface="Arial" panose="020B0604020202020204" pitchFamily="34" charset="0"/>
+              </a:rPr>
+            </a:br>
+            <a:r>
+              <a:rPr lang="fr-CA" sz="2700" dirty="0">
+                <a:solidFill>
+                  <a:srgbClr val="222222"/>
+                </a:solidFill>
+                <a:latin typeface="Arial" panose="020B0604020202020204" pitchFamily="34" charset="0"/>
+              </a:rPr>
+              <a:t> </a:t>
+            </a:r>
+            <a:r>
+              <a:rPr lang="fr-CA" b="0" i="0" dirty="0">
+                <a:solidFill>
+                  <a:schemeClr val="tx1"/>
+                </a:solidFill>
+                <a:effectLst/>
+                <a:latin typeface="Arial" panose="020B0604020202020204" pitchFamily="34" charset="0"/>
+              </a:rPr>
+              <a:t>Huang, B. (2017). </a:t>
+            </a:r>
+            <a:r>
+              <a:rPr lang="fr-CA" b="0" i="1" dirty="0" err="1">
+                <a:solidFill>
+                  <a:schemeClr val="tx1"/>
+                </a:solidFill>
+                <a:effectLst/>
+                <a:latin typeface="Arial" panose="020B0604020202020204" pitchFamily="34" charset="0"/>
+              </a:rPr>
+              <a:t>Comprehensive</a:t>
+            </a:r>
+            <a:r>
+              <a:rPr lang="fr-CA" b="0" i="1" dirty="0">
+                <a:solidFill>
+                  <a:schemeClr val="tx1"/>
+                </a:solidFill>
+                <a:effectLst/>
+                <a:latin typeface="Arial" panose="020B0604020202020204" pitchFamily="34" charset="0"/>
+              </a:rPr>
+              <a:t> </a:t>
+            </a:r>
+            <a:r>
+              <a:rPr lang="fr-CA" b="0" i="1" dirty="0" err="1">
+                <a:solidFill>
+                  <a:schemeClr val="tx1"/>
+                </a:solidFill>
+                <a:effectLst/>
+                <a:latin typeface="Arial" panose="020B0604020202020204" pitchFamily="34" charset="0"/>
+              </a:rPr>
+              <a:t>geographic</a:t>
+            </a:r>
+            <a:r>
+              <a:rPr lang="fr-CA" b="0" i="1" dirty="0">
+                <a:solidFill>
+                  <a:schemeClr val="tx1"/>
+                </a:solidFill>
+                <a:effectLst/>
+                <a:latin typeface="Arial" panose="020B0604020202020204" pitchFamily="34" charset="0"/>
+              </a:rPr>
+              <a:t> information </a:t>
+            </a:r>
+            <a:r>
+              <a:rPr lang="fr-CA" b="0" i="1" dirty="0" err="1">
+                <a:solidFill>
+                  <a:schemeClr val="tx1"/>
+                </a:solidFill>
+                <a:effectLst/>
+                <a:latin typeface="Arial" panose="020B0604020202020204" pitchFamily="34" charset="0"/>
+              </a:rPr>
+              <a:t>systems</a:t>
+            </a:r>
+            <a:r>
+              <a:rPr lang="fr-CA" b="0" i="0" dirty="0">
+                <a:solidFill>
+                  <a:schemeClr val="tx1"/>
+                </a:solidFill>
+                <a:effectLst/>
+                <a:latin typeface="Arial" panose="020B0604020202020204" pitchFamily="34" charset="0"/>
+              </a:rPr>
+              <a:t>. Elsevier.</a:t>
+            </a:r>
+          </a:p>
+          <a:p>
+            <a:r>
+              <a:rPr lang="fr-CA" sz="2700" dirty="0">
+                <a:solidFill>
+                  <a:schemeClr val="accent1">
+                    <a:lumMod val="75000"/>
+                  </a:schemeClr>
+                </a:solidFill>
+                <a:latin typeface="Arial" panose="020B0604020202020204" pitchFamily="34" charset="0"/>
+              </a:rPr>
+              <a:t>Modèles MRF: </a:t>
+            </a:r>
+            <a:r>
+              <a:rPr lang="fr-CA" dirty="0" err="1">
+                <a:solidFill>
+                  <a:schemeClr val="tx1"/>
+                </a:solidFill>
+                <a:latin typeface="Arial" panose="020B0604020202020204" pitchFamily="34" charset="0"/>
+              </a:rPr>
+              <a:t>Tarabalka</a:t>
+            </a:r>
+            <a:r>
+              <a:rPr lang="fr-CA" dirty="0">
+                <a:solidFill>
+                  <a:schemeClr val="tx1"/>
+                </a:solidFill>
+                <a:latin typeface="Arial" panose="020B0604020202020204" pitchFamily="34" charset="0"/>
+              </a:rPr>
+              <a:t>, Y., Fauvel, M., </a:t>
+            </a:r>
+            <a:r>
+              <a:rPr lang="fr-CA" dirty="0" err="1">
+                <a:solidFill>
+                  <a:schemeClr val="tx1"/>
+                </a:solidFill>
+                <a:latin typeface="Arial" panose="020B0604020202020204" pitchFamily="34" charset="0"/>
+              </a:rPr>
+              <a:t>Chanussot</a:t>
+            </a:r>
+            <a:r>
+              <a:rPr lang="fr-CA" dirty="0">
+                <a:solidFill>
+                  <a:schemeClr val="tx1"/>
+                </a:solidFill>
+                <a:latin typeface="Arial" panose="020B0604020202020204" pitchFamily="34" charset="0"/>
+              </a:rPr>
+              <a:t>, J., &amp; </a:t>
+            </a:r>
+            <a:r>
+              <a:rPr lang="fr-CA" dirty="0" err="1">
+                <a:solidFill>
+                  <a:schemeClr val="tx1"/>
+                </a:solidFill>
+                <a:latin typeface="Arial" panose="020B0604020202020204" pitchFamily="34" charset="0"/>
+              </a:rPr>
+              <a:t>Benediktsson</a:t>
+            </a:r>
+            <a:r>
+              <a:rPr lang="fr-CA" dirty="0">
+                <a:solidFill>
+                  <a:schemeClr val="tx1"/>
+                </a:solidFill>
+                <a:latin typeface="Arial" panose="020B0604020202020204" pitchFamily="34" charset="0"/>
+              </a:rPr>
+              <a:t>, J. A. (2010). SVM-and MRF-</a:t>
+            </a:r>
+            <a:r>
+              <a:rPr lang="fr-CA" dirty="0" err="1">
+                <a:solidFill>
+                  <a:schemeClr val="tx1"/>
+                </a:solidFill>
+                <a:latin typeface="Arial" panose="020B0604020202020204" pitchFamily="34" charset="0"/>
+              </a:rPr>
+              <a:t>based</a:t>
+            </a:r>
+            <a:r>
+              <a:rPr lang="fr-CA" dirty="0">
+                <a:solidFill>
+                  <a:schemeClr val="tx1"/>
+                </a:solidFill>
+                <a:latin typeface="Arial" panose="020B0604020202020204" pitchFamily="34" charset="0"/>
+              </a:rPr>
+              <a:t> </a:t>
+            </a:r>
+            <a:r>
+              <a:rPr lang="fr-CA" dirty="0" err="1">
+                <a:solidFill>
+                  <a:schemeClr val="tx1"/>
+                </a:solidFill>
+                <a:latin typeface="Arial" panose="020B0604020202020204" pitchFamily="34" charset="0"/>
+              </a:rPr>
+              <a:t>method</a:t>
+            </a:r>
+            <a:r>
+              <a:rPr lang="fr-CA" dirty="0">
+                <a:solidFill>
+                  <a:schemeClr val="tx1"/>
+                </a:solidFill>
+                <a:latin typeface="Arial" panose="020B0604020202020204" pitchFamily="34" charset="0"/>
+              </a:rPr>
+              <a:t> for </a:t>
+            </a:r>
+            <a:r>
+              <a:rPr lang="fr-CA" dirty="0" err="1">
+                <a:solidFill>
+                  <a:schemeClr val="tx1"/>
+                </a:solidFill>
+                <a:latin typeface="Arial" panose="020B0604020202020204" pitchFamily="34" charset="0"/>
+              </a:rPr>
+              <a:t>accurate</a:t>
+            </a:r>
+            <a:r>
+              <a:rPr lang="fr-CA" dirty="0">
+                <a:solidFill>
+                  <a:schemeClr val="tx1"/>
+                </a:solidFill>
+                <a:latin typeface="Arial" panose="020B0604020202020204" pitchFamily="34" charset="0"/>
+              </a:rPr>
+              <a:t> classification of hyperspectral images. IEEE </a:t>
+            </a:r>
+            <a:r>
+              <a:rPr lang="fr-CA" dirty="0" err="1">
+                <a:solidFill>
+                  <a:schemeClr val="tx1"/>
+                </a:solidFill>
+                <a:latin typeface="Arial" panose="020B0604020202020204" pitchFamily="34" charset="0"/>
+              </a:rPr>
+              <a:t>Geoscience</a:t>
+            </a:r>
+            <a:r>
+              <a:rPr lang="fr-CA" dirty="0">
+                <a:solidFill>
+                  <a:schemeClr val="tx1"/>
+                </a:solidFill>
+                <a:latin typeface="Arial" panose="020B0604020202020204" pitchFamily="34" charset="0"/>
+              </a:rPr>
+              <a:t> and </a:t>
+            </a:r>
+            <a:r>
+              <a:rPr lang="fr-CA" dirty="0" err="1">
+                <a:solidFill>
+                  <a:schemeClr val="tx1"/>
+                </a:solidFill>
+                <a:latin typeface="Arial" panose="020B0604020202020204" pitchFamily="34" charset="0"/>
+              </a:rPr>
+              <a:t>Remote</a:t>
+            </a:r>
+            <a:r>
+              <a:rPr lang="fr-CA" dirty="0">
+                <a:solidFill>
+                  <a:schemeClr val="tx1"/>
+                </a:solidFill>
+                <a:latin typeface="Arial" panose="020B0604020202020204" pitchFamily="34" charset="0"/>
+              </a:rPr>
+              <a:t> </a:t>
+            </a:r>
+            <a:r>
+              <a:rPr lang="fr-CA" dirty="0" err="1">
+                <a:solidFill>
+                  <a:schemeClr val="tx1"/>
+                </a:solidFill>
+                <a:latin typeface="Arial" panose="020B0604020202020204" pitchFamily="34" charset="0"/>
+              </a:rPr>
+              <a:t>Sensing</a:t>
+            </a:r>
+            <a:r>
+              <a:rPr lang="fr-CA" dirty="0">
+                <a:solidFill>
+                  <a:schemeClr val="tx1"/>
+                </a:solidFill>
+                <a:latin typeface="Arial" panose="020B0604020202020204" pitchFamily="34" charset="0"/>
+              </a:rPr>
+              <a:t> </a:t>
+            </a:r>
+            <a:r>
+              <a:rPr lang="fr-CA" dirty="0" err="1">
+                <a:solidFill>
+                  <a:schemeClr val="tx1"/>
+                </a:solidFill>
+                <a:latin typeface="Arial" panose="020B0604020202020204" pitchFamily="34" charset="0"/>
+              </a:rPr>
+              <a:t>Letters</a:t>
+            </a:r>
+            <a:r>
+              <a:rPr lang="fr-CA" dirty="0">
+                <a:solidFill>
+                  <a:schemeClr val="tx1"/>
+                </a:solidFill>
+                <a:latin typeface="Arial" panose="020B0604020202020204" pitchFamily="34" charset="0"/>
+              </a:rPr>
+              <a:t>, 7(4), 736-740.</a:t>
+            </a:r>
+          </a:p>
+        </p:txBody>
+      </p:sp>
+      <p:sp>
+        <p:nvSpPr>
+          <p:cNvPr id="4" name="Espace réservé de la date 3">
+            <a:extLst>
+              <a:ext uri="{FF2B5EF4-FFF2-40B4-BE49-F238E27FC236}">
+                <a16:creationId xmlns:a16="http://schemas.microsoft.com/office/drawing/2014/main" id="{1CC8D6B4-E1FE-98E7-1481-6E7B4703A14A}"/>
+              </a:ext>
+            </a:extLst>
+          </p:cNvPr>
+          <p:cNvSpPr>
+            <a:spLocks noGrp="1"/>
+          </p:cNvSpPr>
+          <p:nvPr>
+            <p:ph type="dt" sz="half" idx="10"/>
+          </p:nvPr>
+        </p:nvSpPr>
+        <p:spPr/>
+        <p:txBody>
+          <a:bodyPr/>
+          <a:lstStyle/>
+          <a:p>
+            <a:r>
+              <a:rPr lang="fr-FR"/>
+              <a:t>Session d'hiver 2023</a:t>
+            </a:r>
+            <a:endParaRPr lang="en-US"/>
+          </a:p>
+        </p:txBody>
+      </p:sp>
+      <p:sp>
+        <p:nvSpPr>
+          <p:cNvPr id="5" name="Espace réservé du pied de page 4">
+            <a:extLst>
+              <a:ext uri="{FF2B5EF4-FFF2-40B4-BE49-F238E27FC236}">
+                <a16:creationId xmlns:a16="http://schemas.microsoft.com/office/drawing/2014/main" id="{C974893A-F84C-DF5E-2A2A-BA5668E6B56D}"/>
+              </a:ext>
+            </a:extLst>
+          </p:cNvPr>
+          <p:cNvSpPr>
+            <a:spLocks noGrp="1"/>
+          </p:cNvSpPr>
+          <p:nvPr>
+            <p:ph type="ftr" sz="quarter" idx="11"/>
+          </p:nvPr>
+        </p:nvSpPr>
+        <p:spPr/>
+        <p:txBody>
+          <a:bodyPr/>
+          <a:lstStyle/>
+          <a:p>
+            <a:r>
+              <a:rPr lang="en-US"/>
+              <a:t>Université Laval - Cours STT-7335</a:t>
+            </a:r>
+          </a:p>
+        </p:txBody>
+      </p:sp>
+      <p:sp>
+        <p:nvSpPr>
+          <p:cNvPr id="6" name="Espace réservé du numéro de diapositive 5">
+            <a:extLst>
+              <a:ext uri="{FF2B5EF4-FFF2-40B4-BE49-F238E27FC236}">
+                <a16:creationId xmlns:a16="http://schemas.microsoft.com/office/drawing/2014/main" id="{40DEB686-EA37-9674-C970-165E10B72D4E}"/>
+              </a:ext>
+            </a:extLst>
+          </p:cNvPr>
+          <p:cNvSpPr>
+            <a:spLocks noGrp="1"/>
+          </p:cNvSpPr>
+          <p:nvPr>
+            <p:ph type="sldNum" sz="quarter" idx="12"/>
+          </p:nvPr>
+        </p:nvSpPr>
+        <p:spPr/>
+        <p:txBody>
+          <a:bodyPr/>
+          <a:lstStyle/>
+          <a:p>
+            <a:fld id="{73B850FF-6169-4056-8077-06FFA93A5366}" type="slidenum">
+              <a:rPr lang="en-US" smtClean="0"/>
+              <a:t>20</a:t>
+            </a:fld>
+            <a:endParaRPr lang="en-US"/>
+          </a:p>
+        </p:txBody>
+      </p:sp>
+    </p:spTree>
+    <p:extLst>
+      <p:ext uri="{BB962C8B-B14F-4D97-AF65-F5344CB8AC3E}">
+        <p14:creationId xmlns:p14="http://schemas.microsoft.com/office/powerpoint/2010/main" val="382959878"/>
+      </p:ext>
+    </p:extLst>
+  </p:cSld>
+  <p:clrMapOvr>
+    <a:masterClrMapping/>
+  </p:clrMapOvr>
+</p:sld>
+</file>
+
+<file path=ppt/slides/slide21.xml><?xml version="1.0" encoding="utf-8"?>
+<p:sld xmlns:a="http://schemas.openxmlformats.org/drawingml/2006/main" xmlns:r="http://schemas.openxmlformats.org/officeDocument/2006/relationships" xmlns:p="http://schemas.openxmlformats.org/presentationml/2006/main">
+  <p:cSld>
+    <p:spTree>
+      <p:nvGrpSpPr>
+        <p:cNvPr id="1" name=""/>
+        <p:cNvGrpSpPr/>
+        <p:nvPr/>
+      </p:nvGrpSpPr>
+      <p:grpSpPr>
+        <a:xfrm>
+          <a:off x="0" y="0"/>
+          <a:ext cx="0" cy="0"/>
+          <a:chOff x="0" y="0"/>
+          <a:chExt cx="0" cy="0"/>
+        </a:xfrm>
+      </p:grpSpPr>
+      <p:sp>
+        <p:nvSpPr>
+          <p:cNvPr id="2" name="Titre 1">
+            <a:extLst>
+              <a:ext uri="{FF2B5EF4-FFF2-40B4-BE49-F238E27FC236}">
+                <a16:creationId xmlns:a16="http://schemas.microsoft.com/office/drawing/2014/main" id="{0E330AAA-95F9-708F-C10C-04EAAEE41752}"/>
+              </a:ext>
+            </a:extLst>
+          </p:cNvPr>
+          <p:cNvSpPr>
+            <a:spLocks noGrp="1"/>
+          </p:cNvSpPr>
+          <p:nvPr>
+            <p:ph type="title"/>
+          </p:nvPr>
+        </p:nvSpPr>
+        <p:spPr/>
+        <p:txBody>
+          <a:bodyPr/>
+          <a:lstStyle/>
+          <a:p>
+            <a:endParaRPr lang="fr-CA"/>
+          </a:p>
+        </p:txBody>
+      </p:sp>
+      <p:sp>
+        <p:nvSpPr>
+          <p:cNvPr id="3" name="Espace réservé du contenu 2">
+            <a:extLst>
+              <a:ext uri="{FF2B5EF4-FFF2-40B4-BE49-F238E27FC236}">
+                <a16:creationId xmlns:a16="http://schemas.microsoft.com/office/drawing/2014/main" id="{74703ED9-0A71-9047-49DF-38E643553CA1}"/>
+              </a:ext>
+            </a:extLst>
+          </p:cNvPr>
+          <p:cNvSpPr>
+            <a:spLocks noGrp="1"/>
+          </p:cNvSpPr>
+          <p:nvPr>
+            <p:ph idx="1"/>
+          </p:nvPr>
+        </p:nvSpPr>
+        <p:spPr/>
+        <p:txBody>
+          <a:bodyPr>
+            <a:normAutofit fontScale="92500"/>
+          </a:bodyPr>
+          <a:lstStyle/>
+          <a:p>
+            <a:r>
+              <a:rPr lang="fr-CA" dirty="0">
+                <a:solidFill>
+                  <a:schemeClr val="accent1">
+                    <a:lumMod val="75000"/>
+                  </a:schemeClr>
+                </a:solidFill>
+              </a:rPr>
+              <a:t>Spatial </a:t>
+            </a:r>
+            <a:r>
+              <a:rPr lang="fr-CA" dirty="0" err="1">
+                <a:solidFill>
+                  <a:schemeClr val="accent1">
+                    <a:lumMod val="75000"/>
+                  </a:schemeClr>
+                </a:solidFill>
+              </a:rPr>
+              <a:t>Decision</a:t>
+            </a:r>
+            <a:r>
+              <a:rPr lang="fr-CA" dirty="0">
+                <a:solidFill>
+                  <a:schemeClr val="accent1">
+                    <a:lumMod val="75000"/>
+                  </a:schemeClr>
+                </a:solidFill>
+              </a:rPr>
+              <a:t> </a:t>
+            </a:r>
+            <a:r>
+              <a:rPr lang="fr-CA" dirty="0" err="1">
+                <a:solidFill>
+                  <a:schemeClr val="accent1">
+                    <a:lumMod val="75000"/>
+                  </a:schemeClr>
+                </a:solidFill>
+              </a:rPr>
+              <a:t>Tree</a:t>
+            </a:r>
+            <a:r>
+              <a:rPr lang="fr-CA" dirty="0">
+                <a:solidFill>
+                  <a:schemeClr val="accent1">
+                    <a:lumMod val="75000"/>
+                  </a:schemeClr>
+                </a:solidFill>
+              </a:rPr>
+              <a:t> : </a:t>
+            </a:r>
+            <a:r>
+              <a:rPr lang="en-US" b="0" i="0" dirty="0">
+                <a:solidFill>
+                  <a:srgbClr val="222222"/>
+                </a:solidFill>
+                <a:effectLst/>
+                <a:latin typeface="Arial" panose="020B0604020202020204" pitchFamily="34" charset="0"/>
+              </a:rPr>
+              <a:t>Jiang, Z., Shekhar, S., Mohan, P., Knight, J., &amp; Corcoran, J. (2012, November). Learning spatial decision tree for geographical classification: a summary of results. In </a:t>
+            </a:r>
+            <a:r>
+              <a:rPr lang="en-US" b="0" i="1" dirty="0">
+                <a:solidFill>
+                  <a:srgbClr val="222222"/>
+                </a:solidFill>
+                <a:effectLst/>
+                <a:latin typeface="Arial" panose="020B0604020202020204" pitchFamily="34" charset="0"/>
+              </a:rPr>
+              <a:t>Proceedings of the 20th International Conference on Advances in Geographic Information Systems</a:t>
+            </a:r>
+            <a:r>
+              <a:rPr lang="en-US" b="0" i="0" dirty="0">
+                <a:solidFill>
+                  <a:srgbClr val="222222"/>
+                </a:solidFill>
+                <a:effectLst/>
+                <a:latin typeface="Arial" panose="020B0604020202020204" pitchFamily="34" charset="0"/>
+              </a:rPr>
+              <a:t> (pp. 390-393).</a:t>
+            </a:r>
+          </a:p>
+          <a:p>
+            <a:r>
+              <a:rPr lang="en-US" dirty="0">
+                <a:solidFill>
+                  <a:schemeClr val="accent1">
+                    <a:lumMod val="75000"/>
+                  </a:schemeClr>
+                </a:solidFill>
+                <a:latin typeface="Arial" panose="020B0604020202020204" pitchFamily="34" charset="0"/>
+              </a:rPr>
+              <a:t>Validation </a:t>
+            </a:r>
+            <a:r>
+              <a:rPr lang="en-US" dirty="0" err="1">
+                <a:solidFill>
+                  <a:schemeClr val="accent1">
+                    <a:lumMod val="75000"/>
+                  </a:schemeClr>
+                </a:solidFill>
+                <a:latin typeface="Arial" panose="020B0604020202020204" pitchFamily="34" charset="0"/>
+              </a:rPr>
+              <a:t>croisée</a:t>
+            </a:r>
+            <a:r>
+              <a:rPr lang="en-US" dirty="0">
+                <a:solidFill>
+                  <a:schemeClr val="accent1">
+                    <a:lumMod val="75000"/>
+                  </a:schemeClr>
+                </a:solidFill>
+                <a:latin typeface="Arial" panose="020B0604020202020204" pitchFamily="34" charset="0"/>
+              </a:rPr>
+              <a:t>: </a:t>
+            </a:r>
+            <a:r>
+              <a:rPr lang="fr-CA" b="0" i="0" dirty="0">
+                <a:solidFill>
+                  <a:srgbClr val="222222"/>
+                </a:solidFill>
+                <a:effectLst/>
+                <a:latin typeface="Arial" panose="020B0604020202020204" pitchFamily="34" charset="0"/>
+              </a:rPr>
+              <a:t>Roberts, D. R., Bahn, V., </a:t>
+            </a:r>
+            <a:r>
+              <a:rPr lang="fr-CA" b="0" i="0" dirty="0" err="1">
+                <a:solidFill>
+                  <a:srgbClr val="222222"/>
+                </a:solidFill>
+                <a:effectLst/>
+                <a:latin typeface="Arial" panose="020B0604020202020204" pitchFamily="34" charset="0"/>
+              </a:rPr>
+              <a:t>Ciuti</a:t>
+            </a:r>
+            <a:r>
+              <a:rPr lang="fr-CA" b="0" i="0" dirty="0">
+                <a:solidFill>
+                  <a:srgbClr val="222222"/>
+                </a:solidFill>
+                <a:effectLst/>
+                <a:latin typeface="Arial" panose="020B0604020202020204" pitchFamily="34" charset="0"/>
+              </a:rPr>
+              <a:t>, S., Boyce, M. S., </a:t>
+            </a:r>
+            <a:r>
+              <a:rPr lang="fr-CA" b="0" i="0" dirty="0" err="1">
+                <a:solidFill>
+                  <a:srgbClr val="222222"/>
+                </a:solidFill>
+                <a:effectLst/>
+                <a:latin typeface="Arial" panose="020B0604020202020204" pitchFamily="34" charset="0"/>
+              </a:rPr>
+              <a:t>Elith</a:t>
+            </a:r>
+            <a:r>
+              <a:rPr lang="fr-CA" b="0" i="0" dirty="0">
+                <a:solidFill>
+                  <a:srgbClr val="222222"/>
+                </a:solidFill>
+                <a:effectLst/>
+                <a:latin typeface="Arial" panose="020B0604020202020204" pitchFamily="34" charset="0"/>
+              </a:rPr>
+              <a:t>, J., </a:t>
+            </a:r>
+            <a:r>
+              <a:rPr lang="fr-CA" b="0" i="0" dirty="0" err="1">
+                <a:solidFill>
+                  <a:srgbClr val="222222"/>
+                </a:solidFill>
+                <a:effectLst/>
+                <a:latin typeface="Arial" panose="020B0604020202020204" pitchFamily="34" charset="0"/>
+              </a:rPr>
+              <a:t>Guillera‐Arroita</a:t>
+            </a:r>
+            <a:r>
+              <a:rPr lang="fr-CA" b="0" i="0" dirty="0">
+                <a:solidFill>
+                  <a:srgbClr val="222222"/>
+                </a:solidFill>
+                <a:effectLst/>
+                <a:latin typeface="Arial" panose="020B0604020202020204" pitchFamily="34" charset="0"/>
+              </a:rPr>
+              <a:t>, G., ... &amp; </a:t>
+            </a:r>
+            <a:r>
+              <a:rPr lang="fr-CA" b="0" i="0" dirty="0" err="1">
+                <a:solidFill>
+                  <a:srgbClr val="222222"/>
+                </a:solidFill>
+                <a:effectLst/>
+                <a:latin typeface="Arial" panose="020B0604020202020204" pitchFamily="34" charset="0"/>
+              </a:rPr>
+              <a:t>Dormann</a:t>
+            </a:r>
+            <a:r>
+              <a:rPr lang="fr-CA" b="0" i="0" dirty="0">
+                <a:solidFill>
+                  <a:srgbClr val="222222"/>
+                </a:solidFill>
+                <a:effectLst/>
+                <a:latin typeface="Arial" panose="020B0604020202020204" pitchFamily="34" charset="0"/>
+              </a:rPr>
+              <a:t>, C. F. (2017). Cross‐validation </a:t>
+            </a:r>
+            <a:r>
+              <a:rPr lang="fr-CA" b="0" i="0" dirty="0" err="1">
+                <a:solidFill>
+                  <a:srgbClr val="222222"/>
+                </a:solidFill>
+                <a:effectLst/>
+                <a:latin typeface="Arial" panose="020B0604020202020204" pitchFamily="34" charset="0"/>
+              </a:rPr>
+              <a:t>strategies</a:t>
+            </a:r>
+            <a:r>
+              <a:rPr lang="fr-CA" b="0" i="0" dirty="0">
+                <a:solidFill>
+                  <a:srgbClr val="222222"/>
+                </a:solidFill>
+                <a:effectLst/>
+                <a:latin typeface="Arial" panose="020B0604020202020204" pitchFamily="34" charset="0"/>
+              </a:rPr>
+              <a:t> for data </a:t>
+            </a:r>
+            <a:r>
+              <a:rPr lang="fr-CA" b="0" i="0" dirty="0" err="1">
+                <a:solidFill>
+                  <a:srgbClr val="222222"/>
+                </a:solidFill>
+                <a:effectLst/>
+                <a:latin typeface="Arial" panose="020B0604020202020204" pitchFamily="34" charset="0"/>
+              </a:rPr>
+              <a:t>with</a:t>
+            </a:r>
+            <a:r>
+              <a:rPr lang="fr-CA" b="0" i="0" dirty="0">
+                <a:solidFill>
+                  <a:srgbClr val="222222"/>
+                </a:solidFill>
+                <a:effectLst/>
+                <a:latin typeface="Arial" panose="020B0604020202020204" pitchFamily="34" charset="0"/>
+              </a:rPr>
+              <a:t> temporal, spatial, </a:t>
+            </a:r>
+            <a:r>
+              <a:rPr lang="fr-CA" b="0" i="0" dirty="0" err="1">
+                <a:solidFill>
+                  <a:srgbClr val="222222"/>
+                </a:solidFill>
+                <a:effectLst/>
+                <a:latin typeface="Arial" panose="020B0604020202020204" pitchFamily="34" charset="0"/>
+              </a:rPr>
+              <a:t>hierarchical</a:t>
+            </a:r>
+            <a:r>
+              <a:rPr lang="fr-CA" b="0" i="0" dirty="0">
+                <a:solidFill>
+                  <a:srgbClr val="222222"/>
+                </a:solidFill>
+                <a:effectLst/>
+                <a:latin typeface="Arial" panose="020B0604020202020204" pitchFamily="34" charset="0"/>
+              </a:rPr>
+              <a:t>, or </a:t>
+            </a:r>
+            <a:r>
+              <a:rPr lang="fr-CA" b="0" i="0" dirty="0" err="1">
+                <a:solidFill>
+                  <a:srgbClr val="222222"/>
+                </a:solidFill>
+                <a:effectLst/>
+                <a:latin typeface="Arial" panose="020B0604020202020204" pitchFamily="34" charset="0"/>
+              </a:rPr>
+              <a:t>phylogenetic</a:t>
+            </a:r>
+            <a:r>
+              <a:rPr lang="fr-CA" b="0" i="0" dirty="0">
+                <a:solidFill>
+                  <a:srgbClr val="222222"/>
+                </a:solidFill>
+                <a:effectLst/>
+                <a:latin typeface="Arial" panose="020B0604020202020204" pitchFamily="34" charset="0"/>
+              </a:rPr>
+              <a:t> structure. </a:t>
+            </a:r>
+            <a:r>
+              <a:rPr lang="fr-CA" b="0" i="1" dirty="0" err="1">
+                <a:solidFill>
+                  <a:srgbClr val="222222"/>
+                </a:solidFill>
+                <a:effectLst/>
+                <a:latin typeface="Arial" panose="020B0604020202020204" pitchFamily="34" charset="0"/>
+              </a:rPr>
+              <a:t>Ecography</a:t>
+            </a:r>
+            <a:r>
+              <a:rPr lang="fr-CA" b="0" i="0" dirty="0">
+                <a:solidFill>
+                  <a:srgbClr val="222222"/>
+                </a:solidFill>
+                <a:effectLst/>
+                <a:latin typeface="Arial" panose="020B0604020202020204" pitchFamily="34" charset="0"/>
+              </a:rPr>
+              <a:t>, </a:t>
+            </a:r>
+            <a:r>
+              <a:rPr lang="fr-CA" b="0" i="1" dirty="0">
+                <a:solidFill>
+                  <a:srgbClr val="222222"/>
+                </a:solidFill>
+                <a:effectLst/>
+                <a:latin typeface="Arial" panose="020B0604020202020204" pitchFamily="34" charset="0"/>
+              </a:rPr>
+              <a:t>40</a:t>
+            </a:r>
+            <a:r>
+              <a:rPr lang="fr-CA" b="0" i="0" dirty="0">
+                <a:solidFill>
+                  <a:srgbClr val="222222"/>
+                </a:solidFill>
+                <a:effectLst/>
+                <a:latin typeface="Arial" panose="020B0604020202020204" pitchFamily="34" charset="0"/>
+              </a:rPr>
+              <a:t>(8), 913-929.</a:t>
+            </a:r>
+            <a:endParaRPr lang="fr-CA" dirty="0"/>
+          </a:p>
+        </p:txBody>
+      </p:sp>
+      <p:sp>
+        <p:nvSpPr>
+          <p:cNvPr id="4" name="Espace réservé de la date 3">
+            <a:extLst>
+              <a:ext uri="{FF2B5EF4-FFF2-40B4-BE49-F238E27FC236}">
+                <a16:creationId xmlns:a16="http://schemas.microsoft.com/office/drawing/2014/main" id="{F252CBA5-7CAA-C381-C318-70E0A98EDAF8}"/>
+              </a:ext>
+            </a:extLst>
+          </p:cNvPr>
+          <p:cNvSpPr>
+            <a:spLocks noGrp="1"/>
+          </p:cNvSpPr>
+          <p:nvPr>
+            <p:ph type="dt" sz="half" idx="10"/>
+          </p:nvPr>
+        </p:nvSpPr>
+        <p:spPr/>
+        <p:txBody>
+          <a:bodyPr/>
+          <a:lstStyle/>
+          <a:p>
+            <a:r>
+              <a:rPr lang="fr-FR"/>
+              <a:t>Session d'hiver 2023</a:t>
+            </a:r>
+            <a:endParaRPr lang="en-US"/>
+          </a:p>
+        </p:txBody>
+      </p:sp>
+      <p:sp>
+        <p:nvSpPr>
+          <p:cNvPr id="5" name="Espace réservé du pied de page 4">
+            <a:extLst>
+              <a:ext uri="{FF2B5EF4-FFF2-40B4-BE49-F238E27FC236}">
+                <a16:creationId xmlns:a16="http://schemas.microsoft.com/office/drawing/2014/main" id="{C0879A7A-16A0-5802-9DC1-EAC37210FBDD}"/>
+              </a:ext>
+            </a:extLst>
+          </p:cNvPr>
+          <p:cNvSpPr>
+            <a:spLocks noGrp="1"/>
+          </p:cNvSpPr>
+          <p:nvPr>
+            <p:ph type="ftr" sz="quarter" idx="11"/>
+          </p:nvPr>
+        </p:nvSpPr>
+        <p:spPr/>
+        <p:txBody>
+          <a:bodyPr/>
+          <a:lstStyle/>
+          <a:p>
+            <a:r>
+              <a:rPr lang="en-US"/>
+              <a:t>Université Laval - Cours STT-7335</a:t>
+            </a:r>
+          </a:p>
+        </p:txBody>
+      </p:sp>
+      <p:sp>
+        <p:nvSpPr>
+          <p:cNvPr id="6" name="Espace réservé du numéro de diapositive 5">
+            <a:extLst>
+              <a:ext uri="{FF2B5EF4-FFF2-40B4-BE49-F238E27FC236}">
+                <a16:creationId xmlns:a16="http://schemas.microsoft.com/office/drawing/2014/main" id="{F48B13C5-4F10-7C21-7341-13EDD352E35D}"/>
+              </a:ext>
+            </a:extLst>
+          </p:cNvPr>
+          <p:cNvSpPr>
+            <a:spLocks noGrp="1"/>
+          </p:cNvSpPr>
+          <p:nvPr>
+            <p:ph type="sldNum" sz="quarter" idx="12"/>
+          </p:nvPr>
+        </p:nvSpPr>
+        <p:spPr/>
+        <p:txBody>
+          <a:bodyPr/>
+          <a:lstStyle/>
+          <a:p>
+            <a:fld id="{73B850FF-6169-4056-8077-06FFA93A5366}" type="slidenum">
+              <a:rPr lang="en-US" smtClean="0"/>
+              <a:t>21</a:t>
+            </a:fld>
+            <a:endParaRPr lang="en-US"/>
+          </a:p>
+        </p:txBody>
+      </p:sp>
+    </p:spTree>
+    <p:extLst>
+      <p:ext uri="{BB962C8B-B14F-4D97-AF65-F5344CB8AC3E}">
+        <p14:creationId xmlns:p14="http://schemas.microsoft.com/office/powerpoint/2010/main" val="1610119442"/>
       </p:ext>
     </p:extLst>
   </p:cSld>

--- a/Doc/capsule_equipe4_donnees_spatiales.pptx
+++ b/Doc/capsule_equipe4_donnees_spatiales.pptx
@@ -5,7 +5,7 @@
     <p:sldMasterId id="2147483699" r:id="rId1"/>
   </p:sldMasterIdLst>
   <p:notesMasterIdLst>
-    <p:notesMasterId r:id="rId23"/>
+    <p:notesMasterId r:id="rId24"/>
   </p:notesMasterIdLst>
   <p:sldIdLst>
     <p:sldId id="256" r:id="rId2"/>
@@ -25,10 +25,11 @@
     <p:sldId id="274" r:id="rId16"/>
     <p:sldId id="277" r:id="rId17"/>
     <p:sldId id="278" r:id="rId18"/>
-    <p:sldId id="273" r:id="rId19"/>
-    <p:sldId id="271" r:id="rId20"/>
-    <p:sldId id="268" r:id="rId21"/>
-    <p:sldId id="276" r:id="rId22"/>
+    <p:sldId id="280" r:id="rId19"/>
+    <p:sldId id="273" r:id="rId20"/>
+    <p:sldId id="271" r:id="rId21"/>
+    <p:sldId id="268" r:id="rId22"/>
+    <p:sldId id="276" r:id="rId23"/>
   </p:sldIdLst>
   <p:sldSz cx="12192000" cy="6858000"/>
   <p:notesSz cx="6858000" cy="9144000"/>
@@ -3784,6 +3785,131 @@
 </p:notes>
 </file>
 
+<file path=ppt/notesSlides/notesSlide4.xml><?xml version="1.0" encoding="utf-8"?>
+<p:notes xmlns:a="http://schemas.openxmlformats.org/drawingml/2006/main" xmlns:r="http://schemas.openxmlformats.org/officeDocument/2006/relationships" xmlns:p="http://schemas.openxmlformats.org/presentationml/2006/main">
+  <p:cSld>
+    <p:spTree>
+      <p:nvGrpSpPr>
+        <p:cNvPr id="1" name=""/>
+        <p:cNvGrpSpPr/>
+        <p:nvPr/>
+      </p:nvGrpSpPr>
+      <p:grpSpPr>
+        <a:xfrm>
+          <a:off x="0" y="0"/>
+          <a:ext cx="0" cy="0"/>
+          <a:chOff x="0" y="0"/>
+          <a:chExt cx="0" cy="0"/>
+        </a:xfrm>
+      </p:grpSpPr>
+      <p:sp>
+        <p:nvSpPr>
+          <p:cNvPr id="2" name="Espace réservé de l'image des diapositives 1"/>
+          <p:cNvSpPr>
+            <a:spLocks noGrp="1" noRot="1" noChangeAspect="1"/>
+          </p:cNvSpPr>
+          <p:nvPr>
+            <p:ph type="sldImg"/>
+          </p:nvPr>
+        </p:nvSpPr>
+        <p:spPr/>
+      </p:sp>
+      <p:sp>
+        <p:nvSpPr>
+          <p:cNvPr id="3" name="Espace réservé des notes 2"/>
+          <p:cNvSpPr>
+            <a:spLocks noGrp="1"/>
+          </p:cNvSpPr>
+          <p:nvPr>
+            <p:ph type="body" idx="1"/>
+          </p:nvPr>
+        </p:nvSpPr>
+        <p:spPr/>
+        <p:txBody>
+          <a:bodyPr/>
+          <a:lstStyle/>
+          <a:p>
+            <a:r>
+              <a:rPr lang="fr-CA" b="1" dirty="0"/>
+              <a:t>Formats</a:t>
+            </a:r>
+            <a:r>
+              <a:rPr lang="fr-CA" dirty="0"/>
+              <a:t>: rasters ou </a:t>
+            </a:r>
+            <a:r>
+              <a:rPr lang="fr-CA" dirty="0" err="1"/>
+              <a:t>polygons</a:t>
+            </a:r>
+            <a:r>
+              <a:rPr lang="fr-CA" dirty="0"/>
+              <a:t> spatiaux ?</a:t>
+            </a:r>
+          </a:p>
+          <a:p>
+            <a:endParaRPr lang="fr-CA" dirty="0"/>
+          </a:p>
+          <a:p>
+            <a:r>
+              <a:rPr lang="fr-CA" b="1" dirty="0"/>
+              <a:t>Contexte :</a:t>
+            </a:r>
+            <a:r>
+              <a:rPr lang="fr-CA" dirty="0"/>
+              <a:t>  données climatiques ? Socio démographiques ? </a:t>
+            </a:r>
+          </a:p>
+          <a:p>
+            <a:endParaRPr lang="fr-CA" dirty="0"/>
+          </a:p>
+          <a:p>
+            <a:r>
+              <a:rPr lang="fr-CA" b="1" dirty="0"/>
+              <a:t>Objectif : </a:t>
+            </a:r>
+            <a:r>
+              <a:rPr lang="fr-CA" b="0" dirty="0"/>
+              <a:t>Régression / classification / Intervalle de confiance ?</a:t>
+            </a:r>
+          </a:p>
+        </p:txBody>
+      </p:sp>
+      <p:sp>
+        <p:nvSpPr>
+          <p:cNvPr id="4" name="Espace réservé du numéro de diapositive 3"/>
+          <p:cNvSpPr>
+            <a:spLocks noGrp="1"/>
+          </p:cNvSpPr>
+          <p:nvPr>
+            <p:ph type="sldNum" sz="quarter" idx="5"/>
+          </p:nvPr>
+        </p:nvSpPr>
+        <p:spPr/>
+        <p:txBody>
+          <a:bodyPr/>
+          <a:lstStyle/>
+          <a:p>
+            <a:fld id="{CBD013D1-221E-4D8B-87AC-B25C3A5CCE38}" type="slidenum">
+              <a:rPr lang="fr-CA" smtClean="0"/>
+              <a:t>18</a:t>
+            </a:fld>
+            <a:endParaRPr lang="fr-CA"/>
+          </a:p>
+        </p:txBody>
+      </p:sp>
+    </p:spTree>
+    <p:extLst>
+      <p:ext uri="{BB962C8B-B14F-4D97-AF65-F5344CB8AC3E}">
+        <p14:creationId xmlns:p14="http://schemas.microsoft.com/office/powerpoint/2010/main" val="1217866474"/>
+      </p:ext>
+    </p:extLst>
+  </p:cSld>
+  <p:clrMapOvr>
+    <a:masterClrMapping/>
+  </p:clrMapOvr>
+</p:notes>
+</file>
+
 <file path=ppt/slideLayouts/slideLayout1.xml><?xml version="1.0" encoding="utf-8"?>
 <p:sldLayout xmlns:a="http://schemas.openxmlformats.org/drawingml/2006/main" xmlns:r="http://schemas.openxmlformats.org/officeDocument/2006/relationships" xmlns:p="http://schemas.openxmlformats.org/presentationml/2006/main" type="title" preserve="1">
   <p:cSld name="Title Slide">
@@ -15748,8 +15874,8 @@
           </a:p>
         </p:txBody>
       </p:sp>
-      <mc:AlternateContent xmlns:mc="http://schemas.openxmlformats.org/markup-compatibility/2006">
-        <mc:Choice xmlns:a14="http://schemas.microsoft.com/office/drawing/2010/main" Requires="a14">
+      <mc:AlternateContent xmlns:mc="http://schemas.openxmlformats.org/markup-compatibility/2006" xmlns:a14="http://schemas.microsoft.com/office/drawing/2010/main">
+        <mc:Choice Requires="a14">
           <p:sp>
             <p:nvSpPr>
               <p:cNvPr id="6" name="Espace réservé du contenu 5">
@@ -15964,7 +16090,7 @@
             </p:txBody>
           </p:sp>
         </mc:Choice>
-        <mc:Fallback>
+        <mc:Fallback xmlns="">
           <p:sp>
             <p:nvSpPr>
               <p:cNvPr id="6" name="Espace réservé du contenu 5">
@@ -18950,6 +19076,216 @@
 <file path=ppt/slides/slide18.xml><?xml version="1.0" encoding="utf-8"?>
 <p:sld xmlns:a="http://schemas.openxmlformats.org/drawingml/2006/main" xmlns:r="http://schemas.openxmlformats.org/officeDocument/2006/relationships" xmlns:p="http://schemas.openxmlformats.org/presentationml/2006/main">
   <p:cSld>
+    <p:spTree>
+      <p:nvGrpSpPr>
+        <p:cNvPr id="1" name=""/>
+        <p:cNvGrpSpPr/>
+        <p:nvPr/>
+      </p:nvGrpSpPr>
+      <p:grpSpPr>
+        <a:xfrm>
+          <a:off x="0" y="0"/>
+          <a:ext cx="0" cy="0"/>
+          <a:chOff x="0" y="0"/>
+          <a:chExt cx="0" cy="0"/>
+        </a:xfrm>
+      </p:grpSpPr>
+      <p:sp>
+        <p:nvSpPr>
+          <p:cNvPr id="2" name="Titre 1">
+            <a:extLst>
+              <a:ext uri="{FF2B5EF4-FFF2-40B4-BE49-F238E27FC236}">
+                <a16:creationId xmlns:a16="http://schemas.microsoft.com/office/drawing/2014/main" id="{5CCCCC96-9BA4-D491-E57C-F15634B5B304}"/>
+              </a:ext>
+            </a:extLst>
+          </p:cNvPr>
+          <p:cNvSpPr>
+            <a:spLocks noGrp="1"/>
+          </p:cNvSpPr>
+          <p:nvPr>
+            <p:ph type="title"/>
+          </p:nvPr>
+        </p:nvSpPr>
+        <p:spPr/>
+        <p:txBody>
+          <a:bodyPr/>
+          <a:lstStyle/>
+          <a:p>
+            <a:r>
+              <a:rPr lang="fr-CA" dirty="0" err="1"/>
+              <a:t>Conlusion</a:t>
+            </a:r>
+            <a:endParaRPr lang="fr-CA" dirty="0"/>
+          </a:p>
+        </p:txBody>
+      </p:sp>
+      <p:sp>
+        <p:nvSpPr>
+          <p:cNvPr id="3" name="Espace réservé du contenu 2">
+            <a:extLst>
+              <a:ext uri="{FF2B5EF4-FFF2-40B4-BE49-F238E27FC236}">
+                <a16:creationId xmlns:a16="http://schemas.microsoft.com/office/drawing/2014/main" id="{EF785F0D-E13C-9A2F-9975-AF8C018C05FE}"/>
+              </a:ext>
+            </a:extLst>
+          </p:cNvPr>
+          <p:cNvSpPr>
+            <a:spLocks noGrp="1"/>
+          </p:cNvSpPr>
+          <p:nvPr>
+            <p:ph idx="1"/>
+          </p:nvPr>
+        </p:nvSpPr>
+        <p:spPr/>
+        <p:txBody>
+          <a:bodyPr/>
+          <a:lstStyle/>
+          <a:p>
+            <a:r>
+              <a:rPr lang="fr-CA" dirty="0"/>
+              <a:t>Il n’y a pas d’approche systémique</a:t>
+            </a:r>
+          </a:p>
+          <a:p>
+            <a:endParaRPr lang="fr-CA" dirty="0"/>
+          </a:p>
+          <a:p>
+            <a:r>
+              <a:rPr lang="fr-CA" dirty="0"/>
+              <a:t>Il faut considérer :</a:t>
+            </a:r>
+          </a:p>
+          <a:p>
+            <a:pPr lvl="1"/>
+            <a:r>
+              <a:rPr lang="fr-CA" dirty="0"/>
+              <a:t>Le format des données</a:t>
+            </a:r>
+          </a:p>
+          <a:p>
+            <a:pPr lvl="1"/>
+            <a:r>
+              <a:rPr lang="fr-CA" dirty="0"/>
+              <a:t>Le contexte</a:t>
+            </a:r>
+          </a:p>
+          <a:p>
+            <a:pPr lvl="1"/>
+            <a:r>
+              <a:rPr lang="fr-CA" dirty="0"/>
+              <a:t>L’objectif</a:t>
+            </a:r>
+          </a:p>
+          <a:p>
+            <a:pPr lvl="1"/>
+            <a:r>
+              <a:rPr lang="fr-CA" dirty="0"/>
+              <a:t>Interpolation ou extrapolation ?</a:t>
+            </a:r>
+          </a:p>
+        </p:txBody>
+      </p:sp>
+      <p:sp>
+        <p:nvSpPr>
+          <p:cNvPr id="4" name="Espace réservé de la date 3">
+            <a:extLst>
+              <a:ext uri="{FF2B5EF4-FFF2-40B4-BE49-F238E27FC236}">
+                <a16:creationId xmlns:a16="http://schemas.microsoft.com/office/drawing/2014/main" id="{7A9FDDDB-CB93-B690-54B6-2C5094C1F0B8}"/>
+              </a:ext>
+            </a:extLst>
+          </p:cNvPr>
+          <p:cNvSpPr>
+            <a:spLocks noGrp="1"/>
+          </p:cNvSpPr>
+          <p:nvPr>
+            <p:ph type="dt" sz="half" idx="10"/>
+          </p:nvPr>
+        </p:nvSpPr>
+        <p:spPr/>
+        <p:txBody>
+          <a:bodyPr/>
+          <a:lstStyle/>
+          <a:p>
+            <a:r>
+              <a:rPr lang="fr-FR"/>
+              <a:t>Session d'hiver 2023</a:t>
+            </a:r>
+            <a:endParaRPr lang="en-US"/>
+          </a:p>
+        </p:txBody>
+      </p:sp>
+      <p:sp>
+        <p:nvSpPr>
+          <p:cNvPr id="5" name="Espace réservé du pied de page 4">
+            <a:extLst>
+              <a:ext uri="{FF2B5EF4-FFF2-40B4-BE49-F238E27FC236}">
+                <a16:creationId xmlns:a16="http://schemas.microsoft.com/office/drawing/2014/main" id="{5F23D58F-E6AF-B679-AE32-E73A440BE68C}"/>
+              </a:ext>
+            </a:extLst>
+          </p:cNvPr>
+          <p:cNvSpPr>
+            <a:spLocks noGrp="1"/>
+          </p:cNvSpPr>
+          <p:nvPr>
+            <p:ph type="ftr" sz="quarter" idx="11"/>
+          </p:nvPr>
+        </p:nvSpPr>
+        <p:spPr/>
+        <p:txBody>
+          <a:bodyPr/>
+          <a:lstStyle/>
+          <a:p>
+            <a:r>
+              <a:rPr lang="en-US"/>
+              <a:t>Université Laval - Cours STT-7335</a:t>
+            </a:r>
+          </a:p>
+        </p:txBody>
+      </p:sp>
+      <p:sp>
+        <p:nvSpPr>
+          <p:cNvPr id="6" name="Espace réservé du numéro de diapositive 5">
+            <a:extLst>
+              <a:ext uri="{FF2B5EF4-FFF2-40B4-BE49-F238E27FC236}">
+                <a16:creationId xmlns:a16="http://schemas.microsoft.com/office/drawing/2014/main" id="{21C8CE21-4FFC-7C5D-E51A-5B34A0D3DAE7}"/>
+              </a:ext>
+            </a:extLst>
+          </p:cNvPr>
+          <p:cNvSpPr>
+            <a:spLocks noGrp="1"/>
+          </p:cNvSpPr>
+          <p:nvPr>
+            <p:ph type="sldNum" sz="quarter" idx="12"/>
+          </p:nvPr>
+        </p:nvSpPr>
+        <p:spPr/>
+        <p:txBody>
+          <a:bodyPr/>
+          <a:lstStyle/>
+          <a:p>
+            <a:fld id="{73B850FF-6169-4056-8077-06FFA93A5366}" type="slidenum">
+              <a:rPr lang="en-US" smtClean="0"/>
+              <a:t>18</a:t>
+            </a:fld>
+            <a:endParaRPr lang="en-US"/>
+          </a:p>
+        </p:txBody>
+      </p:sp>
+    </p:spTree>
+    <p:extLst>
+      <p:ext uri="{BB962C8B-B14F-4D97-AF65-F5344CB8AC3E}">
+        <p14:creationId xmlns:p14="http://schemas.microsoft.com/office/powerpoint/2010/main" val="3571729559"/>
+      </p:ext>
+    </p:extLst>
+  </p:cSld>
+  <p:clrMapOvr>
+    <a:masterClrMapping/>
+  </p:clrMapOvr>
+</p:sld>
+</file>
+
+<file path=ppt/slides/slide19.xml><?xml version="1.0" encoding="utf-8"?>
+<p:sld xmlns:a="http://schemas.openxmlformats.org/drawingml/2006/main" xmlns:r="http://schemas.openxmlformats.org/officeDocument/2006/relationships" xmlns:p="http://schemas.openxmlformats.org/presentationml/2006/main">
+  <p:cSld>
     <p:bg>
       <p:bgPr>
         <a:solidFill>
@@ -29940,7 +30276,7 @@
                   <a:spcPts val="600"/>
                 </a:spcAft>
               </a:pPr>
-              <a:t>18</a:t>
+              <a:t>19</a:t>
             </a:fld>
             <a:endParaRPr lang="en-US"/>
           </a:p>
@@ -29959,7 +30295,182 @@
 </p:sld>
 </file>
 
-<file path=ppt/slides/slide19.xml><?xml version="1.0" encoding="utf-8"?>
+<file path=ppt/slides/slide2.xml><?xml version="1.0" encoding="utf-8"?>
+<p:sld xmlns:a="http://schemas.openxmlformats.org/drawingml/2006/main" xmlns:r="http://schemas.openxmlformats.org/officeDocument/2006/relationships" xmlns:p="http://schemas.openxmlformats.org/presentationml/2006/main">
+  <p:cSld>
+    <p:spTree>
+      <p:nvGrpSpPr>
+        <p:cNvPr id="1" name=""/>
+        <p:cNvGrpSpPr/>
+        <p:nvPr/>
+      </p:nvGrpSpPr>
+      <p:grpSpPr>
+        <a:xfrm>
+          <a:off x="0" y="0"/>
+          <a:ext cx="0" cy="0"/>
+          <a:chOff x="0" y="0"/>
+          <a:chExt cx="0" cy="0"/>
+        </a:xfrm>
+      </p:grpSpPr>
+      <p:sp>
+        <p:nvSpPr>
+          <p:cNvPr id="2" name="Titre 1">
+            <a:extLst>
+              <a:ext uri="{FF2B5EF4-FFF2-40B4-BE49-F238E27FC236}">
+                <a16:creationId xmlns:a16="http://schemas.microsoft.com/office/drawing/2014/main" id="{D75EDBBE-26C2-9785-25F4-F356B1EF0F98}"/>
+              </a:ext>
+            </a:extLst>
+          </p:cNvPr>
+          <p:cNvSpPr>
+            <a:spLocks noGrp="1"/>
+          </p:cNvSpPr>
+          <p:nvPr>
+            <p:ph type="title"/>
+          </p:nvPr>
+        </p:nvSpPr>
+        <p:spPr/>
+        <p:txBody>
+          <a:bodyPr/>
+          <a:lstStyle/>
+          <a:p>
+            <a:r>
+              <a:rPr lang="fr-CA" dirty="0"/>
+              <a:t>Plan de la présentation</a:t>
+            </a:r>
+          </a:p>
+        </p:txBody>
+      </p:sp>
+      <p:graphicFrame>
+        <p:nvGraphicFramePr>
+          <p:cNvPr id="4" name="Espace réservé du contenu 3">
+            <a:extLst>
+              <a:ext uri="{FF2B5EF4-FFF2-40B4-BE49-F238E27FC236}">
+                <a16:creationId xmlns:a16="http://schemas.microsoft.com/office/drawing/2014/main" id="{A6E9978F-1E7D-E001-DE31-F0972536E7D6}"/>
+              </a:ext>
+            </a:extLst>
+          </p:cNvPr>
+          <p:cNvGraphicFramePr>
+            <a:graphicFrameLocks noGrp="1"/>
+          </p:cNvGraphicFramePr>
+          <p:nvPr>
+            <p:ph idx="1"/>
+            <p:extLst>
+              <p:ext uri="{D42A27DB-BD31-4B8C-83A1-F6EECF244321}">
+                <p14:modId xmlns:p14="http://schemas.microsoft.com/office/powerpoint/2010/main" val="3314096864"/>
+              </p:ext>
+            </p:extLst>
+          </p:nvPr>
+        </p:nvGraphicFramePr>
+        <p:xfrm>
+          <a:off x="1463538" y="2545617"/>
+          <a:ext cx="8613912" cy="2816958"/>
+        </p:xfrm>
+        <a:graphic>
+          <a:graphicData uri="http://schemas.openxmlformats.org/drawingml/2006/diagram">
+            <dgm:relIds xmlns:dgm="http://schemas.openxmlformats.org/drawingml/2006/diagram" xmlns:r="http://schemas.openxmlformats.org/officeDocument/2006/relationships" r:dm="rId2" r:lo="rId3" r:qs="rId4" r:cs="rId5"/>
+          </a:graphicData>
+        </a:graphic>
+      </p:graphicFrame>
+      <p:sp>
+        <p:nvSpPr>
+          <p:cNvPr id="11" name="Espace réservé de la date 10">
+            <a:extLst>
+              <a:ext uri="{FF2B5EF4-FFF2-40B4-BE49-F238E27FC236}">
+                <a16:creationId xmlns:a16="http://schemas.microsoft.com/office/drawing/2014/main" id="{29C730F0-BED0-5A9E-FFE2-67F8BBD95B66}"/>
+              </a:ext>
+            </a:extLst>
+          </p:cNvPr>
+          <p:cNvSpPr>
+            <a:spLocks noGrp="1"/>
+          </p:cNvSpPr>
+          <p:nvPr>
+            <p:ph type="dt" sz="half" idx="10"/>
+          </p:nvPr>
+        </p:nvSpPr>
+        <p:spPr/>
+        <p:txBody>
+          <a:bodyPr/>
+          <a:lstStyle/>
+          <a:p>
+            <a:r>
+              <a:rPr lang="fr-FR"/>
+              <a:t>Session d'hiver 2023</a:t>
+            </a:r>
+            <a:endParaRPr lang="en-US"/>
+          </a:p>
+        </p:txBody>
+      </p:sp>
+      <p:sp>
+        <p:nvSpPr>
+          <p:cNvPr id="12" name="Espace réservé du pied de page 11">
+            <a:extLst>
+              <a:ext uri="{FF2B5EF4-FFF2-40B4-BE49-F238E27FC236}">
+                <a16:creationId xmlns:a16="http://schemas.microsoft.com/office/drawing/2014/main" id="{473C4718-764E-EB86-5153-E888F969D93D}"/>
+              </a:ext>
+            </a:extLst>
+          </p:cNvPr>
+          <p:cNvSpPr>
+            <a:spLocks noGrp="1"/>
+          </p:cNvSpPr>
+          <p:nvPr>
+            <p:ph type="ftr" sz="quarter" idx="11"/>
+          </p:nvPr>
+        </p:nvSpPr>
+        <p:spPr/>
+        <p:txBody>
+          <a:bodyPr/>
+          <a:lstStyle/>
+          <a:p>
+            <a:r>
+              <a:rPr lang="en-US"/>
+              <a:t>Université Laval - Cours STT-7335</a:t>
+            </a:r>
+          </a:p>
+        </p:txBody>
+      </p:sp>
+      <p:sp>
+        <p:nvSpPr>
+          <p:cNvPr id="13" name="Espace réservé du numéro de diapositive 12">
+            <a:extLst>
+              <a:ext uri="{FF2B5EF4-FFF2-40B4-BE49-F238E27FC236}">
+                <a16:creationId xmlns:a16="http://schemas.microsoft.com/office/drawing/2014/main" id="{96D5BAF7-1139-757D-D3CD-4A07201D84C1}"/>
+              </a:ext>
+            </a:extLst>
+          </p:cNvPr>
+          <p:cNvSpPr>
+            <a:spLocks noGrp="1"/>
+          </p:cNvSpPr>
+          <p:nvPr>
+            <p:ph type="sldNum" sz="quarter" idx="12"/>
+          </p:nvPr>
+        </p:nvSpPr>
+        <p:spPr/>
+        <p:txBody>
+          <a:bodyPr/>
+          <a:lstStyle/>
+          <a:p>
+            <a:fld id="{73B850FF-6169-4056-8077-06FFA93A5366}" type="slidenum">
+              <a:rPr lang="en-US" smtClean="0"/>
+              <a:t>2</a:t>
+            </a:fld>
+            <a:endParaRPr lang="en-US"/>
+          </a:p>
+        </p:txBody>
+      </p:sp>
+    </p:spTree>
+    <p:extLst>
+      <p:ext uri="{BB962C8B-B14F-4D97-AF65-F5344CB8AC3E}">
+        <p14:creationId xmlns:p14="http://schemas.microsoft.com/office/powerpoint/2010/main" val="3599994164"/>
+      </p:ext>
+    </p:extLst>
+  </p:cSld>
+  <p:clrMapOvr>
+    <a:masterClrMapping/>
+  </p:clrMapOvr>
+</p:sld>
+</file>
+
+<file path=ppt/slides/slide20.xml><?xml version="1.0" encoding="utf-8"?>
 <p:sld xmlns:a="http://schemas.openxmlformats.org/drawingml/2006/main" xmlns:r="http://schemas.openxmlformats.org/officeDocument/2006/relationships" xmlns:p="http://schemas.openxmlformats.org/presentationml/2006/main">
   <p:cSld>
     <p:spTree>
@@ -30176,7 +30687,7 @@
           <a:p>
             <a:fld id="{73B850FF-6169-4056-8077-06FFA93A5366}" type="slidenum">
               <a:rPr lang="en-US" smtClean="0"/>
-              <a:t>19</a:t>
+              <a:t>20</a:t>
             </a:fld>
             <a:endParaRPr lang="en-US"/>
           </a:p>
@@ -30195,182 +30706,7 @@
 </p:sld>
 </file>
 
-<file path=ppt/slides/slide2.xml><?xml version="1.0" encoding="utf-8"?>
-<p:sld xmlns:a="http://schemas.openxmlformats.org/drawingml/2006/main" xmlns:r="http://schemas.openxmlformats.org/officeDocument/2006/relationships" xmlns:p="http://schemas.openxmlformats.org/presentationml/2006/main">
-  <p:cSld>
-    <p:spTree>
-      <p:nvGrpSpPr>
-        <p:cNvPr id="1" name=""/>
-        <p:cNvGrpSpPr/>
-        <p:nvPr/>
-      </p:nvGrpSpPr>
-      <p:grpSpPr>
-        <a:xfrm>
-          <a:off x="0" y="0"/>
-          <a:ext cx="0" cy="0"/>
-          <a:chOff x="0" y="0"/>
-          <a:chExt cx="0" cy="0"/>
-        </a:xfrm>
-      </p:grpSpPr>
-      <p:sp>
-        <p:nvSpPr>
-          <p:cNvPr id="2" name="Titre 1">
-            <a:extLst>
-              <a:ext uri="{FF2B5EF4-FFF2-40B4-BE49-F238E27FC236}">
-                <a16:creationId xmlns:a16="http://schemas.microsoft.com/office/drawing/2014/main" id="{D75EDBBE-26C2-9785-25F4-F356B1EF0F98}"/>
-              </a:ext>
-            </a:extLst>
-          </p:cNvPr>
-          <p:cNvSpPr>
-            <a:spLocks noGrp="1"/>
-          </p:cNvSpPr>
-          <p:nvPr>
-            <p:ph type="title"/>
-          </p:nvPr>
-        </p:nvSpPr>
-        <p:spPr/>
-        <p:txBody>
-          <a:bodyPr/>
-          <a:lstStyle/>
-          <a:p>
-            <a:r>
-              <a:rPr lang="fr-CA" dirty="0"/>
-              <a:t>Plan de la présentation</a:t>
-            </a:r>
-          </a:p>
-        </p:txBody>
-      </p:sp>
-      <p:graphicFrame>
-        <p:nvGraphicFramePr>
-          <p:cNvPr id="4" name="Espace réservé du contenu 3">
-            <a:extLst>
-              <a:ext uri="{FF2B5EF4-FFF2-40B4-BE49-F238E27FC236}">
-                <a16:creationId xmlns:a16="http://schemas.microsoft.com/office/drawing/2014/main" id="{A6E9978F-1E7D-E001-DE31-F0972536E7D6}"/>
-              </a:ext>
-            </a:extLst>
-          </p:cNvPr>
-          <p:cNvGraphicFramePr>
-            <a:graphicFrameLocks noGrp="1"/>
-          </p:cNvGraphicFramePr>
-          <p:nvPr>
-            <p:ph idx="1"/>
-            <p:extLst>
-              <p:ext uri="{D42A27DB-BD31-4B8C-83A1-F6EECF244321}">
-                <p14:modId xmlns:p14="http://schemas.microsoft.com/office/powerpoint/2010/main" val="3314096864"/>
-              </p:ext>
-            </p:extLst>
-          </p:nvPr>
-        </p:nvGraphicFramePr>
-        <p:xfrm>
-          <a:off x="1463538" y="2545617"/>
-          <a:ext cx="8613912" cy="2816958"/>
-        </p:xfrm>
-        <a:graphic>
-          <a:graphicData uri="http://schemas.openxmlformats.org/drawingml/2006/diagram">
-            <dgm:relIds xmlns:dgm="http://schemas.openxmlformats.org/drawingml/2006/diagram" xmlns:r="http://schemas.openxmlformats.org/officeDocument/2006/relationships" r:dm="rId2" r:lo="rId3" r:qs="rId4" r:cs="rId5"/>
-          </a:graphicData>
-        </a:graphic>
-      </p:graphicFrame>
-      <p:sp>
-        <p:nvSpPr>
-          <p:cNvPr id="11" name="Espace réservé de la date 10">
-            <a:extLst>
-              <a:ext uri="{FF2B5EF4-FFF2-40B4-BE49-F238E27FC236}">
-                <a16:creationId xmlns:a16="http://schemas.microsoft.com/office/drawing/2014/main" id="{29C730F0-BED0-5A9E-FFE2-67F8BBD95B66}"/>
-              </a:ext>
-            </a:extLst>
-          </p:cNvPr>
-          <p:cNvSpPr>
-            <a:spLocks noGrp="1"/>
-          </p:cNvSpPr>
-          <p:nvPr>
-            <p:ph type="dt" sz="half" idx="10"/>
-          </p:nvPr>
-        </p:nvSpPr>
-        <p:spPr/>
-        <p:txBody>
-          <a:bodyPr/>
-          <a:lstStyle/>
-          <a:p>
-            <a:r>
-              <a:rPr lang="fr-FR"/>
-              <a:t>Session d'hiver 2023</a:t>
-            </a:r>
-            <a:endParaRPr lang="en-US"/>
-          </a:p>
-        </p:txBody>
-      </p:sp>
-      <p:sp>
-        <p:nvSpPr>
-          <p:cNvPr id="12" name="Espace réservé du pied de page 11">
-            <a:extLst>
-              <a:ext uri="{FF2B5EF4-FFF2-40B4-BE49-F238E27FC236}">
-                <a16:creationId xmlns:a16="http://schemas.microsoft.com/office/drawing/2014/main" id="{473C4718-764E-EB86-5153-E888F969D93D}"/>
-              </a:ext>
-            </a:extLst>
-          </p:cNvPr>
-          <p:cNvSpPr>
-            <a:spLocks noGrp="1"/>
-          </p:cNvSpPr>
-          <p:nvPr>
-            <p:ph type="ftr" sz="quarter" idx="11"/>
-          </p:nvPr>
-        </p:nvSpPr>
-        <p:spPr/>
-        <p:txBody>
-          <a:bodyPr/>
-          <a:lstStyle/>
-          <a:p>
-            <a:r>
-              <a:rPr lang="en-US"/>
-              <a:t>Université Laval - Cours STT-7335</a:t>
-            </a:r>
-          </a:p>
-        </p:txBody>
-      </p:sp>
-      <p:sp>
-        <p:nvSpPr>
-          <p:cNvPr id="13" name="Espace réservé du numéro de diapositive 12">
-            <a:extLst>
-              <a:ext uri="{FF2B5EF4-FFF2-40B4-BE49-F238E27FC236}">
-                <a16:creationId xmlns:a16="http://schemas.microsoft.com/office/drawing/2014/main" id="{96D5BAF7-1139-757D-D3CD-4A07201D84C1}"/>
-              </a:ext>
-            </a:extLst>
-          </p:cNvPr>
-          <p:cNvSpPr>
-            <a:spLocks noGrp="1"/>
-          </p:cNvSpPr>
-          <p:nvPr>
-            <p:ph type="sldNum" sz="quarter" idx="12"/>
-          </p:nvPr>
-        </p:nvSpPr>
-        <p:spPr/>
-        <p:txBody>
-          <a:bodyPr/>
-          <a:lstStyle/>
-          <a:p>
-            <a:fld id="{73B850FF-6169-4056-8077-06FFA93A5366}" type="slidenum">
-              <a:rPr lang="en-US" smtClean="0"/>
-              <a:t>2</a:t>
-            </a:fld>
-            <a:endParaRPr lang="en-US"/>
-          </a:p>
-        </p:txBody>
-      </p:sp>
-    </p:spTree>
-    <p:extLst>
-      <p:ext uri="{BB962C8B-B14F-4D97-AF65-F5344CB8AC3E}">
-        <p14:creationId xmlns:p14="http://schemas.microsoft.com/office/powerpoint/2010/main" val="3599994164"/>
-      </p:ext>
-    </p:extLst>
-  </p:cSld>
-  <p:clrMapOvr>
-    <a:masterClrMapping/>
-  </p:clrMapOvr>
-</p:sld>
-</file>
-
-<file path=ppt/slides/slide20.xml><?xml version="1.0" encoding="utf-8"?>
+<file path=ppt/slides/slide21.xml><?xml version="1.0" encoding="utf-8"?>
 <p:sld xmlns:a="http://schemas.openxmlformats.org/drawingml/2006/main" xmlns:r="http://schemas.openxmlformats.org/officeDocument/2006/relationships" xmlns:p="http://schemas.openxmlformats.org/presentationml/2006/main">
   <p:cSld>
     <p:spTree>
@@ -30846,7 +31182,7 @@
           <a:p>
             <a:fld id="{73B850FF-6169-4056-8077-06FFA93A5366}" type="slidenum">
               <a:rPr lang="en-US" smtClean="0"/>
-              <a:t>20</a:t>
+              <a:t>21</a:t>
             </a:fld>
             <a:endParaRPr lang="en-US"/>
           </a:p>
@@ -30865,7 +31201,7 @@
 </p:sld>
 </file>
 
-<file path=ppt/slides/slide21.xml><?xml version="1.0" encoding="utf-8"?>
+<file path=ppt/slides/slide22.xml><?xml version="1.0" encoding="utf-8"?>
 <p:sld xmlns:a="http://schemas.openxmlformats.org/drawingml/2006/main" xmlns:r="http://schemas.openxmlformats.org/officeDocument/2006/relationships" xmlns:p="http://schemas.openxmlformats.org/presentationml/2006/main">
   <p:cSld>
     <p:spTree>
@@ -31339,7 +31675,7 @@
           <a:p>
             <a:fld id="{73B850FF-6169-4056-8077-06FFA93A5366}" type="slidenum">
               <a:rPr lang="en-US" smtClean="0"/>
-              <a:t>21</a:t>
+              <a:t>22</a:t>
             </a:fld>
             <a:endParaRPr lang="en-US"/>
           </a:p>

--- a/Doc/capsule_equipe4_donnees_spatiales.pptx
+++ b/Doc/capsule_equipe4_donnees_spatiales.pptx
@@ -5,7 +5,7 @@
     <p:sldMasterId id="2147483699" r:id="rId1"/>
   </p:sldMasterIdLst>
   <p:notesMasterIdLst>
-    <p:notesMasterId r:id="rId24"/>
+    <p:notesMasterId r:id="rId23"/>
   </p:notesMasterIdLst>
   <p:sldIdLst>
     <p:sldId id="256" r:id="rId2"/>
@@ -21,15 +21,14 @@
     <p:sldId id="265" r:id="rId12"/>
     <p:sldId id="275" r:id="rId13"/>
     <p:sldId id="272" r:id="rId14"/>
-    <p:sldId id="267" r:id="rId15"/>
-    <p:sldId id="274" r:id="rId16"/>
-    <p:sldId id="277" r:id="rId17"/>
-    <p:sldId id="278" r:id="rId18"/>
-    <p:sldId id="280" r:id="rId19"/>
-    <p:sldId id="273" r:id="rId20"/>
-    <p:sldId id="271" r:id="rId21"/>
-    <p:sldId id="268" r:id="rId22"/>
-    <p:sldId id="276" r:id="rId23"/>
+    <p:sldId id="274" r:id="rId15"/>
+    <p:sldId id="277" r:id="rId16"/>
+    <p:sldId id="278" r:id="rId17"/>
+    <p:sldId id="280" r:id="rId18"/>
+    <p:sldId id="273" r:id="rId19"/>
+    <p:sldId id="271" r:id="rId20"/>
+    <p:sldId id="268" r:id="rId21"/>
+    <p:sldId id="276" r:id="rId22"/>
   </p:sldIdLst>
   <p:sldSz cx="12192000" cy="6858000"/>
   <p:notesSz cx="6858000" cy="9144000"/>
@@ -3195,7 +3194,7 @@
           <a:p>
             <a:fld id="{CB6B4AAB-487F-4415-BA5B-DD6E77021E44}" type="datetimeFigureOut">
               <a:rPr lang="fr-CA" smtClean="0"/>
-              <a:t>2023-04-03</a:t>
+              <a:t>2023-04-24</a:t>
             </a:fld>
             <a:endParaRPr lang="fr-CA"/>
           </a:p>
@@ -3507,45 +3506,96 @@
           <a:bodyPr/>
           <a:lstStyle/>
           <a:p>
-            <a:r>
-              <a:rPr lang="fr-CA" dirty="0"/>
-              <a:t>MRF: </a:t>
-            </a:r>
-          </a:p>
-          <a:p>
-            <a:pPr marL="228600" indent="-228600">
-              <a:buFont typeface="+mj-lt"/>
-              <a:buAutoNum type="arabicPeriod"/>
-            </a:pPr>
-            <a:r>
-              <a:rPr lang="fr-CA" dirty="0"/>
-              <a:t>On effectue des prédictions sur chacun des pixels</a:t>
-            </a:r>
-          </a:p>
-          <a:p>
-            <a:pPr marL="228600" indent="-228600">
-              <a:buFont typeface="+mj-lt"/>
-              <a:buAutoNum type="arabicPeriod"/>
-            </a:pPr>
-            <a:r>
-              <a:rPr lang="fr-CA" dirty="0"/>
-              <a:t>On régularise les prédictions en appliquant un « champs aléatoire de Markov ». I.e. on lisse les prédictions en fonction de la structure de dépendance spatiale.</a:t>
-            </a:r>
-          </a:p>
-          <a:p>
-            <a:pPr marL="0" indent="0">
-              <a:buFont typeface="+mj-lt"/>
-              <a:buNone/>
-            </a:pPr>
             <a:endParaRPr lang="fr-CA" dirty="0"/>
           </a:p>
+        </p:txBody>
+      </p:sp>
+      <p:sp>
+        <p:nvSpPr>
+          <p:cNvPr id="4" name="Espace réservé du numéro de diapositive 3"/>
+          <p:cNvSpPr>
+            <a:spLocks noGrp="1"/>
+          </p:cNvSpPr>
+          <p:nvPr>
+            <p:ph type="sldNum" sz="quarter" idx="5"/>
+          </p:nvPr>
+        </p:nvSpPr>
+        <p:spPr/>
+        <p:txBody>
+          <a:bodyPr/>
+          <a:lstStyle/>
+          <a:p>
+            <a:fld id="{CBD013D1-221E-4D8B-87AC-B25C3A5CCE38}" type="slidenum">
+              <a:rPr lang="fr-CA" smtClean="0"/>
+              <a:t>1</a:t>
+            </a:fld>
+            <a:endParaRPr lang="fr-CA"/>
+          </a:p>
+        </p:txBody>
+      </p:sp>
+    </p:spTree>
+    <p:extLst>
+      <p:ext uri="{BB962C8B-B14F-4D97-AF65-F5344CB8AC3E}">
+        <p14:creationId xmlns:p14="http://schemas.microsoft.com/office/powerpoint/2010/main" val="4100801716"/>
+      </p:ext>
+    </p:extLst>
+  </p:cSld>
+  <p:clrMapOvr>
+    <a:masterClrMapping/>
+  </p:clrMapOvr>
+</p:notes>
+</file>
+
+<file path=ppt/notesSlides/notesSlide2.xml><?xml version="1.0" encoding="utf-8"?>
+<p:notes xmlns:a="http://schemas.openxmlformats.org/drawingml/2006/main" xmlns:r="http://schemas.openxmlformats.org/officeDocument/2006/relationships" xmlns:p="http://schemas.openxmlformats.org/presentationml/2006/main">
+  <p:cSld>
+    <p:spTree>
+      <p:nvGrpSpPr>
+        <p:cNvPr id="1" name=""/>
+        <p:cNvGrpSpPr/>
+        <p:nvPr/>
+      </p:nvGrpSpPr>
+      <p:grpSpPr>
+        <a:xfrm>
+          <a:off x="0" y="0"/>
+          <a:ext cx="0" cy="0"/>
+          <a:chOff x="0" y="0"/>
+          <a:chExt cx="0" cy="0"/>
+        </a:xfrm>
+      </p:grpSpPr>
+      <p:sp>
+        <p:nvSpPr>
+          <p:cNvPr id="2" name="Espace réservé de l'image des diapositives 1"/>
+          <p:cNvSpPr>
+            <a:spLocks noGrp="1" noRot="1" noChangeAspect="1"/>
+          </p:cNvSpPr>
+          <p:nvPr>
+            <p:ph type="sldImg"/>
+          </p:nvPr>
+        </p:nvSpPr>
+        <p:spPr/>
+      </p:sp>
+      <p:sp>
+        <p:nvSpPr>
+          <p:cNvPr id="3" name="Espace réservé des notes 2"/>
+          <p:cNvSpPr>
+            <a:spLocks noGrp="1"/>
+          </p:cNvSpPr>
+          <p:nvPr>
+            <p:ph type="body" idx="1"/>
+          </p:nvPr>
+        </p:nvSpPr>
+        <p:spPr/>
+        <p:txBody>
+          <a:bodyPr/>
+          <a:lstStyle/>
           <a:p>
             <a:pPr marL="0" indent="0">
               <a:buFont typeface="+mj-lt"/>
               <a:buNone/>
             </a:pPr>
             <a:r>
-              <a:rPr lang="fr-CA" dirty="0"/>
+              <a:rPr lang="fr-CA" b="1" dirty="0"/>
               <a:t>Modèle SAR</a:t>
             </a:r>
           </a:p>
@@ -3568,6 +3618,105 @@
               <a:rPr lang="fr-CA" dirty="0"/>
               <a:t>La matrice W est la matrice de contiguïté entre les observations Y</a:t>
             </a:r>
+          </a:p>
+          <a:p>
+            <a:endParaRPr lang="fr-CA" dirty="0"/>
+          </a:p>
+          <a:p>
+            <a:endParaRPr lang="fr-CA" dirty="0"/>
+          </a:p>
+          <a:p>
+            <a:r>
+              <a:rPr lang="fr-CA" b="1" dirty="0"/>
+              <a:t>MRF: </a:t>
+            </a:r>
+          </a:p>
+          <a:p>
+            <a:pPr marL="228600" indent="-228600">
+              <a:buFont typeface="Arial" panose="020B0604020202020204" pitchFamily="34" charset="0"/>
+              <a:buChar char="•"/>
+            </a:pPr>
+            <a:r>
+              <a:rPr lang="fr-CA" dirty="0"/>
+              <a:t>On effectue des prédictions sur chacun des pixels, puis on effectue une régularisation MRF</a:t>
+            </a:r>
+          </a:p>
+          <a:p>
+            <a:pPr marL="228600" indent="-228600">
+              <a:buFont typeface="Arial" panose="020B0604020202020204" pitchFamily="34" charset="0"/>
+              <a:buChar char="•"/>
+            </a:pPr>
+            <a:r>
+              <a:rPr lang="fr-CA" dirty="0"/>
+              <a:t>Cette méthode s’appuie sur la théorie bayésienne</a:t>
+            </a:r>
+          </a:p>
+          <a:p>
+            <a:pPr marL="685800" lvl="1" indent="-228600">
+              <a:buFont typeface="Arial" panose="020B0604020202020204" pitchFamily="34" charset="0"/>
+              <a:buChar char="•"/>
+            </a:pPr>
+            <a:r>
+              <a:rPr lang="fr-CA" dirty="0"/>
+              <a:t>On définit une distribution à priori pour les classes à prédire</a:t>
+            </a:r>
+          </a:p>
+          <a:p>
+            <a:pPr marL="685800" lvl="1" indent="-228600">
+              <a:buFont typeface="Arial" panose="020B0604020202020204" pitchFamily="34" charset="0"/>
+              <a:buChar char="•"/>
+            </a:pPr>
+            <a:r>
+              <a:rPr lang="fr-CA" dirty="0"/>
+              <a:t>On calcule la vraisemblance des observations en tenant compte de deux aspects:</a:t>
+            </a:r>
+          </a:p>
+          <a:p>
+            <a:pPr marL="1143000" lvl="2" indent="-228600">
+              <a:buFont typeface="Arial" panose="020B0604020202020204" pitchFamily="34" charset="0"/>
+              <a:buChar char="•"/>
+            </a:pPr>
+            <a:r>
+              <a:rPr lang="fr-CA" dirty="0"/>
+              <a:t>Spectral : les variables explicatives</a:t>
+            </a:r>
+          </a:p>
+          <a:p>
+            <a:pPr marL="1143000" lvl="2" indent="-228600">
+              <a:buFont typeface="Arial" panose="020B0604020202020204" pitchFamily="34" charset="0"/>
+              <a:buChar char="•"/>
+            </a:pPr>
+            <a:r>
+              <a:rPr lang="fr-CA" dirty="0"/>
+              <a:t>Spatial : dans l’espace</a:t>
+            </a:r>
+          </a:p>
+          <a:p>
+            <a:pPr marL="228600" lvl="0" indent="-228600">
+              <a:buFont typeface="Arial" panose="020B0604020202020204" pitchFamily="34" charset="0"/>
+              <a:buChar char="•"/>
+            </a:pPr>
+            <a:r>
+              <a:rPr lang="fr-CA" dirty="0"/>
+              <a:t>L’idée est de maximiser la probabilité a posteriori des classes prédites, tout en minimisant les dissimilarités entre les voisins</a:t>
+            </a:r>
+          </a:p>
+          <a:p>
+            <a:pPr marL="228600" lvl="0" indent="-228600">
+              <a:buFont typeface="Arial" panose="020B0604020202020204" pitchFamily="34" charset="0"/>
+              <a:buChar char="•"/>
+            </a:pPr>
+            <a:r>
+              <a:rPr lang="fr-CA" dirty="0"/>
+              <a:t>De façon itérative, on va ajuster les prédictions jusqu’à convergence des résultats.</a:t>
+            </a:r>
+          </a:p>
+          <a:p>
+            <a:pPr marL="0" indent="0">
+              <a:buFont typeface="+mj-lt"/>
+              <a:buNone/>
+            </a:pPr>
+            <a:endParaRPr lang="fr-CA" dirty="0"/>
           </a:p>
         </p:txBody>
       </p:sp>
@@ -3607,7 +3756,7 @@
 </p:notes>
 </file>
 
-<file path=ppt/notesSlides/notesSlide2.xml><?xml version="1.0" encoding="utf-8"?>
+<file path=ppt/notesSlides/notesSlide3.xml><?xml version="1.0" encoding="utf-8"?>
 <p:notes xmlns:a="http://schemas.openxmlformats.org/drawingml/2006/main" xmlns:r="http://schemas.openxmlformats.org/officeDocument/2006/relationships" xmlns:p="http://schemas.openxmlformats.org/presentationml/2006/main">
   <p:cSld>
     <p:spTree>
@@ -3682,7 +3831,7 @@
           <a:p>
             <a:fld id="{CBD013D1-221E-4D8B-87AC-B25C3A5CCE38}" type="slidenum">
               <a:rPr lang="fr-CA" smtClean="0"/>
-              <a:t>15</a:t>
+              <a:t>14</a:t>
             </a:fld>
             <a:endParaRPr lang="fr-CA"/>
           </a:p>
@@ -3701,7 +3850,7 @@
 </p:notes>
 </file>
 
-<file path=ppt/notesSlides/notesSlide3.xml><?xml version="1.0" encoding="utf-8"?>
+<file path=ppt/notesSlides/notesSlide4.xml><?xml version="1.0" encoding="utf-8"?>
 <p:notes xmlns:a="http://schemas.openxmlformats.org/drawingml/2006/main" xmlns:r="http://schemas.openxmlformats.org/officeDocument/2006/relationships" xmlns:p="http://schemas.openxmlformats.org/presentationml/2006/main">
   <p:cSld>
     <p:spTree>
@@ -3766,7 +3915,7 @@
           <a:p>
             <a:fld id="{CBD013D1-221E-4D8B-87AC-B25C3A5CCE38}" type="slidenum">
               <a:rPr lang="fr-CA" smtClean="0"/>
-              <a:t>16</a:t>
+              <a:t>15</a:t>
             </a:fld>
             <a:endParaRPr lang="fr-CA"/>
           </a:p>
@@ -3785,7 +3934,7 @@
 </p:notes>
 </file>
 
-<file path=ppt/notesSlides/notesSlide4.xml><?xml version="1.0" encoding="utf-8"?>
+<file path=ppt/notesSlides/notesSlide5.xml><?xml version="1.0" encoding="utf-8"?>
 <p:notes xmlns:a="http://schemas.openxmlformats.org/drawingml/2006/main" xmlns:r="http://schemas.openxmlformats.org/officeDocument/2006/relationships" xmlns:p="http://schemas.openxmlformats.org/presentationml/2006/main">
   <p:cSld>
     <p:spTree>
@@ -3891,7 +4040,7 @@
           <a:p>
             <a:fld id="{CBD013D1-221E-4D8B-87AC-B25C3A5CCE38}" type="slidenum">
               <a:rPr lang="fr-CA" smtClean="0"/>
-              <a:t>18</a:t>
+              <a:t>17</a:t>
             </a:fld>
             <a:endParaRPr lang="fr-CA"/>
           </a:p>
@@ -10857,14 +11006,14 @@
           <p:nvPr/>
         </p:nvPicPr>
         <p:blipFill rotWithShape="1">
-          <a:blip r:embed="rId2">
+          <a:blip r:embed="rId3">
             <a:alphaModFix amt="70000"/>
             <a:extLst>
               <a:ext uri="{28A0092B-C50C-407E-A947-70E740481C1C}">
                 <a14:useLocalDpi xmlns:a14="http://schemas.microsoft.com/office/drawing/2010/main" val="0"/>
               </a:ext>
               <a:ext uri="{837473B0-CC2E-450A-ABE3-18F120FF3D39}">
-                <a1611:picAttrSrcUrl xmlns:a1611="http://schemas.microsoft.com/office/drawing/2016/11/main" r:id="rId3"/>
+                <a1611:picAttrSrcUrl xmlns:a1611="http://schemas.microsoft.com/office/drawing/2016/11/main" r:id="rId4"/>
               </a:ext>
             </a:extLst>
           </a:blip>
@@ -15860,7 +16009,12 @@
             <p:ph type="title"/>
           </p:nvPr>
         </p:nvSpPr>
-        <p:spPr/>
+        <p:spPr>
+          <a:xfrm>
+            <a:off x="838200" y="365125"/>
+            <a:ext cx="8839200" cy="1325563"/>
+          </a:xfrm>
+        </p:spPr>
         <p:txBody>
           <a:bodyPr>
             <a:normAutofit fontScale="90000"/>
@@ -16049,20 +16203,6 @@
                   </a:spcAft>
                 </a:pPr>
                 <a:r>
-                  <a:rPr lang="fr-CA" dirty="0"/>
-                  <a:t>Arbres de classification spatiaux</a:t>
-                </a:r>
-              </a:p>
-              <a:p>
-                <a:pPr>
-                  <a:spcBef>
-                    <a:spcPts val="600"/>
-                  </a:spcBef>
-                  <a:spcAft>
-                    <a:spcPts val="600"/>
-                  </a:spcAft>
-                </a:pPr>
-                <a:r>
                   <a:rPr lang="fr-CA" dirty="0">
                     <a:solidFill>
                       <a:schemeClr val="accent6">
@@ -16085,6 +16225,26 @@
                 <a:r>
                   <a:rPr lang="fr-CA" dirty="0"/>
                   <a:t>CNN</a:t>
+                </a:r>
+              </a:p>
+              <a:p>
+                <a:pPr>
+                  <a:spcBef>
+                    <a:spcPts val="600"/>
+                  </a:spcBef>
+                  <a:spcAft>
+                    <a:spcPts val="600"/>
+                  </a:spcAft>
+                </a:pPr>
+                <a:r>
+                  <a:rPr lang="fr-CA" dirty="0">
+                    <a:solidFill>
+                      <a:schemeClr val="bg1">
+                        <a:lumMod val="65000"/>
+                      </a:schemeClr>
+                    </a:solidFill>
+                  </a:rPr>
+                  <a:t>Arbres de décision spatiaux</a:t>
                 </a:r>
               </a:p>
             </p:txBody>
@@ -16113,7 +16273,7 @@
                 <a:ext cx="10515600" cy="4486275"/>
               </a:xfrm>
               <a:blipFill>
-                <a:blip r:embed="rId3"/>
+                <a:blip r:embed="rId5"/>
                 <a:stretch>
                   <a:fillRect l="-1217"/>
                 </a:stretch>
@@ -16266,9 +16426,16 @@
             <p:ph type="title"/>
           </p:nvPr>
         </p:nvSpPr>
-        <p:spPr/>
+        <p:spPr>
+          <a:xfrm>
+            <a:off x="838200" y="365125"/>
+            <a:ext cx="8305800" cy="1325563"/>
+          </a:xfrm>
+        </p:spPr>
         <p:txBody>
-          <a:bodyPr/>
+          <a:bodyPr>
+            <a:normAutofit fontScale="90000"/>
+          </a:bodyPr>
           <a:lstStyle/>
           <a:p>
             <a:r>
@@ -16395,7 +16562,7 @@
         </p:blipFill>
         <p:spPr>
           <a:xfrm>
-            <a:off x="3362325" y="1884995"/>
+            <a:off x="376237" y="1690688"/>
             <a:ext cx="5010150" cy="3657600"/>
           </a:xfrm>
           <a:prstGeom prst="rect">
@@ -16451,70 +16618,12 @@
           </a:p>
         </p:txBody>
       </p:sp>
-    </p:spTree>
-    <p:extLst>
-      <p:ext uri="{BB962C8B-B14F-4D97-AF65-F5344CB8AC3E}">
-        <p14:creationId xmlns:p14="http://schemas.microsoft.com/office/powerpoint/2010/main" val="2503653745"/>
-      </p:ext>
-    </p:extLst>
-  </p:cSld>
-  <p:clrMapOvr>
-    <a:masterClrMapping/>
-  </p:clrMapOvr>
-</p:sld>
-</file>
-
-<file path=ppt/slides/slide14.xml><?xml version="1.0" encoding="utf-8"?>
-<p:sld xmlns:a="http://schemas.openxmlformats.org/drawingml/2006/main" xmlns:r="http://schemas.openxmlformats.org/officeDocument/2006/relationships" xmlns:p="http://schemas.openxmlformats.org/presentationml/2006/main" show="0">
-  <p:cSld>
-    <p:spTree>
-      <p:nvGrpSpPr>
-        <p:cNvPr id="1" name=""/>
-        <p:cNvGrpSpPr/>
-        <p:nvPr/>
-      </p:nvGrpSpPr>
-      <p:grpSpPr>
-        <a:xfrm>
-          <a:off x="0" y="0"/>
-          <a:ext cx="0" cy="0"/>
-          <a:chOff x="0" y="0"/>
-          <a:chExt cx="0" cy="0"/>
-        </a:xfrm>
-      </p:grpSpPr>
-      <p:sp>
-        <p:nvSpPr>
-          <p:cNvPr id="2" name="Titre 1">
+      <p:grpSp>
+        <p:nvGrpSpPr>
+          <p:cNvPr id="8" name="Groupe 7">
             <a:extLst>
               <a:ext uri="{FF2B5EF4-FFF2-40B4-BE49-F238E27FC236}">
-                <a16:creationId xmlns:a16="http://schemas.microsoft.com/office/drawing/2014/main" id="{0C25C522-2B19-BCB0-B29F-54FBB67B4B38}"/>
-              </a:ext>
-            </a:extLst>
-          </p:cNvPr>
-          <p:cNvSpPr>
-            <a:spLocks noGrp="1"/>
-          </p:cNvSpPr>
-          <p:nvPr>
-            <p:ph type="title"/>
-          </p:nvPr>
-        </p:nvSpPr>
-        <p:spPr/>
-        <p:txBody>
-          <a:bodyPr/>
-          <a:lstStyle/>
-          <a:p>
-            <a:r>
-              <a:rPr lang="fr-CA" dirty="0"/>
-              <a:t>Réseaux de neurones convolutifs</a:t>
-            </a:r>
-          </a:p>
-        </p:txBody>
-      </p:sp>
-      <p:grpSp>
-        <p:nvGrpSpPr>
-          <p:cNvPr id="6" name="Groupe 5">
-            <a:extLst>
-              <a:ext uri="{FF2B5EF4-FFF2-40B4-BE49-F238E27FC236}">
-                <a16:creationId xmlns:a16="http://schemas.microsoft.com/office/drawing/2014/main" id="{B11C51B6-69F7-8B60-61F2-77090C0BE237}"/>
+                <a16:creationId xmlns:a16="http://schemas.microsoft.com/office/drawing/2014/main" id="{625185B4-4797-1A0D-D868-EABD8FDCFC36}"/>
               </a:ext>
             </a:extLst>
           </p:cNvPr>
@@ -16523,18 +16632,18 @@
         </p:nvGrpSpPr>
         <p:grpSpPr>
           <a:xfrm>
-            <a:off x="956277" y="2688440"/>
-            <a:ext cx="9487388" cy="3113880"/>
+            <a:off x="5513990" y="2355206"/>
+            <a:ext cx="6301773" cy="2450148"/>
             <a:chOff x="984558" y="3150354"/>
             <a:chExt cx="9487388" cy="3113880"/>
           </a:xfrm>
         </p:grpSpPr>
         <p:pic>
           <p:nvPicPr>
-            <p:cNvPr id="4" name="Image 3" descr="Une image contenant diagramme&#10;&#10;Description générée automatiquement">
+            <p:cNvPr id="9" name="Image 8" descr="Une image contenant diagramme&#10;&#10;Description générée automatiquement">
               <a:extLst>
                 <a:ext uri="{FF2B5EF4-FFF2-40B4-BE49-F238E27FC236}">
-                  <a16:creationId xmlns:a16="http://schemas.microsoft.com/office/drawing/2014/main" id="{6B28AB5A-CEA6-5E8E-0C63-DC616CDDA331}"/>
+                  <a16:creationId xmlns:a16="http://schemas.microsoft.com/office/drawing/2014/main" id="{C4AFE637-81D0-22D1-3680-CCDBB7EC4594}"/>
                 </a:ext>
               </a:extLst>
             </p:cNvPr>
@@ -16544,13 +16653,13 @@
             <p:nvPr/>
           </p:nvPicPr>
           <p:blipFill>
-            <a:blip r:embed="rId2">
+            <a:blip r:embed="rId5">
               <a:extLst>
                 <a:ext uri="{28A0092B-C50C-407E-A947-70E740481C1C}">
                   <a14:useLocalDpi xmlns:a14="http://schemas.microsoft.com/office/drawing/2010/main" val="0"/>
                 </a:ext>
                 <a:ext uri="{837473B0-CC2E-450A-ABE3-18F120FF3D39}">
-                  <a1611:picAttrSrcUrl xmlns:a1611="http://schemas.microsoft.com/office/drawing/2016/11/main" r:id="rId3"/>
+                  <a1611:picAttrSrcUrl xmlns:a1611="http://schemas.microsoft.com/office/drawing/2016/11/main" r:id="rId6"/>
                 </a:ext>
               </a:extLst>
             </a:blip>
@@ -16570,10 +16679,10 @@
         </p:pic>
         <p:sp>
           <p:nvSpPr>
-            <p:cNvPr id="5" name="ZoneTexte 4">
+            <p:cNvPr id="10" name="ZoneTexte 9">
               <a:extLst>
                 <a:ext uri="{FF2B5EF4-FFF2-40B4-BE49-F238E27FC236}">
-                  <a16:creationId xmlns:a16="http://schemas.microsoft.com/office/drawing/2014/main" id="{0A4A2E79-5222-201B-0164-B252BC5296E8}"/>
+                  <a16:creationId xmlns:a16="http://schemas.microsoft.com/office/drawing/2014/main" id="{EAFD547F-2389-F6A6-218F-11A5AC46CD3C}"/>
                 </a:ext>
               </a:extLst>
             </p:cNvPr>
@@ -16598,7 +16707,7 @@
             <a:p>
               <a:r>
                 <a:rPr lang="fr-CA" sz="900">
-                  <a:hlinkClick r:id="rId3" tooltip="https://stackoverflow.com/questions/42733971/convolutional-layer-to-fully-connected-layer-in-cnn"/>
+                  <a:hlinkClick r:id="rId6" tooltip="https://stackoverflow.com/questions/42733971/convolutional-layer-to-fully-connected-layer-in-cnn"/>
                 </a:rPr>
                 <a:t>Cette photo</a:t>
               </a:r>
@@ -16617,96 +16726,10 @@
           </p:txBody>
         </p:sp>
       </p:grpSp>
-      <p:sp>
-        <p:nvSpPr>
-          <p:cNvPr id="7" name="Espace réservé de la date 6">
-            <a:extLst>
-              <a:ext uri="{FF2B5EF4-FFF2-40B4-BE49-F238E27FC236}">
-                <a16:creationId xmlns:a16="http://schemas.microsoft.com/office/drawing/2014/main" id="{AA56C9DE-272B-375B-A468-0C9FB840A977}"/>
-              </a:ext>
-            </a:extLst>
-          </p:cNvPr>
-          <p:cNvSpPr>
-            <a:spLocks noGrp="1"/>
-          </p:cNvSpPr>
-          <p:nvPr>
-            <p:ph type="dt" sz="half" idx="10"/>
-          </p:nvPr>
-        </p:nvSpPr>
-        <p:spPr/>
-        <p:txBody>
-          <a:bodyPr/>
-          <a:lstStyle/>
-          <a:p>
-            <a:r>
-              <a:rPr lang="fr-FR"/>
-              <a:t>Session d'hiver 2023</a:t>
-            </a:r>
-            <a:endParaRPr lang="en-US"/>
-          </a:p>
-        </p:txBody>
-      </p:sp>
-      <p:sp>
-        <p:nvSpPr>
-          <p:cNvPr id="8" name="Espace réservé du pied de page 7">
-            <a:extLst>
-              <a:ext uri="{FF2B5EF4-FFF2-40B4-BE49-F238E27FC236}">
-                <a16:creationId xmlns:a16="http://schemas.microsoft.com/office/drawing/2014/main" id="{2620B347-AA7D-B8E1-A63D-78D6C36FB3C3}"/>
-              </a:ext>
-            </a:extLst>
-          </p:cNvPr>
-          <p:cNvSpPr>
-            <a:spLocks noGrp="1"/>
-          </p:cNvSpPr>
-          <p:nvPr>
-            <p:ph type="ftr" sz="quarter" idx="11"/>
-          </p:nvPr>
-        </p:nvSpPr>
-        <p:spPr/>
-        <p:txBody>
-          <a:bodyPr/>
-          <a:lstStyle/>
-          <a:p>
-            <a:r>
-              <a:rPr lang="en-US"/>
-              <a:t>Université Laval - Cours STT-7335</a:t>
-            </a:r>
-          </a:p>
-        </p:txBody>
-      </p:sp>
-      <p:sp>
-        <p:nvSpPr>
-          <p:cNvPr id="9" name="Espace réservé du numéro de diapositive 8">
-            <a:extLst>
-              <a:ext uri="{FF2B5EF4-FFF2-40B4-BE49-F238E27FC236}">
-                <a16:creationId xmlns:a16="http://schemas.microsoft.com/office/drawing/2014/main" id="{AC655DC8-E084-DD39-A4CD-EB2841C753B8}"/>
-              </a:ext>
-            </a:extLst>
-          </p:cNvPr>
-          <p:cNvSpPr>
-            <a:spLocks noGrp="1"/>
-          </p:cNvSpPr>
-          <p:nvPr>
-            <p:ph type="sldNum" sz="quarter" idx="12"/>
-          </p:nvPr>
-        </p:nvSpPr>
-        <p:spPr/>
-        <p:txBody>
-          <a:bodyPr/>
-          <a:lstStyle/>
-          <a:p>
-            <a:fld id="{73B850FF-6169-4056-8077-06FFA93A5366}" type="slidenum">
-              <a:rPr lang="en-US" smtClean="0"/>
-              <a:t>14</a:t>
-            </a:fld>
-            <a:endParaRPr lang="en-US"/>
-          </a:p>
-        </p:txBody>
-      </p:sp>
     </p:spTree>
     <p:extLst>
       <p:ext uri="{BB962C8B-B14F-4D97-AF65-F5344CB8AC3E}">
-        <p14:creationId xmlns:p14="http://schemas.microsoft.com/office/powerpoint/2010/main" val="1233074729"/>
+        <p14:creationId xmlns:p14="http://schemas.microsoft.com/office/powerpoint/2010/main" val="2503653745"/>
       </p:ext>
     </p:extLst>
   </p:cSld>
@@ -16716,7 +16739,7 @@
 </p:sld>
 </file>
 
-<file path=ppt/slides/slide15.xml><?xml version="1.0" encoding="utf-8"?>
+<file path=ppt/slides/slide14.xml><?xml version="1.0" encoding="utf-8"?>
 <p:sld xmlns:a="http://schemas.openxmlformats.org/drawingml/2006/main" xmlns:r="http://schemas.openxmlformats.org/officeDocument/2006/relationships" xmlns:p="http://schemas.openxmlformats.org/presentationml/2006/main">
   <p:cSld>
     <p:spTree>
@@ -16841,7 +16864,7 @@
           <a:p>
             <a:fld id="{73B850FF-6169-4056-8077-06FFA93A5366}" type="slidenum">
               <a:rPr lang="en-US" smtClean="0"/>
-              <a:t>15</a:t>
+              <a:t>14</a:t>
             </a:fld>
             <a:endParaRPr lang="en-US"/>
           </a:p>
@@ -17440,7 +17463,7 @@
 </p:sld>
 </file>
 
-<file path=ppt/slides/slide16.xml><?xml version="1.0" encoding="utf-8"?>
+<file path=ppt/slides/slide15.xml><?xml version="1.0" encoding="utf-8"?>
 <p:sld xmlns:a="http://schemas.openxmlformats.org/drawingml/2006/main" xmlns:r="http://schemas.openxmlformats.org/officeDocument/2006/relationships" xmlns:p="http://schemas.openxmlformats.org/presentationml/2006/main">
   <p:cSld>
     <p:spTree>
@@ -17567,7 +17590,7 @@
           <a:p>
             <a:fld id="{73B850FF-6169-4056-8077-06FFA93A5366}" type="slidenum">
               <a:rPr lang="en-US" smtClean="0"/>
-              <a:t>16</a:t>
+              <a:t>15</a:t>
             </a:fld>
             <a:endParaRPr lang="en-US"/>
           </a:p>
@@ -17724,7 +17747,7 @@
         </p:nvGrpSpPr>
         <p:grpSpPr>
           <a:xfrm>
-            <a:off x="2291862" y="4174067"/>
+            <a:off x="2373924" y="4186441"/>
             <a:ext cx="609600" cy="656492"/>
             <a:chOff x="2608385" y="4092006"/>
             <a:chExt cx="609600" cy="656492"/>
@@ -17797,131 +17820,8 @@
           </p:nvSpPr>
           <p:spPr>
             <a:xfrm>
-              <a:off x="2813539" y="4326467"/>
-              <a:ext cx="199292" cy="187570"/>
-            </a:xfrm>
-            <a:prstGeom prst="flowChartConnector">
-              <a:avLst/>
-            </a:prstGeom>
-            <a:solidFill>
-              <a:schemeClr val="tx1"/>
-            </a:solidFill>
-          </p:spPr>
-          <p:style>
-            <a:lnRef idx="2">
-              <a:schemeClr val="accent1">
-                <a:shade val="50000"/>
-              </a:schemeClr>
-            </a:lnRef>
-            <a:fillRef idx="1">
-              <a:schemeClr val="accent1"/>
-            </a:fillRef>
-            <a:effectRef idx="0">
-              <a:schemeClr val="accent1"/>
-            </a:effectRef>
-            <a:fontRef idx="minor">
-              <a:schemeClr val="lt1"/>
-            </a:fontRef>
-          </p:style>
-          <p:txBody>
-            <a:bodyPr rtlCol="0" anchor="ctr"/>
-            <a:lstStyle/>
-            <a:p>
-              <a:pPr algn="ctr"/>
-              <a:endParaRPr lang="fr-CA"/>
-            </a:p>
-          </p:txBody>
-        </p:sp>
-      </p:grpSp>
-      <p:grpSp>
-        <p:nvGrpSpPr>
-          <p:cNvPr id="12" name="Groupe 11">
-            <a:extLst>
-              <a:ext uri="{FF2B5EF4-FFF2-40B4-BE49-F238E27FC236}">
-                <a16:creationId xmlns:a16="http://schemas.microsoft.com/office/drawing/2014/main" id="{9C1A85C6-880F-F96C-1823-A6268B69F4D2}"/>
-              </a:ext>
-            </a:extLst>
-          </p:cNvPr>
-          <p:cNvGrpSpPr/>
-          <p:nvPr/>
-        </p:nvGrpSpPr>
-        <p:grpSpPr>
-          <a:xfrm>
-            <a:off x="3862755" y="4919765"/>
-            <a:ext cx="609600" cy="656492"/>
-            <a:chOff x="2608385" y="4092006"/>
-            <a:chExt cx="609600" cy="656492"/>
-          </a:xfrm>
-        </p:grpSpPr>
-        <p:sp>
-          <p:nvSpPr>
-            <p:cNvPr id="13" name="Organigramme : Connecteur 12">
-              <a:extLst>
-                <a:ext uri="{FF2B5EF4-FFF2-40B4-BE49-F238E27FC236}">
-                  <a16:creationId xmlns:a16="http://schemas.microsoft.com/office/drawing/2014/main" id="{DDC4BAF7-7E61-7365-57D2-381FC4ABD94E}"/>
-                </a:ext>
-              </a:extLst>
-            </p:cNvPr>
-            <p:cNvSpPr/>
-            <p:nvPr/>
-          </p:nvSpPr>
-          <p:spPr>
-            <a:xfrm>
-              <a:off x="2608385" y="4092006"/>
-              <a:ext cx="609600" cy="656492"/>
-            </a:xfrm>
-            <a:prstGeom prst="flowChartConnector">
-              <a:avLst/>
-            </a:prstGeom>
-            <a:solidFill>
-              <a:schemeClr val="tx2">
-                <a:lumMod val="25000"/>
-                <a:lumOff val="75000"/>
-                <a:alpha val="67059"/>
-              </a:schemeClr>
-            </a:solidFill>
-          </p:spPr>
-          <p:style>
-            <a:lnRef idx="2">
-              <a:schemeClr val="accent1">
-                <a:shade val="50000"/>
-              </a:schemeClr>
-            </a:lnRef>
-            <a:fillRef idx="1">
-              <a:schemeClr val="accent1"/>
-            </a:fillRef>
-            <a:effectRef idx="0">
-              <a:schemeClr val="accent1"/>
-            </a:effectRef>
-            <a:fontRef idx="minor">
-              <a:schemeClr val="lt1"/>
-            </a:fontRef>
-          </p:style>
-          <p:txBody>
-            <a:bodyPr rtlCol="0" anchor="ctr"/>
-            <a:lstStyle/>
-            <a:p>
-              <a:pPr algn="ctr"/>
-              <a:endParaRPr lang="fr-CA"/>
-            </a:p>
-          </p:txBody>
-        </p:sp>
-        <p:sp>
-          <p:nvSpPr>
-            <p:cNvPr id="14" name="Organigramme : Connecteur 13">
-              <a:extLst>
-                <a:ext uri="{FF2B5EF4-FFF2-40B4-BE49-F238E27FC236}">
-                  <a16:creationId xmlns:a16="http://schemas.microsoft.com/office/drawing/2014/main" id="{B3946251-26B8-DFE6-58A9-0251BFBB9111}"/>
-                </a:ext>
-              </a:extLst>
-            </p:cNvPr>
-            <p:cNvSpPr/>
-            <p:nvPr/>
-          </p:nvSpPr>
-          <p:spPr>
-            <a:xfrm>
-              <a:off x="2813539" y="4326467"/>
-              <a:ext cx="199292" cy="187570"/>
+              <a:off x="2883877" y="4384432"/>
+              <a:ext cx="70338" cy="93784"/>
             </a:xfrm>
             <a:prstGeom prst="flowChartConnector">
               <a:avLst/>
@@ -18029,10 +17929,10 @@
       </p:sp>
       <p:grpSp>
         <p:nvGrpSpPr>
-          <p:cNvPr id="17" name="Groupe 16">
+          <p:cNvPr id="15" name="Groupe 14">
             <a:extLst>
               <a:ext uri="{FF2B5EF4-FFF2-40B4-BE49-F238E27FC236}">
-                <a16:creationId xmlns:a16="http://schemas.microsoft.com/office/drawing/2014/main" id="{927A3C49-62B3-E84F-914C-03EBCDCA6D2E}"/>
+                <a16:creationId xmlns:a16="http://schemas.microsoft.com/office/drawing/2014/main" id="{0B7EE6E9-7380-57B3-D369-8AE8CD82E46A}"/>
               </a:ext>
             </a:extLst>
           </p:cNvPr>
@@ -18041,7 +17941,7 @@
         </p:nvGrpSpPr>
         <p:grpSpPr>
           <a:xfrm>
-            <a:off x="6095991" y="2594448"/>
+            <a:off x="4425463" y="4854657"/>
             <a:ext cx="609600" cy="656492"/>
             <a:chOff x="2608385" y="4092006"/>
             <a:chExt cx="609600" cy="656492"/>
@@ -18049,10 +17949,10 @@
         </p:grpSpPr>
         <p:sp>
           <p:nvSpPr>
-            <p:cNvPr id="18" name="Organigramme : Connecteur 17">
+            <p:cNvPr id="20" name="Organigramme : Connecteur 19">
               <a:extLst>
                 <a:ext uri="{FF2B5EF4-FFF2-40B4-BE49-F238E27FC236}">
-                  <a16:creationId xmlns:a16="http://schemas.microsoft.com/office/drawing/2014/main" id="{B86FBE85-22A1-A810-F7BF-BBFF97CA5F60}"/>
+                  <a16:creationId xmlns:a16="http://schemas.microsoft.com/office/drawing/2014/main" id="{4731474A-57B8-0392-333A-AC0FDF5FCE4F}"/>
                 </a:ext>
               </a:extLst>
             </p:cNvPr>
@@ -18102,10 +18002,10 @@
         </p:sp>
         <p:sp>
           <p:nvSpPr>
-            <p:cNvPr id="19" name="Organigramme : Connecteur 18">
+            <p:cNvPr id="21" name="Organigramme : Connecteur 20">
               <a:extLst>
                 <a:ext uri="{FF2B5EF4-FFF2-40B4-BE49-F238E27FC236}">
-                  <a16:creationId xmlns:a16="http://schemas.microsoft.com/office/drawing/2014/main" id="{184D2048-408F-B4F9-C693-13FA6EF62D04}"/>
+                  <a16:creationId xmlns:a16="http://schemas.microsoft.com/office/drawing/2014/main" id="{F497C2A8-C4AF-282F-3431-59E4FB93310A}"/>
                 </a:ext>
               </a:extLst>
             </p:cNvPr>
@@ -18114,8 +18014,131 @@
           </p:nvSpPr>
           <p:spPr>
             <a:xfrm>
-              <a:off x="2813539" y="4326467"/>
-              <a:ext cx="199292" cy="187570"/>
+              <a:off x="2883877" y="4384432"/>
+              <a:ext cx="70338" cy="93784"/>
+            </a:xfrm>
+            <a:prstGeom prst="flowChartConnector">
+              <a:avLst/>
+            </a:prstGeom>
+            <a:solidFill>
+              <a:schemeClr val="tx1"/>
+            </a:solidFill>
+          </p:spPr>
+          <p:style>
+            <a:lnRef idx="2">
+              <a:schemeClr val="accent1">
+                <a:shade val="50000"/>
+              </a:schemeClr>
+            </a:lnRef>
+            <a:fillRef idx="1">
+              <a:schemeClr val="accent1"/>
+            </a:fillRef>
+            <a:effectRef idx="0">
+              <a:schemeClr val="accent1"/>
+            </a:effectRef>
+            <a:fontRef idx="minor">
+              <a:schemeClr val="lt1"/>
+            </a:fontRef>
+          </p:style>
+          <p:txBody>
+            <a:bodyPr rtlCol="0" anchor="ctr"/>
+            <a:lstStyle/>
+            <a:p>
+              <a:pPr algn="ctr"/>
+              <a:endParaRPr lang="fr-CA"/>
+            </a:p>
+          </p:txBody>
+        </p:sp>
+      </p:grpSp>
+      <p:grpSp>
+        <p:nvGrpSpPr>
+          <p:cNvPr id="22" name="Groupe 21">
+            <a:extLst>
+              <a:ext uri="{FF2B5EF4-FFF2-40B4-BE49-F238E27FC236}">
+                <a16:creationId xmlns:a16="http://schemas.microsoft.com/office/drawing/2014/main" id="{EF3F8BD7-2798-D5B4-BA74-B447E4CE13AF}"/>
+              </a:ext>
+            </a:extLst>
+          </p:cNvPr>
+          <p:cNvGrpSpPr/>
+          <p:nvPr/>
+        </p:nvGrpSpPr>
+        <p:grpSpPr>
+          <a:xfrm>
+            <a:off x="6899032" y="4830559"/>
+            <a:ext cx="609600" cy="656492"/>
+            <a:chOff x="2608385" y="4092006"/>
+            <a:chExt cx="609600" cy="656492"/>
+          </a:xfrm>
+        </p:grpSpPr>
+        <p:sp>
+          <p:nvSpPr>
+            <p:cNvPr id="23" name="Organigramme : Connecteur 22">
+              <a:extLst>
+                <a:ext uri="{FF2B5EF4-FFF2-40B4-BE49-F238E27FC236}">
+                  <a16:creationId xmlns:a16="http://schemas.microsoft.com/office/drawing/2014/main" id="{CEA9A400-7D69-35C1-238C-4CA172E23A00}"/>
+                </a:ext>
+              </a:extLst>
+            </p:cNvPr>
+            <p:cNvSpPr/>
+            <p:nvPr/>
+          </p:nvSpPr>
+          <p:spPr>
+            <a:xfrm>
+              <a:off x="2608385" y="4092006"/>
+              <a:ext cx="609600" cy="656492"/>
+            </a:xfrm>
+            <a:prstGeom prst="flowChartConnector">
+              <a:avLst/>
+            </a:prstGeom>
+            <a:solidFill>
+              <a:schemeClr val="tx2">
+                <a:lumMod val="25000"/>
+                <a:lumOff val="75000"/>
+                <a:alpha val="67059"/>
+              </a:schemeClr>
+            </a:solidFill>
+          </p:spPr>
+          <p:style>
+            <a:lnRef idx="2">
+              <a:schemeClr val="accent1">
+                <a:shade val="50000"/>
+              </a:schemeClr>
+            </a:lnRef>
+            <a:fillRef idx="1">
+              <a:schemeClr val="accent1"/>
+            </a:fillRef>
+            <a:effectRef idx="0">
+              <a:schemeClr val="accent1"/>
+            </a:effectRef>
+            <a:fontRef idx="minor">
+              <a:schemeClr val="lt1"/>
+            </a:fontRef>
+          </p:style>
+          <p:txBody>
+            <a:bodyPr rtlCol="0" anchor="ctr"/>
+            <a:lstStyle/>
+            <a:p>
+              <a:pPr algn="ctr"/>
+              <a:endParaRPr lang="fr-CA"/>
+            </a:p>
+          </p:txBody>
+        </p:sp>
+        <p:sp>
+          <p:nvSpPr>
+            <p:cNvPr id="24" name="Organigramme : Connecteur 23">
+              <a:extLst>
+                <a:ext uri="{FF2B5EF4-FFF2-40B4-BE49-F238E27FC236}">
+                  <a16:creationId xmlns:a16="http://schemas.microsoft.com/office/drawing/2014/main" id="{C89E1188-D1EF-0ABF-2D9B-74DA5A562D2B}"/>
+                </a:ext>
+              </a:extLst>
+            </p:cNvPr>
+            <p:cNvSpPr/>
+            <p:nvPr/>
+          </p:nvSpPr>
+          <p:spPr>
+            <a:xfrm>
+              <a:off x="2883877" y="4384432"/>
+              <a:ext cx="70338" cy="93784"/>
             </a:xfrm>
             <a:prstGeom prst="flowChartConnector">
               <a:avLst/>
@@ -18163,7 +18186,7 @@
 </p:sld>
 </file>
 
-<file path=ppt/slides/slide17.xml><?xml version="1.0" encoding="utf-8"?>
+<file path=ppt/slides/slide16.xml><?xml version="1.0" encoding="utf-8"?>
 <p:sld xmlns:a="http://schemas.openxmlformats.org/drawingml/2006/main" xmlns:r="http://schemas.openxmlformats.org/officeDocument/2006/relationships" xmlns:p="http://schemas.openxmlformats.org/presentationml/2006/main">
   <p:cSld>
     <p:spTree>
@@ -18289,7 +18312,7 @@
           <a:p>
             <a:fld id="{73B850FF-6169-4056-8077-06FFA93A5366}" type="slidenum">
               <a:rPr lang="en-US" smtClean="0"/>
-              <a:t>17</a:t>
+              <a:t>16</a:t>
             </a:fld>
             <a:endParaRPr lang="en-US"/>
           </a:p>
@@ -19073,7 +19096,7 @@
 </p:sld>
 </file>
 
-<file path=ppt/slides/slide18.xml><?xml version="1.0" encoding="utf-8"?>
+<file path=ppt/slides/slide17.xml><?xml version="1.0" encoding="utf-8"?>
 <p:sld xmlns:a="http://schemas.openxmlformats.org/drawingml/2006/main" xmlns:r="http://schemas.openxmlformats.org/officeDocument/2006/relationships" xmlns:p="http://schemas.openxmlformats.org/presentationml/2006/main">
   <p:cSld>
     <p:spTree>
@@ -19264,7 +19287,7 @@
           <a:p>
             <a:fld id="{73B850FF-6169-4056-8077-06FFA93A5366}" type="slidenum">
               <a:rPr lang="en-US" smtClean="0"/>
-              <a:t>18</a:t>
+              <a:t>17</a:t>
             </a:fld>
             <a:endParaRPr lang="en-US"/>
           </a:p>
@@ -19283,7 +19306,7 @@
 </p:sld>
 </file>
 
-<file path=ppt/slides/slide19.xml><?xml version="1.0" encoding="utf-8"?>
+<file path=ppt/slides/slide18.xml><?xml version="1.0" encoding="utf-8"?>
 <p:sld xmlns:a="http://schemas.openxmlformats.org/drawingml/2006/main" xmlns:r="http://schemas.openxmlformats.org/officeDocument/2006/relationships" xmlns:p="http://schemas.openxmlformats.org/presentationml/2006/main">
   <p:cSld>
     <p:bg>
@@ -30276,7 +30299,7 @@
                   <a:spcPts val="600"/>
                 </a:spcAft>
               </a:pPr>
-              <a:t>19</a:t>
+              <a:t>18</a:t>
             </a:fld>
             <a:endParaRPr lang="en-US"/>
           </a:p>
@@ -30295,182 +30318,7 @@
 </p:sld>
 </file>
 
-<file path=ppt/slides/slide2.xml><?xml version="1.0" encoding="utf-8"?>
-<p:sld xmlns:a="http://schemas.openxmlformats.org/drawingml/2006/main" xmlns:r="http://schemas.openxmlformats.org/officeDocument/2006/relationships" xmlns:p="http://schemas.openxmlformats.org/presentationml/2006/main">
-  <p:cSld>
-    <p:spTree>
-      <p:nvGrpSpPr>
-        <p:cNvPr id="1" name=""/>
-        <p:cNvGrpSpPr/>
-        <p:nvPr/>
-      </p:nvGrpSpPr>
-      <p:grpSpPr>
-        <a:xfrm>
-          <a:off x="0" y="0"/>
-          <a:ext cx="0" cy="0"/>
-          <a:chOff x="0" y="0"/>
-          <a:chExt cx="0" cy="0"/>
-        </a:xfrm>
-      </p:grpSpPr>
-      <p:sp>
-        <p:nvSpPr>
-          <p:cNvPr id="2" name="Titre 1">
-            <a:extLst>
-              <a:ext uri="{FF2B5EF4-FFF2-40B4-BE49-F238E27FC236}">
-                <a16:creationId xmlns:a16="http://schemas.microsoft.com/office/drawing/2014/main" id="{D75EDBBE-26C2-9785-25F4-F356B1EF0F98}"/>
-              </a:ext>
-            </a:extLst>
-          </p:cNvPr>
-          <p:cNvSpPr>
-            <a:spLocks noGrp="1"/>
-          </p:cNvSpPr>
-          <p:nvPr>
-            <p:ph type="title"/>
-          </p:nvPr>
-        </p:nvSpPr>
-        <p:spPr/>
-        <p:txBody>
-          <a:bodyPr/>
-          <a:lstStyle/>
-          <a:p>
-            <a:r>
-              <a:rPr lang="fr-CA" dirty="0"/>
-              <a:t>Plan de la présentation</a:t>
-            </a:r>
-          </a:p>
-        </p:txBody>
-      </p:sp>
-      <p:graphicFrame>
-        <p:nvGraphicFramePr>
-          <p:cNvPr id="4" name="Espace réservé du contenu 3">
-            <a:extLst>
-              <a:ext uri="{FF2B5EF4-FFF2-40B4-BE49-F238E27FC236}">
-                <a16:creationId xmlns:a16="http://schemas.microsoft.com/office/drawing/2014/main" id="{A6E9978F-1E7D-E001-DE31-F0972536E7D6}"/>
-              </a:ext>
-            </a:extLst>
-          </p:cNvPr>
-          <p:cNvGraphicFramePr>
-            <a:graphicFrameLocks noGrp="1"/>
-          </p:cNvGraphicFramePr>
-          <p:nvPr>
-            <p:ph idx="1"/>
-            <p:extLst>
-              <p:ext uri="{D42A27DB-BD31-4B8C-83A1-F6EECF244321}">
-                <p14:modId xmlns:p14="http://schemas.microsoft.com/office/powerpoint/2010/main" val="3314096864"/>
-              </p:ext>
-            </p:extLst>
-          </p:nvPr>
-        </p:nvGraphicFramePr>
-        <p:xfrm>
-          <a:off x="1463538" y="2545617"/>
-          <a:ext cx="8613912" cy="2816958"/>
-        </p:xfrm>
-        <a:graphic>
-          <a:graphicData uri="http://schemas.openxmlformats.org/drawingml/2006/diagram">
-            <dgm:relIds xmlns:dgm="http://schemas.openxmlformats.org/drawingml/2006/diagram" xmlns:r="http://schemas.openxmlformats.org/officeDocument/2006/relationships" r:dm="rId2" r:lo="rId3" r:qs="rId4" r:cs="rId5"/>
-          </a:graphicData>
-        </a:graphic>
-      </p:graphicFrame>
-      <p:sp>
-        <p:nvSpPr>
-          <p:cNvPr id="11" name="Espace réservé de la date 10">
-            <a:extLst>
-              <a:ext uri="{FF2B5EF4-FFF2-40B4-BE49-F238E27FC236}">
-                <a16:creationId xmlns:a16="http://schemas.microsoft.com/office/drawing/2014/main" id="{29C730F0-BED0-5A9E-FFE2-67F8BBD95B66}"/>
-              </a:ext>
-            </a:extLst>
-          </p:cNvPr>
-          <p:cNvSpPr>
-            <a:spLocks noGrp="1"/>
-          </p:cNvSpPr>
-          <p:nvPr>
-            <p:ph type="dt" sz="half" idx="10"/>
-          </p:nvPr>
-        </p:nvSpPr>
-        <p:spPr/>
-        <p:txBody>
-          <a:bodyPr/>
-          <a:lstStyle/>
-          <a:p>
-            <a:r>
-              <a:rPr lang="fr-FR"/>
-              <a:t>Session d'hiver 2023</a:t>
-            </a:r>
-            <a:endParaRPr lang="en-US"/>
-          </a:p>
-        </p:txBody>
-      </p:sp>
-      <p:sp>
-        <p:nvSpPr>
-          <p:cNvPr id="12" name="Espace réservé du pied de page 11">
-            <a:extLst>
-              <a:ext uri="{FF2B5EF4-FFF2-40B4-BE49-F238E27FC236}">
-                <a16:creationId xmlns:a16="http://schemas.microsoft.com/office/drawing/2014/main" id="{473C4718-764E-EB86-5153-E888F969D93D}"/>
-              </a:ext>
-            </a:extLst>
-          </p:cNvPr>
-          <p:cNvSpPr>
-            <a:spLocks noGrp="1"/>
-          </p:cNvSpPr>
-          <p:nvPr>
-            <p:ph type="ftr" sz="quarter" idx="11"/>
-          </p:nvPr>
-        </p:nvSpPr>
-        <p:spPr/>
-        <p:txBody>
-          <a:bodyPr/>
-          <a:lstStyle/>
-          <a:p>
-            <a:r>
-              <a:rPr lang="en-US"/>
-              <a:t>Université Laval - Cours STT-7335</a:t>
-            </a:r>
-          </a:p>
-        </p:txBody>
-      </p:sp>
-      <p:sp>
-        <p:nvSpPr>
-          <p:cNvPr id="13" name="Espace réservé du numéro de diapositive 12">
-            <a:extLst>
-              <a:ext uri="{FF2B5EF4-FFF2-40B4-BE49-F238E27FC236}">
-                <a16:creationId xmlns:a16="http://schemas.microsoft.com/office/drawing/2014/main" id="{96D5BAF7-1139-757D-D3CD-4A07201D84C1}"/>
-              </a:ext>
-            </a:extLst>
-          </p:cNvPr>
-          <p:cNvSpPr>
-            <a:spLocks noGrp="1"/>
-          </p:cNvSpPr>
-          <p:nvPr>
-            <p:ph type="sldNum" sz="quarter" idx="12"/>
-          </p:nvPr>
-        </p:nvSpPr>
-        <p:spPr/>
-        <p:txBody>
-          <a:bodyPr/>
-          <a:lstStyle/>
-          <a:p>
-            <a:fld id="{73B850FF-6169-4056-8077-06FFA93A5366}" type="slidenum">
-              <a:rPr lang="en-US" smtClean="0"/>
-              <a:t>2</a:t>
-            </a:fld>
-            <a:endParaRPr lang="en-US"/>
-          </a:p>
-        </p:txBody>
-      </p:sp>
-    </p:spTree>
-    <p:extLst>
-      <p:ext uri="{BB962C8B-B14F-4D97-AF65-F5344CB8AC3E}">
-        <p14:creationId xmlns:p14="http://schemas.microsoft.com/office/powerpoint/2010/main" val="3599994164"/>
-      </p:ext>
-    </p:extLst>
-  </p:cSld>
-  <p:clrMapOvr>
-    <a:masterClrMapping/>
-  </p:clrMapOvr>
-</p:sld>
-</file>
-
-<file path=ppt/slides/slide20.xml><?xml version="1.0" encoding="utf-8"?>
+<file path=ppt/slides/slide19.xml><?xml version="1.0" encoding="utf-8"?>
 <p:sld xmlns:a="http://schemas.openxmlformats.org/drawingml/2006/main" xmlns:r="http://schemas.openxmlformats.org/officeDocument/2006/relationships" xmlns:p="http://schemas.openxmlformats.org/presentationml/2006/main">
   <p:cSld>
     <p:spTree>
@@ -30687,7 +30535,7 @@
           <a:p>
             <a:fld id="{73B850FF-6169-4056-8077-06FFA93A5366}" type="slidenum">
               <a:rPr lang="en-US" smtClean="0"/>
-              <a:t>20</a:t>
+              <a:t>19</a:t>
             </a:fld>
             <a:endParaRPr lang="en-US"/>
           </a:p>
@@ -30706,7 +30554,182 @@
 </p:sld>
 </file>
 
-<file path=ppt/slides/slide21.xml><?xml version="1.0" encoding="utf-8"?>
+<file path=ppt/slides/slide2.xml><?xml version="1.0" encoding="utf-8"?>
+<p:sld xmlns:a="http://schemas.openxmlformats.org/drawingml/2006/main" xmlns:r="http://schemas.openxmlformats.org/officeDocument/2006/relationships" xmlns:p="http://schemas.openxmlformats.org/presentationml/2006/main">
+  <p:cSld>
+    <p:spTree>
+      <p:nvGrpSpPr>
+        <p:cNvPr id="1" name=""/>
+        <p:cNvGrpSpPr/>
+        <p:nvPr/>
+      </p:nvGrpSpPr>
+      <p:grpSpPr>
+        <a:xfrm>
+          <a:off x="0" y="0"/>
+          <a:ext cx="0" cy="0"/>
+          <a:chOff x="0" y="0"/>
+          <a:chExt cx="0" cy="0"/>
+        </a:xfrm>
+      </p:grpSpPr>
+      <p:sp>
+        <p:nvSpPr>
+          <p:cNvPr id="2" name="Titre 1">
+            <a:extLst>
+              <a:ext uri="{FF2B5EF4-FFF2-40B4-BE49-F238E27FC236}">
+                <a16:creationId xmlns:a16="http://schemas.microsoft.com/office/drawing/2014/main" id="{D75EDBBE-26C2-9785-25F4-F356B1EF0F98}"/>
+              </a:ext>
+            </a:extLst>
+          </p:cNvPr>
+          <p:cNvSpPr>
+            <a:spLocks noGrp="1"/>
+          </p:cNvSpPr>
+          <p:nvPr>
+            <p:ph type="title"/>
+          </p:nvPr>
+        </p:nvSpPr>
+        <p:spPr/>
+        <p:txBody>
+          <a:bodyPr/>
+          <a:lstStyle/>
+          <a:p>
+            <a:r>
+              <a:rPr lang="fr-CA" dirty="0"/>
+              <a:t>Plan de la présentation</a:t>
+            </a:r>
+          </a:p>
+        </p:txBody>
+      </p:sp>
+      <p:graphicFrame>
+        <p:nvGraphicFramePr>
+          <p:cNvPr id="4" name="Espace réservé du contenu 3">
+            <a:extLst>
+              <a:ext uri="{FF2B5EF4-FFF2-40B4-BE49-F238E27FC236}">
+                <a16:creationId xmlns:a16="http://schemas.microsoft.com/office/drawing/2014/main" id="{A6E9978F-1E7D-E001-DE31-F0972536E7D6}"/>
+              </a:ext>
+            </a:extLst>
+          </p:cNvPr>
+          <p:cNvGraphicFramePr>
+            <a:graphicFrameLocks noGrp="1"/>
+          </p:cNvGraphicFramePr>
+          <p:nvPr>
+            <p:ph idx="1"/>
+            <p:extLst>
+              <p:ext uri="{D42A27DB-BD31-4B8C-83A1-F6EECF244321}">
+                <p14:modId xmlns:p14="http://schemas.microsoft.com/office/powerpoint/2010/main" val="3314096864"/>
+              </p:ext>
+            </p:extLst>
+          </p:nvPr>
+        </p:nvGraphicFramePr>
+        <p:xfrm>
+          <a:off x="1463538" y="2545617"/>
+          <a:ext cx="8613912" cy="2816958"/>
+        </p:xfrm>
+        <a:graphic>
+          <a:graphicData uri="http://schemas.openxmlformats.org/drawingml/2006/diagram">
+            <dgm:relIds xmlns:dgm="http://schemas.openxmlformats.org/drawingml/2006/diagram" xmlns:r="http://schemas.openxmlformats.org/officeDocument/2006/relationships" r:dm="rId2" r:lo="rId3" r:qs="rId4" r:cs="rId5"/>
+          </a:graphicData>
+        </a:graphic>
+      </p:graphicFrame>
+      <p:sp>
+        <p:nvSpPr>
+          <p:cNvPr id="11" name="Espace réservé de la date 10">
+            <a:extLst>
+              <a:ext uri="{FF2B5EF4-FFF2-40B4-BE49-F238E27FC236}">
+                <a16:creationId xmlns:a16="http://schemas.microsoft.com/office/drawing/2014/main" id="{29C730F0-BED0-5A9E-FFE2-67F8BBD95B66}"/>
+              </a:ext>
+            </a:extLst>
+          </p:cNvPr>
+          <p:cNvSpPr>
+            <a:spLocks noGrp="1"/>
+          </p:cNvSpPr>
+          <p:nvPr>
+            <p:ph type="dt" sz="half" idx="10"/>
+          </p:nvPr>
+        </p:nvSpPr>
+        <p:spPr/>
+        <p:txBody>
+          <a:bodyPr/>
+          <a:lstStyle/>
+          <a:p>
+            <a:r>
+              <a:rPr lang="fr-FR"/>
+              <a:t>Session d'hiver 2023</a:t>
+            </a:r>
+            <a:endParaRPr lang="en-US"/>
+          </a:p>
+        </p:txBody>
+      </p:sp>
+      <p:sp>
+        <p:nvSpPr>
+          <p:cNvPr id="12" name="Espace réservé du pied de page 11">
+            <a:extLst>
+              <a:ext uri="{FF2B5EF4-FFF2-40B4-BE49-F238E27FC236}">
+                <a16:creationId xmlns:a16="http://schemas.microsoft.com/office/drawing/2014/main" id="{473C4718-764E-EB86-5153-E888F969D93D}"/>
+              </a:ext>
+            </a:extLst>
+          </p:cNvPr>
+          <p:cNvSpPr>
+            <a:spLocks noGrp="1"/>
+          </p:cNvSpPr>
+          <p:nvPr>
+            <p:ph type="ftr" sz="quarter" idx="11"/>
+          </p:nvPr>
+        </p:nvSpPr>
+        <p:spPr/>
+        <p:txBody>
+          <a:bodyPr/>
+          <a:lstStyle/>
+          <a:p>
+            <a:r>
+              <a:rPr lang="en-US"/>
+              <a:t>Université Laval - Cours STT-7335</a:t>
+            </a:r>
+          </a:p>
+        </p:txBody>
+      </p:sp>
+      <p:sp>
+        <p:nvSpPr>
+          <p:cNvPr id="13" name="Espace réservé du numéro de diapositive 12">
+            <a:extLst>
+              <a:ext uri="{FF2B5EF4-FFF2-40B4-BE49-F238E27FC236}">
+                <a16:creationId xmlns:a16="http://schemas.microsoft.com/office/drawing/2014/main" id="{96D5BAF7-1139-757D-D3CD-4A07201D84C1}"/>
+              </a:ext>
+            </a:extLst>
+          </p:cNvPr>
+          <p:cNvSpPr>
+            <a:spLocks noGrp="1"/>
+          </p:cNvSpPr>
+          <p:nvPr>
+            <p:ph type="sldNum" sz="quarter" idx="12"/>
+          </p:nvPr>
+        </p:nvSpPr>
+        <p:spPr/>
+        <p:txBody>
+          <a:bodyPr/>
+          <a:lstStyle/>
+          <a:p>
+            <a:fld id="{73B850FF-6169-4056-8077-06FFA93A5366}" type="slidenum">
+              <a:rPr lang="en-US" smtClean="0"/>
+              <a:t>2</a:t>
+            </a:fld>
+            <a:endParaRPr lang="en-US"/>
+          </a:p>
+        </p:txBody>
+      </p:sp>
+    </p:spTree>
+    <p:extLst>
+      <p:ext uri="{BB962C8B-B14F-4D97-AF65-F5344CB8AC3E}">
+        <p14:creationId xmlns:p14="http://schemas.microsoft.com/office/powerpoint/2010/main" val="3599994164"/>
+      </p:ext>
+    </p:extLst>
+  </p:cSld>
+  <p:clrMapOvr>
+    <a:masterClrMapping/>
+  </p:clrMapOvr>
+</p:sld>
+</file>
+
+<file path=ppt/slides/slide20.xml><?xml version="1.0" encoding="utf-8"?>
 <p:sld xmlns:a="http://schemas.openxmlformats.org/drawingml/2006/main" xmlns:r="http://schemas.openxmlformats.org/officeDocument/2006/relationships" xmlns:p="http://schemas.openxmlformats.org/presentationml/2006/main">
   <p:cSld>
     <p:spTree>
@@ -30920,185 +30943,241 @@
               <a:t>Modèles MRF: </a:t>
             </a:r>
             <a:r>
-              <a:rPr lang="fr-CA" dirty="0" err="1">
+              <a:rPr lang="fr-CA" b="0" i="0" dirty="0" err="1">
                 <a:solidFill>
-                  <a:schemeClr val="tx1"/>
+                  <a:srgbClr val="222222"/>
                 </a:solidFill>
+                <a:effectLst/>
                 <a:latin typeface="Arial" panose="020B0604020202020204" pitchFamily="34" charset="0"/>
               </a:rPr>
               <a:t>Tarabalka</a:t>
             </a:r>
             <a:r>
-              <a:rPr lang="fr-CA" dirty="0">
+              <a:rPr lang="fr-CA" b="0" i="0" dirty="0">
                 <a:solidFill>
-                  <a:schemeClr val="tx1"/>
+                  <a:srgbClr val="222222"/>
                 </a:solidFill>
+                <a:effectLst/>
                 <a:latin typeface="Arial" panose="020B0604020202020204" pitchFamily="34" charset="0"/>
               </a:rPr>
               <a:t>, Y., Fauvel, M., </a:t>
             </a:r>
             <a:r>
-              <a:rPr lang="fr-CA" dirty="0" err="1">
+              <a:rPr lang="fr-CA" b="0" i="0" dirty="0" err="1">
                 <a:solidFill>
-                  <a:schemeClr val="tx1"/>
+                  <a:srgbClr val="222222"/>
                 </a:solidFill>
+                <a:effectLst/>
                 <a:latin typeface="Arial" panose="020B0604020202020204" pitchFamily="34" charset="0"/>
               </a:rPr>
               <a:t>Chanussot</a:t>
             </a:r>
             <a:r>
-              <a:rPr lang="fr-CA" dirty="0">
+              <a:rPr lang="fr-CA" b="0" i="0" dirty="0">
                 <a:solidFill>
-                  <a:schemeClr val="tx1"/>
+                  <a:srgbClr val="222222"/>
                 </a:solidFill>
+                <a:effectLst/>
                 <a:latin typeface="Arial" panose="020B0604020202020204" pitchFamily="34" charset="0"/>
               </a:rPr>
               <a:t>, J., &amp; </a:t>
             </a:r>
             <a:r>
-              <a:rPr lang="fr-CA" dirty="0" err="1">
+              <a:rPr lang="fr-CA" b="0" i="0" dirty="0" err="1">
                 <a:solidFill>
-                  <a:schemeClr val="tx1"/>
+                  <a:srgbClr val="222222"/>
                 </a:solidFill>
+                <a:effectLst/>
                 <a:latin typeface="Arial" panose="020B0604020202020204" pitchFamily="34" charset="0"/>
               </a:rPr>
               <a:t>Benediktsson</a:t>
             </a:r>
             <a:r>
-              <a:rPr lang="fr-CA" dirty="0">
+              <a:rPr lang="fr-CA" b="0" i="0" dirty="0">
                 <a:solidFill>
-                  <a:schemeClr val="tx1"/>
+                  <a:srgbClr val="222222"/>
                 </a:solidFill>
+                <a:effectLst/>
                 <a:latin typeface="Arial" panose="020B0604020202020204" pitchFamily="34" charset="0"/>
               </a:rPr>
               <a:t>, J. A. (2010). SVM-and MRF-</a:t>
             </a:r>
             <a:r>
-              <a:rPr lang="fr-CA" dirty="0" err="1">
+              <a:rPr lang="fr-CA" b="0" i="0" dirty="0" err="1">
                 <a:solidFill>
-                  <a:schemeClr val="tx1"/>
+                  <a:srgbClr val="222222"/>
                 </a:solidFill>
+                <a:effectLst/>
                 <a:latin typeface="Arial" panose="020B0604020202020204" pitchFamily="34" charset="0"/>
               </a:rPr>
               <a:t>based</a:t>
             </a:r>
             <a:r>
-              <a:rPr lang="fr-CA" dirty="0">
+              <a:rPr lang="fr-CA" b="0" i="0" dirty="0">
                 <a:solidFill>
-                  <a:schemeClr val="tx1"/>
+                  <a:srgbClr val="222222"/>
                 </a:solidFill>
+                <a:effectLst/>
                 <a:latin typeface="Arial" panose="020B0604020202020204" pitchFamily="34" charset="0"/>
               </a:rPr>
               <a:t> </a:t>
             </a:r>
             <a:r>
-              <a:rPr lang="fr-CA" dirty="0" err="1">
+              <a:rPr lang="fr-CA" b="0" i="0" dirty="0" err="1">
                 <a:solidFill>
-                  <a:schemeClr val="tx1"/>
+                  <a:srgbClr val="222222"/>
                 </a:solidFill>
+                <a:effectLst/>
                 <a:latin typeface="Arial" panose="020B0604020202020204" pitchFamily="34" charset="0"/>
               </a:rPr>
               <a:t>method</a:t>
             </a:r>
             <a:r>
-              <a:rPr lang="fr-CA" dirty="0">
+              <a:rPr lang="fr-CA" b="0" i="0" dirty="0">
                 <a:solidFill>
-                  <a:schemeClr val="tx1"/>
+                  <a:srgbClr val="222222"/>
                 </a:solidFill>
+                <a:effectLst/>
                 <a:latin typeface="Arial" panose="020B0604020202020204" pitchFamily="34" charset="0"/>
               </a:rPr>
               <a:t> for </a:t>
             </a:r>
             <a:r>
-              <a:rPr lang="fr-CA" dirty="0" err="1">
+              <a:rPr lang="fr-CA" b="0" i="0" dirty="0" err="1">
                 <a:solidFill>
-                  <a:schemeClr val="tx1"/>
+                  <a:srgbClr val="222222"/>
                 </a:solidFill>
+                <a:effectLst/>
                 <a:latin typeface="Arial" panose="020B0604020202020204" pitchFamily="34" charset="0"/>
               </a:rPr>
               <a:t>accurate</a:t>
             </a:r>
             <a:r>
-              <a:rPr lang="fr-CA" dirty="0">
+              <a:rPr lang="fr-CA" b="0" i="0" dirty="0">
                 <a:solidFill>
-                  <a:schemeClr val="tx1"/>
+                  <a:srgbClr val="222222"/>
                 </a:solidFill>
+                <a:effectLst/>
                 <a:latin typeface="Arial" panose="020B0604020202020204" pitchFamily="34" charset="0"/>
               </a:rPr>
-              <a:t> classification of hyperspectral images. IEEE </a:t>
+              <a:t> classification of hyperspectral images. </a:t>
             </a:r>
             <a:r>
-              <a:rPr lang="fr-CA" dirty="0" err="1">
+              <a:rPr lang="fr-CA" b="0" i="1" dirty="0">
                 <a:solidFill>
-                  <a:schemeClr val="tx1"/>
+                  <a:srgbClr val="222222"/>
                 </a:solidFill>
+                <a:effectLst/>
+                <a:latin typeface="Arial" panose="020B0604020202020204" pitchFamily="34" charset="0"/>
+              </a:rPr>
+              <a:t>IEEE </a:t>
+            </a:r>
+            <a:r>
+              <a:rPr lang="fr-CA" b="0" i="1" dirty="0" err="1">
+                <a:solidFill>
+                  <a:srgbClr val="222222"/>
+                </a:solidFill>
+                <a:effectLst/>
                 <a:latin typeface="Arial" panose="020B0604020202020204" pitchFamily="34" charset="0"/>
               </a:rPr>
               <a:t>Geoscience</a:t>
             </a:r>
             <a:r>
-              <a:rPr lang="fr-CA" dirty="0">
+              <a:rPr lang="fr-CA" b="0" i="1" dirty="0">
                 <a:solidFill>
-                  <a:schemeClr val="tx1"/>
+                  <a:srgbClr val="222222"/>
                 </a:solidFill>
+                <a:effectLst/>
                 <a:latin typeface="Arial" panose="020B0604020202020204" pitchFamily="34" charset="0"/>
               </a:rPr>
               <a:t> and </a:t>
             </a:r>
             <a:r>
-              <a:rPr lang="fr-CA" dirty="0" err="1">
+              <a:rPr lang="fr-CA" b="0" i="1" dirty="0" err="1">
                 <a:solidFill>
-                  <a:schemeClr val="tx1"/>
+                  <a:srgbClr val="222222"/>
                 </a:solidFill>
+                <a:effectLst/>
                 <a:latin typeface="Arial" panose="020B0604020202020204" pitchFamily="34" charset="0"/>
               </a:rPr>
               <a:t>Remote</a:t>
             </a:r>
             <a:r>
-              <a:rPr lang="fr-CA" dirty="0">
+              <a:rPr lang="fr-CA" b="0" i="1" dirty="0">
                 <a:solidFill>
-                  <a:schemeClr val="tx1"/>
+                  <a:srgbClr val="222222"/>
                 </a:solidFill>
+                <a:effectLst/>
                 <a:latin typeface="Arial" panose="020B0604020202020204" pitchFamily="34" charset="0"/>
               </a:rPr>
               <a:t> </a:t>
             </a:r>
             <a:r>
-              <a:rPr lang="fr-CA" dirty="0" err="1">
+              <a:rPr lang="fr-CA" b="0" i="1" dirty="0" err="1">
                 <a:solidFill>
-                  <a:schemeClr val="tx1"/>
+                  <a:srgbClr val="222222"/>
                 </a:solidFill>
+                <a:effectLst/>
                 <a:latin typeface="Arial" panose="020B0604020202020204" pitchFamily="34" charset="0"/>
               </a:rPr>
               <a:t>Sensing</a:t>
             </a:r>
             <a:r>
-              <a:rPr lang="fr-CA" dirty="0">
+              <a:rPr lang="fr-CA" b="0" i="1" dirty="0">
                 <a:solidFill>
-                  <a:schemeClr val="tx1"/>
+                  <a:srgbClr val="222222"/>
                 </a:solidFill>
+                <a:effectLst/>
                 <a:latin typeface="Arial" panose="020B0604020202020204" pitchFamily="34" charset="0"/>
               </a:rPr>
               <a:t> </a:t>
             </a:r>
             <a:r>
-              <a:rPr lang="fr-CA" dirty="0" err="1">
+              <a:rPr lang="fr-CA" b="0" i="1" dirty="0" err="1">
                 <a:solidFill>
-                  <a:schemeClr val="tx1"/>
+                  <a:srgbClr val="222222"/>
                 </a:solidFill>
+                <a:effectLst/>
                 <a:latin typeface="Arial" panose="020B0604020202020204" pitchFamily="34" charset="0"/>
               </a:rPr>
               <a:t>Letters</a:t>
             </a:r>
             <a:r>
-              <a:rPr lang="fr-CA" dirty="0">
+              <a:rPr lang="fr-CA" b="0" i="0" dirty="0">
                 <a:solidFill>
-                  <a:schemeClr val="tx1"/>
+                  <a:srgbClr val="222222"/>
                 </a:solidFill>
+                <a:effectLst/>
                 <a:latin typeface="Arial" panose="020B0604020202020204" pitchFamily="34" charset="0"/>
               </a:rPr>
-              <a:t>, 7(4), 736-740.</a:t>
+              <a:t>, </a:t>
             </a:r>
+            <a:r>
+              <a:rPr lang="fr-CA" b="0" i="1" dirty="0">
+                <a:solidFill>
+                  <a:srgbClr val="222222"/>
+                </a:solidFill>
+                <a:effectLst/>
+                <a:latin typeface="Arial" panose="020B0604020202020204" pitchFamily="34" charset="0"/>
+              </a:rPr>
+              <a:t>7</a:t>
+            </a:r>
+            <a:r>
+              <a:rPr lang="fr-CA" b="0" i="0" dirty="0">
+                <a:solidFill>
+                  <a:srgbClr val="222222"/>
+                </a:solidFill>
+                <a:effectLst/>
+                <a:latin typeface="Arial" panose="020B0604020202020204" pitchFamily="34" charset="0"/>
+              </a:rPr>
+              <a:t>(4), 736-740.</a:t>
+            </a:r>
+            <a:endParaRPr lang="fr-CA" dirty="0">
+              <a:solidFill>
+                <a:schemeClr val="tx1"/>
+              </a:solidFill>
+              <a:latin typeface="Arial" panose="020B0604020202020204" pitchFamily="34" charset="0"/>
+            </a:endParaRPr>
           </a:p>
         </p:txBody>
       </p:sp>
@@ -31182,7 +31261,7 @@
           <a:p>
             <a:fld id="{73B850FF-6169-4056-8077-06FFA93A5366}" type="slidenum">
               <a:rPr lang="en-US" smtClean="0"/>
-              <a:t>21</a:t>
+              <a:t>20</a:t>
             </a:fld>
             <a:endParaRPr lang="en-US"/>
           </a:p>
@@ -31201,7 +31280,7 @@
 </p:sld>
 </file>
 
-<file path=ppt/slides/slide22.xml><?xml version="1.0" encoding="utf-8"?>
+<file path=ppt/slides/slide21.xml><?xml version="1.0" encoding="utf-8"?>
 <p:sld xmlns:a="http://schemas.openxmlformats.org/drawingml/2006/main" xmlns:r="http://schemas.openxmlformats.org/officeDocument/2006/relationships" xmlns:p="http://schemas.openxmlformats.org/presentationml/2006/main">
   <p:cSld>
     <p:spTree>
@@ -31675,7 +31754,7 @@
           <a:p>
             <a:fld id="{73B850FF-6169-4056-8077-06FFA93A5366}" type="slidenum">
               <a:rPr lang="en-US" smtClean="0"/>
-              <a:t>22</a:t>
+              <a:t>21</a:t>
             </a:fld>
             <a:endParaRPr lang="en-US"/>
           </a:p>
@@ -43714,7 +43793,12 @@
             <p:ph type="title"/>
           </p:nvPr>
         </p:nvSpPr>
-        <p:spPr/>
+        <p:spPr>
+          <a:xfrm>
+            <a:off x="838200" y="365125"/>
+            <a:ext cx="8349343" cy="1491317"/>
+          </a:xfrm>
+        </p:spPr>
         <p:txBody>
           <a:bodyPr/>
           <a:lstStyle/>
